--- a/3. Back-end/1. JavaCore/4. Access Modifier trong java.pptx
+++ b/3. Back-end/1. JavaCore/4. Access Modifier trong java.pptx
@@ -8,12 +8,16 @@
     <p:sldId id="256" r:id="rId2"/>
     <p:sldId id="259" r:id="rId3"/>
     <p:sldId id="270" r:id="rId4"/>
-    <p:sldId id="260" r:id="rId5"/>
-    <p:sldId id="261" r:id="rId6"/>
-    <p:sldId id="272" r:id="rId7"/>
-    <p:sldId id="273" r:id="rId8"/>
-    <p:sldId id="271" r:id="rId9"/>
-    <p:sldId id="268" r:id="rId10"/>
+    <p:sldId id="274" r:id="rId5"/>
+    <p:sldId id="260" r:id="rId6"/>
+    <p:sldId id="261" r:id="rId7"/>
+    <p:sldId id="275" r:id="rId8"/>
+    <p:sldId id="276" r:id="rId9"/>
+    <p:sldId id="272" r:id="rId10"/>
+    <p:sldId id="273" r:id="rId11"/>
+    <p:sldId id="271" r:id="rId12"/>
+    <p:sldId id="277" r:id="rId13"/>
+    <p:sldId id="268" r:id="rId14"/>
   </p:sldIdLst>
   <p:sldSz cx="9144000" cy="6858000" type="screen4x3"/>
   <p:notesSz cx="6858000" cy="9144000"/>
@@ -3127,11 +3131,7 @@
             </a:r>
             <a:r>
               <a:rPr lang="en-US" dirty="0" smtClean="0"/>
-              <a:t>: Pham </a:t>
-            </a:r>
-            <a:r>
-              <a:rPr lang="en-US" dirty="0" smtClean="0"/>
-              <a:t>Ngoc </a:t>
+              <a:t>: Pham Ngoc </a:t>
             </a:r>
             <a:r>
               <a:rPr lang="en-US" dirty="0" err="1" smtClean="0"/>
@@ -3151,6 +3151,733 @@
   <p:clrMapOvr>
     <a:masterClrMapping/>
   </p:clrMapOvr>
+  <p:timing>
+    <p:tnLst>
+      <p:par>
+        <p:cTn id="1" dur="indefinite" restart="never" nodeType="tmRoot"/>
+      </p:par>
+    </p:tnLst>
+  </p:timing>
+</p:sld>
+</file>
+
+<file path=ppt/slides/slide10.xml><?xml version="1.0" encoding="utf-8"?>
+<p:sld xmlns:a="http://schemas.openxmlformats.org/drawingml/2006/main" xmlns:r="http://schemas.openxmlformats.org/officeDocument/2006/relationships" xmlns:p="http://schemas.openxmlformats.org/presentationml/2006/main">
+  <p:cSld>
+    <p:spTree>
+      <p:nvGrpSpPr>
+        <p:cNvPr id="1" name=""/>
+        <p:cNvGrpSpPr/>
+        <p:nvPr/>
+      </p:nvGrpSpPr>
+      <p:grpSpPr>
+        <a:xfrm>
+          <a:off x="0" y="0"/>
+          <a:ext cx="0" cy="0"/>
+          <a:chOff x="0" y="0"/>
+          <a:chExt cx="0" cy="0"/>
+        </a:xfrm>
+      </p:grpSpPr>
+      <p:sp>
+        <p:nvSpPr>
+          <p:cNvPr id="2" name="Title 1"/>
+          <p:cNvSpPr>
+            <a:spLocks noGrp="1"/>
+          </p:cNvSpPr>
+          <p:nvPr>
+            <p:ph type="title"/>
+          </p:nvPr>
+        </p:nvSpPr>
+        <p:spPr/>
+        <p:txBody>
+          <a:bodyPr>
+            <a:normAutofit fontScale="90000"/>
+          </a:bodyPr>
+          <a:lstStyle/>
+          <a:p>
+            <a:r>
+              <a:rPr lang="en-US" smtClean="0"/>
+              <a:t>Cách sử dụng</a:t>
+            </a:r>
+            <a:br>
+              <a:rPr lang="en-US" smtClean="0"/>
+            </a:br>
+            <a:endParaRPr lang="en-GB" dirty="0"/>
+          </a:p>
+        </p:txBody>
+      </p:sp>
+      <p:sp>
+        <p:nvSpPr>
+          <p:cNvPr id="3" name="Content Placeholder 2"/>
+          <p:cNvSpPr>
+            <a:spLocks noGrp="1"/>
+          </p:cNvSpPr>
+          <p:nvPr>
+            <p:ph idx="1"/>
+          </p:nvPr>
+        </p:nvSpPr>
+        <p:spPr/>
+        <p:txBody>
+          <a:bodyPr/>
+          <a:lstStyle/>
+          <a:p>
+            <a:r>
+              <a:rPr lang="en-US" dirty="0" err="1" smtClean="0"/>
+              <a:t>Không</a:t>
+            </a:r>
+            <a:r>
+              <a:rPr lang="en-US" dirty="0" smtClean="0"/>
+              <a:t> </a:t>
+            </a:r>
+            <a:r>
+              <a:rPr lang="en-US" dirty="0" err="1" smtClean="0"/>
+              <a:t>sử</a:t>
+            </a:r>
+            <a:r>
+              <a:rPr lang="en-US" dirty="0" smtClean="0"/>
+              <a:t> </a:t>
+            </a:r>
+            <a:r>
+              <a:rPr lang="en-US" dirty="0" err="1" smtClean="0"/>
+              <a:t>dụng</a:t>
+            </a:r>
+            <a:r>
+              <a:rPr lang="en-US" dirty="0" smtClean="0"/>
+              <a:t> </a:t>
+            </a:r>
+            <a:r>
+              <a:rPr lang="en-US" dirty="0" err="1" smtClean="0"/>
+              <a:t>mặc</a:t>
+            </a:r>
+            <a:r>
+              <a:rPr lang="en-US" dirty="0" smtClean="0"/>
+              <a:t> </a:t>
+            </a:r>
+            <a:r>
+              <a:rPr lang="en-US" dirty="0" err="1" smtClean="0"/>
+              <a:t>định</a:t>
+            </a:r>
+            <a:r>
+              <a:rPr lang="en-US" dirty="0" smtClean="0"/>
+              <a:t> </a:t>
+            </a:r>
+            <a:r>
+              <a:rPr lang="en-US" b="1" dirty="0" err="1" smtClean="0"/>
+              <a:t>private|public</a:t>
+            </a:r>
+            <a:r>
+              <a:rPr lang="en-US" b="1" dirty="0" err="1"/>
+              <a:t>|</a:t>
+            </a:r>
+            <a:r>
+              <a:rPr lang="en-US" b="1" dirty="0" err="1" smtClean="0"/>
+              <a:t>protected</a:t>
+            </a:r>
+            <a:r>
+              <a:rPr lang="en-US" dirty="0" smtClean="0"/>
+              <a:t> String name;</a:t>
+            </a:r>
+          </a:p>
+          <a:p>
+            <a:pPr marL="0" indent="0">
+              <a:buNone/>
+            </a:pPr>
+            <a:endParaRPr lang="en-US" dirty="0" smtClean="0"/>
+          </a:p>
+          <a:p>
+            <a:r>
+              <a:rPr lang="en-US" dirty="0" err="1" smtClean="0"/>
+              <a:t>Nếu</a:t>
+            </a:r>
+            <a:r>
+              <a:rPr lang="en-US" dirty="0" smtClean="0"/>
+              <a:t> </a:t>
+            </a:r>
+            <a:r>
+              <a:rPr lang="en-US" dirty="0" err="1" smtClean="0"/>
+              <a:t>không</a:t>
+            </a:r>
+            <a:r>
+              <a:rPr lang="en-US" dirty="0" smtClean="0"/>
+              <a:t> </a:t>
+            </a:r>
+            <a:r>
+              <a:rPr lang="en-US" dirty="0" err="1" smtClean="0"/>
+              <a:t>sử</a:t>
+            </a:r>
+            <a:r>
+              <a:rPr lang="en-US" dirty="0" smtClean="0"/>
+              <a:t> </a:t>
+            </a:r>
+            <a:r>
+              <a:rPr lang="en-US" dirty="0" err="1" smtClean="0"/>
+              <a:t>dụng</a:t>
+            </a:r>
+            <a:r>
+              <a:rPr lang="en-US" dirty="0" smtClean="0"/>
+              <a:t> 3 </a:t>
+            </a:r>
+            <a:r>
+              <a:rPr lang="en-US" dirty="0" err="1" smtClean="0"/>
+              <a:t>từ</a:t>
+            </a:r>
+            <a:r>
+              <a:rPr lang="en-US" dirty="0" smtClean="0"/>
+              <a:t> </a:t>
+            </a:r>
+            <a:r>
+              <a:rPr lang="en-US" dirty="0" err="1" smtClean="0"/>
+              <a:t>khóa</a:t>
+            </a:r>
+            <a:r>
+              <a:rPr lang="en-US" dirty="0" smtClean="0"/>
+              <a:t> </a:t>
+            </a:r>
+            <a:r>
+              <a:rPr lang="en-US" dirty="0" err="1" smtClean="0"/>
+              <a:t>còn</a:t>
+            </a:r>
+            <a:r>
+              <a:rPr lang="en-US" dirty="0" smtClean="0"/>
+              <a:t> </a:t>
+            </a:r>
+            <a:r>
+              <a:rPr lang="en-US" dirty="0" err="1" smtClean="0"/>
+              <a:t>lại</a:t>
+            </a:r>
+            <a:endParaRPr lang="en-US" dirty="0" smtClean="0"/>
+          </a:p>
+          <a:p>
+            <a:pPr marL="400050" lvl="1" indent="0">
+              <a:buNone/>
+            </a:pPr>
+            <a:r>
+              <a:rPr lang="en-US" dirty="0" smtClean="0"/>
+              <a:t>String name</a:t>
+            </a:r>
+          </a:p>
+          <a:p>
+            <a:pPr marL="0" indent="0">
+              <a:buNone/>
+            </a:pPr>
+            <a:endParaRPr lang="en-US" dirty="0" smtClean="0"/>
+          </a:p>
+          <a:p>
+            <a:endParaRPr lang="en-GB" dirty="0"/>
+          </a:p>
+        </p:txBody>
+      </p:sp>
+    </p:spTree>
+    <p:extLst>
+      <p:ext uri="{BB962C8B-B14F-4D97-AF65-F5344CB8AC3E}">
+        <p14:creationId xmlns:p14="http://schemas.microsoft.com/office/powerpoint/2010/main" val="4032895327"/>
+      </p:ext>
+    </p:extLst>
+  </p:cSld>
+  <p:clrMapOvr>
+    <a:masterClrMapping/>
+  </p:clrMapOvr>
+  <p:timing>
+    <p:tnLst>
+      <p:par>
+        <p:cTn id="1" dur="indefinite" restart="never" nodeType="tmRoot"/>
+      </p:par>
+    </p:tnLst>
+  </p:timing>
+</p:sld>
+</file>
+
+<file path=ppt/slides/slide11.xml><?xml version="1.0" encoding="utf-8"?>
+<p:sld xmlns:a="http://schemas.openxmlformats.org/drawingml/2006/main" xmlns:r="http://schemas.openxmlformats.org/officeDocument/2006/relationships" xmlns:p="http://schemas.openxmlformats.org/presentationml/2006/main">
+  <p:cSld>
+    <p:spTree>
+      <p:nvGrpSpPr>
+        <p:cNvPr id="1" name=""/>
+        <p:cNvGrpSpPr/>
+        <p:nvPr/>
+      </p:nvGrpSpPr>
+      <p:grpSpPr>
+        <a:xfrm>
+          <a:off x="0" y="0"/>
+          <a:ext cx="0" cy="0"/>
+          <a:chOff x="0" y="0"/>
+          <a:chExt cx="0" cy="0"/>
+        </a:xfrm>
+      </p:grpSpPr>
+      <p:sp>
+        <p:nvSpPr>
+          <p:cNvPr id="2" name="Title 1"/>
+          <p:cNvSpPr>
+            <a:spLocks noGrp="1"/>
+          </p:cNvSpPr>
+          <p:nvPr>
+            <p:ph type="title"/>
+          </p:nvPr>
+        </p:nvSpPr>
+        <p:spPr/>
+        <p:txBody>
+          <a:bodyPr/>
+          <a:lstStyle/>
+          <a:p>
+            <a:r>
+              <a:rPr lang="en-US" dirty="0" smtClean="0"/>
+              <a:t>AM </a:t>
+            </a:r>
+            <a:r>
+              <a:rPr lang="en-US" dirty="0" err="1" smtClean="0"/>
+              <a:t>với</a:t>
+            </a:r>
+            <a:r>
+              <a:rPr lang="en-US" dirty="0" smtClean="0"/>
+              <a:t> Class</a:t>
+            </a:r>
+            <a:endParaRPr lang="en-GB" dirty="0"/>
+          </a:p>
+        </p:txBody>
+      </p:sp>
+      <p:sp>
+        <p:nvSpPr>
+          <p:cNvPr id="4" name="Content Placeholder 3"/>
+          <p:cNvSpPr>
+            <a:spLocks noGrp="1"/>
+          </p:cNvSpPr>
+          <p:nvPr>
+            <p:ph idx="1"/>
+          </p:nvPr>
+        </p:nvSpPr>
+        <p:spPr/>
+        <p:txBody>
+          <a:bodyPr/>
+          <a:lstStyle/>
+          <a:p>
+            <a:r>
+              <a:rPr lang="en-US" dirty="0" err="1" smtClean="0"/>
+              <a:t>Không</a:t>
+            </a:r>
+            <a:r>
+              <a:rPr lang="en-US" dirty="0" smtClean="0"/>
+              <a:t> </a:t>
+            </a:r>
+            <a:r>
+              <a:rPr lang="en-US" dirty="0" err="1" smtClean="0"/>
+              <a:t>thể</a:t>
+            </a:r>
+            <a:r>
+              <a:rPr lang="en-US" dirty="0" smtClean="0"/>
+              <a:t> private, protected </a:t>
+            </a:r>
+            <a:r>
+              <a:rPr lang="en-US" dirty="0" err="1" smtClean="0"/>
+              <a:t>với</a:t>
+            </a:r>
+            <a:r>
+              <a:rPr lang="en-US" dirty="0" smtClean="0"/>
+              <a:t> class</a:t>
+            </a:r>
+          </a:p>
+          <a:p>
+            <a:pPr lvl="1">
+              <a:buFont typeface="Symbol"/>
+              <a:buChar char="Þ"/>
+            </a:pPr>
+            <a:r>
+              <a:rPr lang="en-US" dirty="0" err="1" smtClean="0"/>
+              <a:t>Lỗi</a:t>
+            </a:r>
+            <a:r>
+              <a:rPr lang="en-US" dirty="0" smtClean="0"/>
+              <a:t> </a:t>
+            </a:r>
+            <a:r>
+              <a:rPr lang="en-US" dirty="0" smtClean="0"/>
+              <a:t>compiler</a:t>
+            </a:r>
+          </a:p>
+          <a:p>
+            <a:r>
+              <a:rPr lang="en-US" dirty="0" err="1" smtClean="0"/>
+              <a:t>Chỉ</a:t>
+            </a:r>
+            <a:r>
+              <a:rPr lang="en-US" dirty="0" smtClean="0"/>
+              <a:t> </a:t>
+            </a:r>
+            <a:r>
+              <a:rPr lang="en-US" dirty="0" err="1" smtClean="0"/>
+              <a:t>dử</a:t>
+            </a:r>
+            <a:r>
+              <a:rPr lang="en-US" dirty="0" smtClean="0"/>
+              <a:t> </a:t>
+            </a:r>
+            <a:r>
+              <a:rPr lang="en-US" dirty="0" err="1" smtClean="0"/>
+              <a:t>dụng</a:t>
+            </a:r>
+            <a:r>
+              <a:rPr lang="en-US" dirty="0" smtClean="0"/>
+              <a:t> private, protected </a:t>
+            </a:r>
+            <a:r>
+              <a:rPr lang="en-US" dirty="0" err="1" smtClean="0"/>
+              <a:t>với</a:t>
+            </a:r>
+            <a:r>
+              <a:rPr lang="en-US" dirty="0" smtClean="0"/>
+              <a:t> </a:t>
+            </a:r>
+            <a:r>
+              <a:rPr lang="en-US" dirty="0" err="1" smtClean="0"/>
+              <a:t>SubClass</a:t>
+            </a:r>
+            <a:endParaRPr lang="en-US" dirty="0" smtClean="0"/>
+          </a:p>
+          <a:p>
+            <a:r>
+              <a:rPr lang="en-US" dirty="0" err="1" smtClean="0"/>
+              <a:t>Vì</a:t>
+            </a:r>
+            <a:r>
+              <a:rPr lang="en-US" dirty="0" smtClean="0"/>
+              <a:t> </a:t>
+            </a:r>
+            <a:r>
+              <a:rPr lang="en-US" dirty="0" err="1" smtClean="0"/>
+              <a:t>sao</a:t>
+            </a:r>
+            <a:endParaRPr lang="en-US" dirty="0" smtClean="0"/>
+          </a:p>
+          <a:p>
+            <a:pPr lvl="1"/>
+            <a:r>
+              <a:rPr lang="en-US" dirty="0" err="1" smtClean="0"/>
+              <a:t>Dùng</a:t>
+            </a:r>
+            <a:r>
+              <a:rPr lang="en-US" dirty="0" smtClean="0"/>
+              <a:t> private </a:t>
+            </a:r>
+            <a:r>
+              <a:rPr lang="en-US" dirty="0" err="1" smtClean="0"/>
+              <a:t>thì</a:t>
+            </a:r>
+            <a:r>
+              <a:rPr lang="en-US" dirty="0" smtClean="0"/>
+              <a:t> class =&gt; class </a:t>
+            </a:r>
+            <a:r>
+              <a:rPr lang="en-US" dirty="0" err="1" smtClean="0"/>
+              <a:t>đóng</a:t>
+            </a:r>
+            <a:r>
+              <a:rPr lang="en-US" dirty="0" smtClean="0"/>
+              <a:t> </a:t>
+            </a:r>
+            <a:r>
+              <a:rPr lang="en-US" dirty="0" err="1" smtClean="0"/>
+              <a:t>không</a:t>
+            </a:r>
+            <a:r>
+              <a:rPr lang="en-US" dirty="0" smtClean="0"/>
+              <a:t> chia </a:t>
+            </a:r>
+            <a:r>
+              <a:rPr lang="en-US" dirty="0" err="1" smtClean="0"/>
+              <a:t>sẻ</a:t>
+            </a:r>
+            <a:r>
+              <a:rPr lang="en-US" dirty="0" smtClean="0"/>
+              <a:t> </a:t>
+            </a:r>
+            <a:r>
+              <a:rPr lang="en-US" dirty="0" err="1" smtClean="0"/>
+              <a:t>các</a:t>
+            </a:r>
+            <a:r>
+              <a:rPr lang="en-US" dirty="0" smtClean="0"/>
+              <a:t> </a:t>
+            </a:r>
+            <a:r>
+              <a:rPr lang="en-US" dirty="0" err="1" smtClean="0"/>
+              <a:t>hàm</a:t>
+            </a:r>
+            <a:r>
+              <a:rPr lang="en-US" dirty="0" smtClean="0"/>
+              <a:t> getter </a:t>
+            </a:r>
+            <a:r>
+              <a:rPr lang="en-US" dirty="0" err="1" smtClean="0"/>
+              <a:t>và</a:t>
+            </a:r>
+            <a:r>
+              <a:rPr lang="en-US" dirty="0" smtClean="0"/>
+              <a:t> setter =&gt; class “</a:t>
+            </a:r>
+            <a:r>
+              <a:rPr lang="en-US" dirty="0" err="1" smtClean="0"/>
+              <a:t>tù</a:t>
+            </a:r>
+            <a:r>
+              <a:rPr lang="en-US" dirty="0" smtClean="0"/>
+              <a:t>” </a:t>
+            </a:r>
+            <a:r>
+              <a:rPr lang="en-US" dirty="0" err="1" smtClean="0"/>
+              <a:t>sinh</a:t>
+            </a:r>
+            <a:r>
+              <a:rPr lang="en-US" dirty="0" smtClean="0"/>
+              <a:t> </a:t>
+            </a:r>
+            <a:r>
+              <a:rPr lang="en-US" dirty="0" err="1" smtClean="0"/>
+              <a:t>ra</a:t>
+            </a:r>
+            <a:r>
+              <a:rPr lang="en-US" dirty="0" smtClean="0"/>
+              <a:t> </a:t>
+            </a:r>
+            <a:r>
+              <a:rPr lang="en-US" dirty="0" err="1" smtClean="0"/>
+              <a:t>để</a:t>
+            </a:r>
+            <a:r>
+              <a:rPr lang="en-US" dirty="0" smtClean="0"/>
+              <a:t> </a:t>
+            </a:r>
+            <a:r>
+              <a:rPr lang="en-US" dirty="0" err="1" smtClean="0"/>
+              <a:t>làm</a:t>
+            </a:r>
+            <a:r>
+              <a:rPr lang="en-US" dirty="0" smtClean="0"/>
+              <a:t> </a:t>
+            </a:r>
+            <a:r>
+              <a:rPr lang="en-US" dirty="0" err="1" smtClean="0"/>
+              <a:t>gì</a:t>
+            </a:r>
+            <a:r>
+              <a:rPr lang="en-US" dirty="0" smtClean="0"/>
+              <a:t>?</a:t>
+            </a:r>
+          </a:p>
+          <a:p>
+            <a:pPr lvl="1"/>
+            <a:r>
+              <a:rPr lang="en-US" dirty="0" err="1" smtClean="0"/>
+              <a:t>Dùng</a:t>
+            </a:r>
+            <a:r>
+              <a:rPr lang="en-US" dirty="0" smtClean="0"/>
+              <a:t> protected </a:t>
+            </a:r>
+            <a:endParaRPr lang="en-US" dirty="0"/>
+          </a:p>
+          <a:p>
+            <a:endParaRPr lang="en-US" dirty="0" smtClean="0"/>
+          </a:p>
+          <a:p>
+            <a:pPr marL="457200" lvl="1" indent="0">
+              <a:buNone/>
+            </a:pPr>
+            <a:endParaRPr lang="en-GB" dirty="0"/>
+          </a:p>
+        </p:txBody>
+      </p:sp>
+    </p:spTree>
+    <p:extLst>
+      <p:ext uri="{BB962C8B-B14F-4D97-AF65-F5344CB8AC3E}">
+        <p14:creationId xmlns:p14="http://schemas.microsoft.com/office/powerpoint/2010/main" val="3692196180"/>
+      </p:ext>
+    </p:extLst>
+  </p:cSld>
+  <p:clrMapOvr>
+    <a:masterClrMapping/>
+  </p:clrMapOvr>
+  <p:timing>
+    <p:tnLst>
+      <p:par>
+        <p:cTn id="1" dur="indefinite" restart="never" nodeType="tmRoot"/>
+      </p:par>
+    </p:tnLst>
+  </p:timing>
+</p:sld>
+</file>
+
+<file path=ppt/slides/slide12.xml><?xml version="1.0" encoding="utf-8"?>
+<p:sld xmlns:a="http://schemas.openxmlformats.org/drawingml/2006/main" xmlns:r="http://schemas.openxmlformats.org/officeDocument/2006/relationships" xmlns:p="http://schemas.openxmlformats.org/presentationml/2006/main">
+  <p:cSld>
+    <p:spTree>
+      <p:nvGrpSpPr>
+        <p:cNvPr id="1" name=""/>
+        <p:cNvGrpSpPr/>
+        <p:nvPr/>
+      </p:nvGrpSpPr>
+      <p:grpSpPr>
+        <a:xfrm>
+          <a:off x="0" y="0"/>
+          <a:ext cx="0" cy="0"/>
+          <a:chOff x="0" y="0"/>
+          <a:chExt cx="0" cy="0"/>
+        </a:xfrm>
+      </p:grpSpPr>
+      <p:sp>
+        <p:nvSpPr>
+          <p:cNvPr id="2" name="Title 1"/>
+          <p:cNvSpPr>
+            <a:spLocks noGrp="1"/>
+          </p:cNvSpPr>
+          <p:nvPr>
+            <p:ph type="title"/>
+          </p:nvPr>
+        </p:nvSpPr>
+        <p:spPr/>
+        <p:txBody>
+          <a:bodyPr/>
+          <a:lstStyle/>
+          <a:p>
+            <a:endParaRPr lang="en-US"/>
+          </a:p>
+        </p:txBody>
+      </p:sp>
+      <p:sp>
+        <p:nvSpPr>
+          <p:cNvPr id="3" name="Content Placeholder 2"/>
+          <p:cNvSpPr>
+            <a:spLocks noGrp="1"/>
+          </p:cNvSpPr>
+          <p:nvPr>
+            <p:ph idx="1"/>
+          </p:nvPr>
+        </p:nvSpPr>
+        <p:spPr/>
+        <p:txBody>
+          <a:bodyPr/>
+          <a:lstStyle/>
+          <a:p>
+            <a:endParaRPr lang="en-US"/>
+          </a:p>
+        </p:txBody>
+      </p:sp>
+    </p:spTree>
+    <p:extLst>
+      <p:ext uri="{BB962C8B-B14F-4D97-AF65-F5344CB8AC3E}">
+        <p14:creationId xmlns:p14="http://schemas.microsoft.com/office/powerpoint/2010/main" val="4204606629"/>
+      </p:ext>
+    </p:extLst>
+  </p:cSld>
+  <p:clrMapOvr>
+    <a:masterClrMapping/>
+  </p:clrMapOvr>
+  <p:timing>
+    <p:tnLst>
+      <p:par>
+        <p:cTn id="1" dur="indefinite" restart="never" nodeType="tmRoot"/>
+      </p:par>
+    </p:tnLst>
+  </p:timing>
+</p:sld>
+</file>
+
+<file path=ppt/slides/slide13.xml><?xml version="1.0" encoding="utf-8"?>
+<p:sld xmlns:a="http://schemas.openxmlformats.org/drawingml/2006/main" xmlns:r="http://schemas.openxmlformats.org/officeDocument/2006/relationships" xmlns:p="http://schemas.openxmlformats.org/presentationml/2006/main">
+  <p:cSld>
+    <p:spTree>
+      <p:nvGrpSpPr>
+        <p:cNvPr id="1" name=""/>
+        <p:cNvGrpSpPr/>
+        <p:nvPr/>
+      </p:nvGrpSpPr>
+      <p:grpSpPr>
+        <a:xfrm>
+          <a:off x="0" y="0"/>
+          <a:ext cx="0" cy="0"/>
+          <a:chOff x="0" y="0"/>
+          <a:chExt cx="0" cy="0"/>
+        </a:xfrm>
+      </p:grpSpPr>
+      <p:sp>
+        <p:nvSpPr>
+          <p:cNvPr id="4" name="Title 3"/>
+          <p:cNvSpPr>
+            <a:spLocks noGrp="1"/>
+          </p:cNvSpPr>
+          <p:nvPr>
+            <p:ph type="title"/>
+          </p:nvPr>
+        </p:nvSpPr>
+        <p:spPr/>
+        <p:txBody>
+          <a:bodyPr/>
+          <a:lstStyle/>
+          <a:p>
+            <a:r>
+              <a:rPr lang="en-GB" dirty="0" smtClean="0"/>
+              <a:t>Thank you!</a:t>
+            </a:r>
+            <a:endParaRPr lang="en-GB" dirty="0"/>
+          </a:p>
+        </p:txBody>
+      </p:sp>
+      <p:pic>
+        <p:nvPicPr>
+          <p:cNvPr id="6" name="Picture 2" descr="Káº¿t quáº£ hÃ¬nh áº£nh cho Q &amp; A"/>
+          <p:cNvPicPr>
+            <a:picLocks noChangeAspect="1" noChangeArrowheads="1"/>
+          </p:cNvPicPr>
+          <p:nvPr/>
+        </p:nvPicPr>
+        <p:blipFill>
+          <a:blip r:embed="rId2">
+            <a:extLst>
+              <a:ext uri="{28A0092B-C50C-407E-A947-70E740481C1C}">
+                <a14:useLocalDpi xmlns:a14="http://schemas.microsoft.com/office/drawing/2010/main" val="0"/>
+              </a:ext>
+            </a:extLst>
+          </a:blip>
+          <a:srcRect/>
+          <a:stretch>
+            <a:fillRect/>
+          </a:stretch>
+        </p:blipFill>
+        <p:spPr bwMode="auto">
+          <a:xfrm>
+            <a:off x="1981200" y="2286000"/>
+            <a:ext cx="5715000" cy="2800351"/>
+          </a:xfrm>
+          <a:prstGeom prst="rect">
+            <a:avLst/>
+          </a:prstGeom>
+          <a:noFill/>
+          <a:extLst>
+            <a:ext uri="{909E8E84-426E-40DD-AFC4-6F175D3DCCD1}">
+              <a14:hiddenFill xmlns:a14="http://schemas.microsoft.com/office/drawing/2010/main">
+                <a:solidFill>
+                  <a:srgbClr val="FFFFFF"/>
+                </a:solidFill>
+              </a14:hiddenFill>
+            </a:ext>
+          </a:extLst>
+        </p:spPr>
+      </p:pic>
+    </p:spTree>
+    <p:extLst>
+      <p:ext uri="{BB962C8B-B14F-4D97-AF65-F5344CB8AC3E}">
+        <p14:creationId xmlns:p14="http://schemas.microsoft.com/office/powerpoint/2010/main" val="1725695804"/>
+      </p:ext>
+    </p:extLst>
+  </p:cSld>
+  <p:clrMapOvr>
+    <a:masterClrMapping/>
+  </p:clrMapOvr>
+  <p:timing>
+    <p:tnLst>
+      <p:par>
+        <p:cTn id="1" dur="indefinite" restart="never" nodeType="tmRoot"/>
+      </p:par>
+    </p:tnLst>
+  </p:timing>
 </p:sld>
 </file>
 
@@ -3237,7 +3964,6 @@
               <a:rPr lang="en-US" dirty="0" smtClean="0"/>
               <a:t> Access Modifier (AM)</a:t>
             </a:r>
-            <a:endParaRPr lang="en-US" dirty="0" smtClean="0"/>
           </a:p>
           <a:p>
             <a:pPr lvl="1"/>
@@ -3245,7 +3971,6 @@
               <a:rPr lang="en-US" dirty="0" smtClean="0"/>
               <a:t>public</a:t>
             </a:r>
-            <a:endParaRPr lang="en-US" dirty="0" smtClean="0"/>
           </a:p>
           <a:p>
             <a:pPr lvl="1"/>
@@ -3253,7 +3978,6 @@
               <a:rPr lang="en-US" dirty="0" smtClean="0"/>
               <a:t>private</a:t>
             </a:r>
-            <a:endParaRPr lang="en-US" dirty="0" smtClean="0"/>
           </a:p>
           <a:p>
             <a:pPr lvl="1"/>
@@ -3261,7 +3985,6 @@
               <a:rPr lang="en-US" dirty="0" smtClean="0"/>
               <a:t>protected</a:t>
             </a:r>
-            <a:endParaRPr lang="en-US" dirty="0" smtClean="0"/>
           </a:p>
           <a:p>
             <a:pPr lvl="1"/>
@@ -3287,6 +4010,33 @@
           </a:p>
         </p:txBody>
       </p:sp>
+      <p:pic>
+        <p:nvPicPr>
+          <p:cNvPr id="4" name="Shape 105" descr="Káº¿t quáº£ hÃ¬nh áº£nh cho má»¥c ÄÃ­ch"/>
+          <p:cNvPicPr preferRelativeResize="0"/>
+          <p:nvPr/>
+        </p:nvPicPr>
+        <p:blipFill rotWithShape="1">
+          <a:blip r:embed="rId2">
+            <a:alphaModFix/>
+          </a:blip>
+          <a:srcRect/>
+          <a:stretch/>
+        </p:blipFill>
+        <p:spPr>
+          <a:xfrm>
+            <a:off x="4953000" y="2895600"/>
+            <a:ext cx="3437600" cy="3426858"/>
+          </a:xfrm>
+          <a:prstGeom prst="rect">
+            <a:avLst/>
+          </a:prstGeom>
+          <a:noFill/>
+          <a:ln>
+            <a:noFill/>
+          </a:ln>
+        </p:spPr>
+      </p:pic>
     </p:spTree>
     <p:extLst>
       <p:ext uri="{BB962C8B-B14F-4D97-AF65-F5344CB8AC3E}">
@@ -3297,6 +4047,13 @@
   <p:clrMapOvr>
     <a:masterClrMapping/>
   </p:clrMapOvr>
+  <p:timing>
+    <p:tnLst>
+      <p:par>
+        <p:cTn id="1" dur="indefinite" restart="never" nodeType="tmRoot"/>
+      </p:par>
+    </p:tnLst>
+  </p:timing>
 </p:sld>
 </file>
 
@@ -3537,10 +4294,754 @@
   <p:clrMapOvr>
     <a:masterClrMapping/>
   </p:clrMapOvr>
+  <p:timing>
+    <p:tnLst>
+      <p:par>
+        <p:cTn id="1" dur="indefinite" restart="never" nodeType="tmRoot"/>
+      </p:par>
+    </p:tnLst>
+  </p:timing>
 </p:sld>
 </file>
 
 <file path=ppt/slides/slide4.xml><?xml version="1.0" encoding="utf-8"?>
+<p:sld xmlns:a="http://schemas.openxmlformats.org/drawingml/2006/main" xmlns:r="http://schemas.openxmlformats.org/officeDocument/2006/relationships" xmlns:p="http://schemas.openxmlformats.org/presentationml/2006/main">
+  <p:cSld>
+    <p:spTree>
+      <p:nvGrpSpPr>
+        <p:cNvPr id="1" name=""/>
+        <p:cNvGrpSpPr/>
+        <p:nvPr/>
+      </p:nvGrpSpPr>
+      <p:grpSpPr>
+        <a:xfrm>
+          <a:off x="0" y="0"/>
+          <a:ext cx="0" cy="0"/>
+          <a:chOff x="0" y="0"/>
+          <a:chExt cx="0" cy="0"/>
+        </a:xfrm>
+      </p:grpSpPr>
+      <p:sp>
+        <p:nvSpPr>
+          <p:cNvPr id="3" name="Content Placeholder 2"/>
+          <p:cNvSpPr>
+            <a:spLocks noGrp="1"/>
+          </p:cNvSpPr>
+          <p:nvPr>
+            <p:ph idx="1"/>
+          </p:nvPr>
+        </p:nvSpPr>
+        <p:spPr>
+          <a:xfrm>
+            <a:off x="609600" y="609600"/>
+            <a:ext cx="8229600" cy="1295400"/>
+          </a:xfrm>
+        </p:spPr>
+        <p:txBody>
+          <a:bodyPr/>
+          <a:lstStyle/>
+          <a:p>
+            <a:pPr marL="0" indent="0">
+              <a:buNone/>
+            </a:pPr>
+            <a:r>
+              <a:rPr lang="en-US" dirty="0" err="1" smtClean="0"/>
+              <a:t>Vì</a:t>
+            </a:r>
+            <a:r>
+              <a:rPr lang="en-US" dirty="0" smtClean="0"/>
+              <a:t> </a:t>
+            </a:r>
+            <a:r>
+              <a:rPr lang="en-US" dirty="0" err="1" smtClean="0"/>
+              <a:t>sao</a:t>
+            </a:r>
+            <a:r>
+              <a:rPr lang="en-US" dirty="0" smtClean="0"/>
+              <a:t> </a:t>
+            </a:r>
+            <a:r>
+              <a:rPr lang="en-US" dirty="0" err="1" smtClean="0"/>
+              <a:t>cần</a:t>
+            </a:r>
+            <a:r>
+              <a:rPr lang="en-US" dirty="0" smtClean="0"/>
+              <a:t> </a:t>
+            </a:r>
+            <a:r>
+              <a:rPr lang="en-US" dirty="0" err="1" smtClean="0"/>
+              <a:t>có</a:t>
+            </a:r>
+            <a:r>
+              <a:rPr lang="en-US" dirty="0"/>
+              <a:t> modifiers </a:t>
+            </a:r>
+            <a:r>
+              <a:rPr lang="en-US" dirty="0" err="1" smtClean="0"/>
+              <a:t>trong</a:t>
+            </a:r>
+            <a:r>
+              <a:rPr lang="en-US" dirty="0" smtClean="0"/>
+              <a:t> Java </a:t>
+            </a:r>
+            <a:r>
+              <a:rPr lang="en-US" dirty="0" err="1" smtClean="0"/>
+              <a:t>nói</a:t>
+            </a:r>
+            <a:r>
+              <a:rPr lang="en-US" dirty="0" smtClean="0"/>
+              <a:t> </a:t>
+            </a:r>
+            <a:r>
+              <a:rPr lang="en-US" dirty="0" err="1" smtClean="0"/>
+              <a:t>riêng</a:t>
+            </a:r>
+            <a:r>
+              <a:rPr lang="en-US" dirty="0" smtClean="0"/>
+              <a:t> </a:t>
+            </a:r>
+            <a:r>
+              <a:rPr lang="en-US" dirty="0" err="1" smtClean="0"/>
+              <a:t>và</a:t>
+            </a:r>
+            <a:r>
+              <a:rPr lang="en-US" dirty="0" smtClean="0"/>
+              <a:t> </a:t>
+            </a:r>
+            <a:r>
+              <a:rPr lang="en-US" dirty="0" err="1" smtClean="0"/>
+              <a:t>lập</a:t>
+            </a:r>
+            <a:r>
+              <a:rPr lang="en-US" dirty="0" smtClean="0"/>
+              <a:t> </a:t>
+            </a:r>
+            <a:r>
+              <a:rPr lang="en-US" dirty="0" err="1" smtClean="0"/>
+              <a:t>trình</a:t>
+            </a:r>
+            <a:r>
+              <a:rPr lang="en-US" dirty="0" smtClean="0"/>
+              <a:t> </a:t>
+            </a:r>
+            <a:r>
+              <a:rPr lang="en-US" dirty="0" err="1" smtClean="0"/>
+              <a:t>hướng</a:t>
+            </a:r>
+            <a:r>
+              <a:rPr lang="en-US" dirty="0" smtClean="0"/>
+              <a:t> </a:t>
+            </a:r>
+            <a:r>
+              <a:rPr lang="en-US" dirty="0" err="1" smtClean="0"/>
+              <a:t>đối</a:t>
+            </a:r>
+            <a:r>
+              <a:rPr lang="en-US" dirty="0" smtClean="0"/>
+              <a:t> </a:t>
+            </a:r>
+            <a:r>
+              <a:rPr lang="en-US" dirty="0" err="1" smtClean="0"/>
+              <a:t>tượng</a:t>
+            </a:r>
+            <a:r>
+              <a:rPr lang="en-US" dirty="0" smtClean="0"/>
+              <a:t>?</a:t>
+            </a:r>
+            <a:endParaRPr lang="en-US" dirty="0"/>
+          </a:p>
+        </p:txBody>
+      </p:sp>
+      <p:sp>
+        <p:nvSpPr>
+          <p:cNvPr id="5" name="Down Arrow 4"/>
+          <p:cNvSpPr/>
+          <p:nvPr/>
+        </p:nvSpPr>
+        <p:spPr>
+          <a:xfrm>
+            <a:off x="1981200" y="2438400"/>
+            <a:ext cx="1752600" cy="1752600"/>
+          </a:xfrm>
+          <a:prstGeom prst="downArrow">
+            <a:avLst/>
+          </a:prstGeom>
+        </p:spPr>
+        <p:style>
+          <a:lnRef idx="2">
+            <a:schemeClr val="accent1">
+              <a:shade val="50000"/>
+            </a:schemeClr>
+          </a:lnRef>
+          <a:fillRef idx="1">
+            <a:schemeClr val="accent1"/>
+          </a:fillRef>
+          <a:effectRef idx="0">
+            <a:schemeClr val="accent1"/>
+          </a:effectRef>
+          <a:fontRef idx="minor">
+            <a:schemeClr val="lt1"/>
+          </a:fontRef>
+        </p:style>
+        <p:txBody>
+          <a:bodyPr rtlCol="0" anchor="ctr"/>
+          <a:lstStyle/>
+          <a:p>
+            <a:pPr algn="ctr"/>
+            <a:endParaRPr lang="en-US"/>
+          </a:p>
+        </p:txBody>
+      </p:sp>
+      <p:sp>
+        <p:nvSpPr>
+          <p:cNvPr id="6" name="Rectangle 5"/>
+          <p:cNvSpPr/>
+          <p:nvPr/>
+        </p:nvSpPr>
+        <p:spPr>
+          <a:xfrm>
+            <a:off x="1295400" y="4267200"/>
+            <a:ext cx="4495800" cy="1828800"/>
+          </a:xfrm>
+          <a:prstGeom prst="rect">
+            <a:avLst/>
+          </a:prstGeom>
+        </p:spPr>
+        <p:style>
+          <a:lnRef idx="2">
+            <a:schemeClr val="accent1">
+              <a:shade val="50000"/>
+            </a:schemeClr>
+          </a:lnRef>
+          <a:fillRef idx="1">
+            <a:schemeClr val="accent1"/>
+          </a:fillRef>
+          <a:effectRef idx="0">
+            <a:schemeClr val="accent1"/>
+          </a:effectRef>
+          <a:fontRef idx="minor">
+            <a:schemeClr val="lt1"/>
+          </a:fontRef>
+        </p:style>
+        <p:txBody>
+          <a:bodyPr rtlCol="0" anchor="ctr"/>
+          <a:lstStyle/>
+          <a:p>
+            <a:pPr algn="ctr"/>
+            <a:r>
+              <a:rPr lang="en-US" dirty="0" err="1" smtClean="0"/>
+              <a:t>Để</a:t>
+            </a:r>
+            <a:r>
+              <a:rPr lang="en-US" dirty="0" smtClean="0"/>
+              <a:t> </a:t>
+            </a:r>
+            <a:r>
+              <a:rPr lang="en-US" dirty="0" err="1" smtClean="0"/>
+              <a:t>đảm</a:t>
+            </a:r>
+            <a:r>
+              <a:rPr lang="en-US" dirty="0" smtClean="0"/>
+              <a:t> </a:t>
+            </a:r>
+            <a:r>
+              <a:rPr lang="en-US" dirty="0" err="1" smtClean="0"/>
+              <a:t>bảo</a:t>
+            </a:r>
+            <a:r>
+              <a:rPr lang="en-US" dirty="0" smtClean="0"/>
+              <a:t> </a:t>
+            </a:r>
+            <a:r>
+              <a:rPr lang="en-US" dirty="0" err="1" smtClean="0"/>
+              <a:t>tính</a:t>
+            </a:r>
+            <a:r>
+              <a:rPr lang="en-US" dirty="0" smtClean="0"/>
+              <a:t> </a:t>
+            </a:r>
+            <a:r>
+              <a:rPr lang="en-US" dirty="0" err="1" smtClean="0"/>
+              <a:t>bao</a:t>
+            </a:r>
+            <a:r>
+              <a:rPr lang="en-US" dirty="0" smtClean="0"/>
+              <a:t> </a:t>
+            </a:r>
+            <a:r>
+              <a:rPr lang="en-US" dirty="0" err="1" smtClean="0"/>
+              <a:t>đóng</a:t>
+            </a:r>
+            <a:endParaRPr lang="en-US" dirty="0"/>
+          </a:p>
+        </p:txBody>
+      </p:sp>
+      <p:pic>
+        <p:nvPicPr>
+          <p:cNvPr id="7" name="Picture 2" descr="Káº¿t quáº£ hÃ¬nh áº£nh cho think"/>
+          <p:cNvPicPr>
+            <a:picLocks noChangeAspect="1" noChangeArrowheads="1"/>
+          </p:cNvPicPr>
+          <p:nvPr/>
+        </p:nvPicPr>
+        <p:blipFill>
+          <a:blip r:embed="rId2">
+            <a:extLst>
+              <a:ext uri="{28A0092B-C50C-407E-A947-70E740481C1C}">
+                <a14:useLocalDpi xmlns:a14="http://schemas.microsoft.com/office/drawing/2010/main" val="0"/>
+              </a:ext>
+            </a:extLst>
+          </a:blip>
+          <a:srcRect/>
+          <a:stretch>
+            <a:fillRect/>
+          </a:stretch>
+        </p:blipFill>
+        <p:spPr bwMode="auto">
+          <a:xfrm>
+            <a:off x="5943600" y="1600200"/>
+            <a:ext cx="2286000" cy="2286001"/>
+          </a:xfrm>
+          <a:prstGeom prst="rect">
+            <a:avLst/>
+          </a:prstGeom>
+          <a:noFill/>
+          <a:extLst>
+            <a:ext uri="{909E8E84-426E-40DD-AFC4-6F175D3DCCD1}">
+              <a14:hiddenFill xmlns:a14="http://schemas.microsoft.com/office/drawing/2010/main">
+                <a:solidFill>
+                  <a:srgbClr val="FFFFFF"/>
+                </a:solidFill>
+              </a14:hiddenFill>
+            </a:ext>
+          </a:extLst>
+        </p:spPr>
+      </p:pic>
+    </p:spTree>
+    <p:extLst>
+      <p:ext uri="{BB962C8B-B14F-4D97-AF65-F5344CB8AC3E}">
+        <p14:creationId xmlns:p14="http://schemas.microsoft.com/office/powerpoint/2010/main" val="346375491"/>
+      </p:ext>
+    </p:extLst>
+  </p:cSld>
+  <p:clrMapOvr>
+    <a:masterClrMapping/>
+  </p:clrMapOvr>
+  <p:timing>
+    <p:tnLst>
+      <p:par>
+        <p:cTn id="1" dur="indefinite" restart="never" nodeType="tmRoot">
+          <p:childTnLst>
+            <p:seq concurrent="1" nextAc="seek">
+              <p:cTn id="2" dur="indefinite" nodeType="mainSeq">
+                <p:childTnLst>
+                  <p:par>
+                    <p:cTn id="3" fill="hold">
+                      <p:stCondLst>
+                        <p:cond delay="indefinite"/>
+                      </p:stCondLst>
+                      <p:childTnLst>
+                        <p:par>
+                          <p:cTn id="4" fill="hold">
+                            <p:stCondLst>
+                              <p:cond delay="0"/>
+                            </p:stCondLst>
+                            <p:childTnLst>
+                              <p:par>
+                                <p:cTn id="5" presetID="42" presetClass="entr" presetSubtype="0" fill="hold" nodeType="clickEffect">
+                                  <p:stCondLst>
+                                    <p:cond delay="0"/>
+                                  </p:stCondLst>
+                                  <p:childTnLst>
+                                    <p:set>
+                                      <p:cBhvr>
+                                        <p:cTn id="6" dur="1" fill="hold">
+                                          <p:stCondLst>
+                                            <p:cond delay="0"/>
+                                          </p:stCondLst>
+                                        </p:cTn>
+                                        <p:tgtEl>
+                                          <p:spTgt spid="7"/>
+                                        </p:tgtEl>
+                                        <p:attrNameLst>
+                                          <p:attrName>style.visibility</p:attrName>
+                                        </p:attrNameLst>
+                                      </p:cBhvr>
+                                      <p:to>
+                                        <p:strVal val="visible"/>
+                                      </p:to>
+                                    </p:set>
+                                    <p:animEffect transition="in" filter="fade">
+                                      <p:cBhvr>
+                                        <p:cTn id="7" dur="1000"/>
+                                        <p:tgtEl>
+                                          <p:spTgt spid="7"/>
+                                        </p:tgtEl>
+                                      </p:cBhvr>
+                                    </p:animEffect>
+                                    <p:anim calcmode="lin" valueType="num">
+                                      <p:cBhvr>
+                                        <p:cTn id="8" dur="1000" fill="hold"/>
+                                        <p:tgtEl>
+                                          <p:spTgt spid="7"/>
+                                        </p:tgtEl>
+                                        <p:attrNameLst>
+                                          <p:attrName>ppt_x</p:attrName>
+                                        </p:attrNameLst>
+                                      </p:cBhvr>
+                                      <p:tavLst>
+                                        <p:tav tm="0">
+                                          <p:val>
+                                            <p:strVal val="#ppt_x"/>
+                                          </p:val>
+                                        </p:tav>
+                                        <p:tav tm="100000">
+                                          <p:val>
+                                            <p:strVal val="#ppt_x"/>
+                                          </p:val>
+                                        </p:tav>
+                                      </p:tavLst>
+                                    </p:anim>
+                                    <p:anim calcmode="lin" valueType="num">
+                                      <p:cBhvr>
+                                        <p:cTn id="9" dur="1000" fill="hold"/>
+                                        <p:tgtEl>
+                                          <p:spTgt spid="7"/>
+                                        </p:tgtEl>
+                                        <p:attrNameLst>
+                                          <p:attrName>ppt_y</p:attrName>
+                                        </p:attrNameLst>
+                                      </p:cBhvr>
+                                      <p:tavLst>
+                                        <p:tav tm="0">
+                                          <p:val>
+                                            <p:strVal val="#ppt_y+.1"/>
+                                          </p:val>
+                                        </p:tav>
+                                        <p:tav tm="100000">
+                                          <p:val>
+                                            <p:strVal val="#ppt_y"/>
+                                          </p:val>
+                                        </p:tav>
+                                      </p:tavLst>
+                                    </p:anim>
+                                  </p:childTnLst>
+                                </p:cTn>
+                              </p:par>
+                              <p:par>
+                                <p:cTn id="10" presetID="42" presetClass="entr" presetSubtype="0" fill="hold" grpId="0" nodeType="withEffect">
+                                  <p:stCondLst>
+                                    <p:cond delay="0"/>
+                                  </p:stCondLst>
+                                  <p:childTnLst>
+                                    <p:set>
+                                      <p:cBhvr>
+                                        <p:cTn id="11" dur="1" fill="hold">
+                                          <p:stCondLst>
+                                            <p:cond delay="0"/>
+                                          </p:stCondLst>
+                                        </p:cTn>
+                                        <p:tgtEl>
+                                          <p:spTgt spid="3">
+                                            <p:txEl>
+                                              <p:pRg st="0" end="0"/>
+                                            </p:txEl>
+                                          </p:spTgt>
+                                        </p:tgtEl>
+                                        <p:attrNameLst>
+                                          <p:attrName>style.visibility</p:attrName>
+                                        </p:attrNameLst>
+                                      </p:cBhvr>
+                                      <p:to>
+                                        <p:strVal val="visible"/>
+                                      </p:to>
+                                    </p:set>
+                                    <p:animEffect transition="in" filter="fade">
+                                      <p:cBhvr>
+                                        <p:cTn id="12" dur="1000"/>
+                                        <p:tgtEl>
+                                          <p:spTgt spid="3">
+                                            <p:txEl>
+                                              <p:pRg st="0" end="0"/>
+                                            </p:txEl>
+                                          </p:spTgt>
+                                        </p:tgtEl>
+                                      </p:cBhvr>
+                                    </p:animEffect>
+                                    <p:anim calcmode="lin" valueType="num">
+                                      <p:cBhvr>
+                                        <p:cTn id="13" dur="1000" fill="hold"/>
+                                        <p:tgtEl>
+                                          <p:spTgt spid="3">
+                                            <p:txEl>
+                                              <p:pRg st="0" end="0"/>
+                                            </p:txEl>
+                                          </p:spTgt>
+                                        </p:tgtEl>
+                                        <p:attrNameLst>
+                                          <p:attrName>ppt_x</p:attrName>
+                                        </p:attrNameLst>
+                                      </p:cBhvr>
+                                      <p:tavLst>
+                                        <p:tav tm="0">
+                                          <p:val>
+                                            <p:strVal val="#ppt_x"/>
+                                          </p:val>
+                                        </p:tav>
+                                        <p:tav tm="100000">
+                                          <p:val>
+                                            <p:strVal val="#ppt_x"/>
+                                          </p:val>
+                                        </p:tav>
+                                      </p:tavLst>
+                                    </p:anim>
+                                    <p:anim calcmode="lin" valueType="num">
+                                      <p:cBhvr>
+                                        <p:cTn id="14" dur="1000" fill="hold"/>
+                                        <p:tgtEl>
+                                          <p:spTgt spid="3">
+                                            <p:txEl>
+                                              <p:pRg st="0" end="0"/>
+                                            </p:txEl>
+                                          </p:spTgt>
+                                        </p:tgtEl>
+                                        <p:attrNameLst>
+                                          <p:attrName>ppt_y</p:attrName>
+                                        </p:attrNameLst>
+                                      </p:cBhvr>
+                                      <p:tavLst>
+                                        <p:tav tm="0">
+                                          <p:val>
+                                            <p:strVal val="#ppt_y+.1"/>
+                                          </p:val>
+                                        </p:tav>
+                                        <p:tav tm="100000">
+                                          <p:val>
+                                            <p:strVal val="#ppt_y"/>
+                                          </p:val>
+                                        </p:tav>
+                                      </p:tavLst>
+                                    </p:anim>
+                                  </p:childTnLst>
+                                </p:cTn>
+                              </p:par>
+                            </p:childTnLst>
+                          </p:cTn>
+                        </p:par>
+                      </p:childTnLst>
+                    </p:cTn>
+                  </p:par>
+                  <p:par>
+                    <p:cTn id="15" fill="hold">
+                      <p:stCondLst>
+                        <p:cond delay="indefinite"/>
+                      </p:stCondLst>
+                      <p:childTnLst>
+                        <p:par>
+                          <p:cTn id="16" fill="hold">
+                            <p:stCondLst>
+                              <p:cond delay="0"/>
+                            </p:stCondLst>
+                            <p:childTnLst>
+                              <p:par>
+                                <p:cTn id="17" presetID="42" presetClass="entr" presetSubtype="0" fill="hold" grpId="0" nodeType="clickEffect">
+                                  <p:stCondLst>
+                                    <p:cond delay="0"/>
+                                  </p:stCondLst>
+                                  <p:childTnLst>
+                                    <p:set>
+                                      <p:cBhvr>
+                                        <p:cTn id="18" dur="1" fill="hold">
+                                          <p:stCondLst>
+                                            <p:cond delay="0"/>
+                                          </p:stCondLst>
+                                        </p:cTn>
+                                        <p:tgtEl>
+                                          <p:spTgt spid="6"/>
+                                        </p:tgtEl>
+                                        <p:attrNameLst>
+                                          <p:attrName>style.visibility</p:attrName>
+                                        </p:attrNameLst>
+                                      </p:cBhvr>
+                                      <p:to>
+                                        <p:strVal val="visible"/>
+                                      </p:to>
+                                    </p:set>
+                                    <p:animEffect transition="in" filter="fade">
+                                      <p:cBhvr>
+                                        <p:cTn id="19" dur="1000"/>
+                                        <p:tgtEl>
+                                          <p:spTgt spid="6"/>
+                                        </p:tgtEl>
+                                      </p:cBhvr>
+                                    </p:animEffect>
+                                    <p:anim calcmode="lin" valueType="num">
+                                      <p:cBhvr>
+                                        <p:cTn id="20" dur="1000" fill="hold"/>
+                                        <p:tgtEl>
+                                          <p:spTgt spid="6"/>
+                                        </p:tgtEl>
+                                        <p:attrNameLst>
+                                          <p:attrName>ppt_x</p:attrName>
+                                        </p:attrNameLst>
+                                      </p:cBhvr>
+                                      <p:tavLst>
+                                        <p:tav tm="0">
+                                          <p:val>
+                                            <p:strVal val="#ppt_x"/>
+                                          </p:val>
+                                        </p:tav>
+                                        <p:tav tm="100000">
+                                          <p:val>
+                                            <p:strVal val="#ppt_x"/>
+                                          </p:val>
+                                        </p:tav>
+                                      </p:tavLst>
+                                    </p:anim>
+                                    <p:anim calcmode="lin" valueType="num">
+                                      <p:cBhvr>
+                                        <p:cTn id="21" dur="1000" fill="hold"/>
+                                        <p:tgtEl>
+                                          <p:spTgt spid="6"/>
+                                        </p:tgtEl>
+                                        <p:attrNameLst>
+                                          <p:attrName>ppt_y</p:attrName>
+                                        </p:attrNameLst>
+                                      </p:cBhvr>
+                                      <p:tavLst>
+                                        <p:tav tm="0">
+                                          <p:val>
+                                            <p:strVal val="#ppt_y+.1"/>
+                                          </p:val>
+                                        </p:tav>
+                                        <p:tav tm="100000">
+                                          <p:val>
+                                            <p:strVal val="#ppt_y"/>
+                                          </p:val>
+                                        </p:tav>
+                                      </p:tavLst>
+                                    </p:anim>
+                                  </p:childTnLst>
+                                </p:cTn>
+                              </p:par>
+                              <p:par>
+                                <p:cTn id="22" presetID="42" presetClass="entr" presetSubtype="0" fill="hold" grpId="0" nodeType="withEffect">
+                                  <p:stCondLst>
+                                    <p:cond delay="0"/>
+                                  </p:stCondLst>
+                                  <p:childTnLst>
+                                    <p:set>
+                                      <p:cBhvr>
+                                        <p:cTn id="23" dur="1" fill="hold">
+                                          <p:stCondLst>
+                                            <p:cond delay="0"/>
+                                          </p:stCondLst>
+                                        </p:cTn>
+                                        <p:tgtEl>
+                                          <p:spTgt spid="5"/>
+                                        </p:tgtEl>
+                                        <p:attrNameLst>
+                                          <p:attrName>style.visibility</p:attrName>
+                                        </p:attrNameLst>
+                                      </p:cBhvr>
+                                      <p:to>
+                                        <p:strVal val="visible"/>
+                                      </p:to>
+                                    </p:set>
+                                    <p:animEffect transition="in" filter="fade">
+                                      <p:cBhvr>
+                                        <p:cTn id="24" dur="1000"/>
+                                        <p:tgtEl>
+                                          <p:spTgt spid="5"/>
+                                        </p:tgtEl>
+                                      </p:cBhvr>
+                                    </p:animEffect>
+                                    <p:anim calcmode="lin" valueType="num">
+                                      <p:cBhvr>
+                                        <p:cTn id="25" dur="1000" fill="hold"/>
+                                        <p:tgtEl>
+                                          <p:spTgt spid="5"/>
+                                        </p:tgtEl>
+                                        <p:attrNameLst>
+                                          <p:attrName>ppt_x</p:attrName>
+                                        </p:attrNameLst>
+                                      </p:cBhvr>
+                                      <p:tavLst>
+                                        <p:tav tm="0">
+                                          <p:val>
+                                            <p:strVal val="#ppt_x"/>
+                                          </p:val>
+                                        </p:tav>
+                                        <p:tav tm="100000">
+                                          <p:val>
+                                            <p:strVal val="#ppt_x"/>
+                                          </p:val>
+                                        </p:tav>
+                                      </p:tavLst>
+                                    </p:anim>
+                                    <p:anim calcmode="lin" valueType="num">
+                                      <p:cBhvr>
+                                        <p:cTn id="26" dur="1000" fill="hold"/>
+                                        <p:tgtEl>
+                                          <p:spTgt spid="5"/>
+                                        </p:tgtEl>
+                                        <p:attrNameLst>
+                                          <p:attrName>ppt_y</p:attrName>
+                                        </p:attrNameLst>
+                                      </p:cBhvr>
+                                      <p:tavLst>
+                                        <p:tav tm="0">
+                                          <p:val>
+                                            <p:strVal val="#ppt_y+.1"/>
+                                          </p:val>
+                                        </p:tav>
+                                        <p:tav tm="100000">
+                                          <p:val>
+                                            <p:strVal val="#ppt_y"/>
+                                          </p:val>
+                                        </p:tav>
+                                      </p:tavLst>
+                                    </p:anim>
+                                  </p:childTnLst>
+                                </p:cTn>
+                              </p:par>
+                            </p:childTnLst>
+                          </p:cTn>
+                        </p:par>
+                      </p:childTnLst>
+                    </p:cTn>
+                  </p:par>
+                </p:childTnLst>
+              </p:cTn>
+              <p:prevCondLst>
+                <p:cond evt="onPrev" delay="0">
+                  <p:tgtEl>
+                    <p:sldTgt/>
+                  </p:tgtEl>
+                </p:cond>
+              </p:prevCondLst>
+              <p:nextCondLst>
+                <p:cond evt="onNext" delay="0">
+                  <p:tgtEl>
+                    <p:sldTgt/>
+                  </p:tgtEl>
+                </p:cond>
+              </p:nextCondLst>
+            </p:seq>
+          </p:childTnLst>
+        </p:cTn>
+      </p:par>
+    </p:tnLst>
+    <p:bldLst>
+      <p:bldP spid="3" grpId="0" build="p"/>
+      <p:bldP spid="5" grpId="0" animBg="1"/>
+      <p:bldP spid="6" grpId="0" animBg="1"/>
+    </p:bldLst>
+  </p:timing>
+</p:sld>
+</file>
+
+<file path=ppt/slides/slide5.xml><?xml version="1.0" encoding="utf-8"?>
 <p:sld xmlns:a="http://schemas.openxmlformats.org/drawingml/2006/main" xmlns:r="http://schemas.openxmlformats.org/officeDocument/2006/relationships" xmlns:p="http://schemas.openxmlformats.org/presentationml/2006/main">
   <p:cSld>
     <p:spTree>
@@ -3798,181 +5299,13 @@
   <p:clrMapOvr>
     <a:masterClrMapping/>
   </p:clrMapOvr>
-</p:sld>
-</file>
-
-<file path=ppt/slides/slide5.xml><?xml version="1.0" encoding="utf-8"?>
-<p:sld xmlns:a="http://schemas.openxmlformats.org/drawingml/2006/main" xmlns:r="http://schemas.openxmlformats.org/officeDocument/2006/relationships" xmlns:p="http://schemas.openxmlformats.org/presentationml/2006/main">
-  <p:cSld>
-    <p:spTree>
-      <p:nvGrpSpPr>
-        <p:cNvPr id="1" name=""/>
-        <p:cNvGrpSpPr/>
-        <p:nvPr/>
-      </p:nvGrpSpPr>
-      <p:grpSpPr>
-        <a:xfrm>
-          <a:off x="0" y="0"/>
-          <a:ext cx="0" cy="0"/>
-          <a:chOff x="0" y="0"/>
-          <a:chExt cx="0" cy="0"/>
-        </a:xfrm>
-      </p:grpSpPr>
-      <p:sp>
-        <p:nvSpPr>
-          <p:cNvPr id="3" name="Content Placeholder 2"/>
-          <p:cNvSpPr>
-            <a:spLocks noGrp="1"/>
-          </p:cNvSpPr>
-          <p:nvPr>
-            <p:ph idx="1"/>
-          </p:nvPr>
-        </p:nvSpPr>
-        <p:spPr>
-          <a:xfrm>
-            <a:off x="457200" y="2667001"/>
-            <a:ext cx="8229600" cy="1219200"/>
-          </a:xfrm>
-        </p:spPr>
-        <p:txBody>
-          <a:bodyPr>
-            <a:normAutofit fontScale="92500"/>
-          </a:bodyPr>
-          <a:lstStyle/>
-          <a:p>
-            <a:pPr marL="0" indent="0">
-              <a:buNone/>
-            </a:pPr>
-            <a:r>
-              <a:rPr lang="en-US" dirty="0" err="1" smtClean="0"/>
-              <a:t>Thể</a:t>
-            </a:r>
-            <a:r>
-              <a:rPr lang="en-US" dirty="0" smtClean="0"/>
-              <a:t> </a:t>
-            </a:r>
-            <a:r>
-              <a:rPr lang="en-US" dirty="0" err="1" smtClean="0"/>
-              <a:t>hiện</a:t>
-            </a:r>
-            <a:r>
-              <a:rPr lang="en-US" dirty="0" smtClean="0"/>
-              <a:t> </a:t>
-            </a:r>
-            <a:r>
-              <a:rPr lang="en-US" b="1" i="1" dirty="0" err="1" smtClean="0"/>
-              <a:t>tính</a:t>
-            </a:r>
-            <a:r>
-              <a:rPr lang="en-US" b="1" i="1" dirty="0" smtClean="0"/>
-              <a:t> </a:t>
-            </a:r>
-            <a:r>
-              <a:rPr lang="en-US" b="1" i="1" dirty="0" err="1" smtClean="0"/>
-              <a:t>bao</a:t>
-            </a:r>
-            <a:r>
-              <a:rPr lang="en-US" b="1" i="1" dirty="0" smtClean="0"/>
-              <a:t> </a:t>
-            </a:r>
-            <a:r>
-              <a:rPr lang="en-US" b="1" i="1" dirty="0" err="1" smtClean="0"/>
-              <a:t>đóng</a:t>
-            </a:r>
-            <a:r>
-              <a:rPr lang="en-US" b="1" i="1" dirty="0" smtClean="0"/>
-              <a:t> </a:t>
-            </a:r>
-            <a:r>
-              <a:rPr lang="en-US" dirty="0" err="1" smtClean="0"/>
-              <a:t>của</a:t>
-            </a:r>
-            <a:r>
-              <a:rPr lang="en-US" dirty="0" smtClean="0"/>
-              <a:t> Java, </a:t>
-            </a:r>
-            <a:r>
-              <a:rPr lang="en-US" dirty="0" err="1" smtClean="0"/>
-              <a:t>chỉ</a:t>
-            </a:r>
-            <a:r>
-              <a:rPr lang="en-US" dirty="0" smtClean="0"/>
-              <a:t> </a:t>
-            </a:r>
-            <a:r>
-              <a:rPr lang="en-US" dirty="0" err="1" smtClean="0"/>
-              <a:t>cho</a:t>
-            </a:r>
-            <a:r>
-              <a:rPr lang="en-US" dirty="0" smtClean="0"/>
-              <a:t> </a:t>
-            </a:r>
-            <a:r>
-              <a:rPr lang="en-US" dirty="0" err="1" smtClean="0"/>
-              <a:t>phép</a:t>
-            </a:r>
-            <a:r>
-              <a:rPr lang="en-US" dirty="0" smtClean="0"/>
-              <a:t> </a:t>
-            </a:r>
-            <a:r>
-              <a:rPr lang="en-US" dirty="0" err="1" smtClean="0"/>
-              <a:t>truy</a:t>
-            </a:r>
-            <a:r>
-              <a:rPr lang="en-US" dirty="0" smtClean="0"/>
-              <a:t> </a:t>
-            </a:r>
-            <a:r>
-              <a:rPr lang="en-US" dirty="0" err="1" smtClean="0"/>
-              <a:t>cập</a:t>
-            </a:r>
-            <a:r>
-              <a:rPr lang="en-US" dirty="0" smtClean="0"/>
-              <a:t> “name” qua </a:t>
-            </a:r>
-            <a:r>
-              <a:rPr lang="en-US" dirty="0" err="1" smtClean="0"/>
-              <a:t>phương</a:t>
-            </a:r>
-            <a:r>
-              <a:rPr lang="en-US" dirty="0" smtClean="0"/>
-              <a:t> </a:t>
-            </a:r>
-            <a:r>
-              <a:rPr lang="en-US" dirty="0" err="1" smtClean="0"/>
-              <a:t>thức</a:t>
-            </a:r>
-            <a:r>
-              <a:rPr lang="en-US" dirty="0" smtClean="0"/>
-              <a:t> gette</a:t>
-            </a:r>
-            <a:r>
-              <a:rPr lang="en-US" dirty="0" smtClean="0"/>
-              <a:t>r </a:t>
-            </a:r>
-            <a:r>
-              <a:rPr lang="en-US" dirty="0" err="1" smtClean="0"/>
-              <a:t>và</a:t>
-            </a:r>
-            <a:r>
-              <a:rPr lang="en-US" dirty="0" smtClean="0"/>
-              <a:t> setter</a:t>
-            </a:r>
-            <a:endParaRPr lang="en-GB" dirty="0"/>
-          </a:p>
-        </p:txBody>
-      </p:sp>
-    </p:spTree>
-    <p:extLst>
-      <p:ext uri="{BB962C8B-B14F-4D97-AF65-F5344CB8AC3E}">
-        <p14:creationId xmlns:p14="http://schemas.microsoft.com/office/powerpoint/2010/main" val="851335018"/>
-      </p:ext>
-    </p:extLst>
-  </p:cSld>
-  <p:clrMapOvr>
-    <a:masterClrMapping/>
-  </p:clrMapOvr>
+  <p:timing>
+    <p:tnLst>
+      <p:par>
+        <p:cTn id="1" dur="indefinite" restart="never" nodeType="tmRoot"/>
+      </p:par>
+    </p:tnLst>
+  </p:timing>
 </p:sld>
 </file>
 
@@ -3995,41 +5328,6 @@
       </p:grpSpPr>
       <p:sp>
         <p:nvSpPr>
-          <p:cNvPr id="2" name="Title 1"/>
-          <p:cNvSpPr>
-            <a:spLocks noGrp="1"/>
-          </p:cNvSpPr>
-          <p:nvPr>
-            <p:ph type="title"/>
-          </p:nvPr>
-        </p:nvSpPr>
-        <p:spPr/>
-        <p:txBody>
-          <a:bodyPr/>
-          <a:lstStyle/>
-          <a:p>
-            <a:r>
-              <a:rPr lang="en-US" dirty="0" err="1" smtClean="0"/>
-              <a:t>Các</a:t>
-            </a:r>
-            <a:r>
-              <a:rPr lang="en-US" dirty="0" smtClean="0"/>
-              <a:t> </a:t>
-            </a:r>
-            <a:r>
-              <a:rPr lang="en-US" dirty="0" err="1" smtClean="0"/>
-              <a:t>loại</a:t>
-            </a:r>
-            <a:r>
-              <a:rPr lang="en-US" dirty="0" smtClean="0"/>
-              <a:t> Access Modifier</a:t>
-            </a:r>
-            <a:endParaRPr lang="en-GB" dirty="0"/>
-          </a:p>
-        </p:txBody>
-      </p:sp>
-      <p:sp>
-        <p:nvSpPr>
           <p:cNvPr id="3" name="Content Placeholder 2"/>
           <p:cNvSpPr>
             <a:spLocks noGrp="1"/>
@@ -4038,59 +5336,133 @@
             <p:ph idx="1"/>
           </p:nvPr>
         </p:nvSpPr>
-        <p:spPr/>
-        <p:txBody>
-          <a:bodyPr/>
-          <a:lstStyle/>
-          <a:p>
-            <a:r>
-              <a:rPr lang="en-US" sz="3600" dirty="0" smtClean="0"/>
-              <a:t>4 </a:t>
-            </a:r>
-            <a:r>
-              <a:rPr lang="en-US" sz="3600" dirty="0" err="1" smtClean="0"/>
-              <a:t>loại</a:t>
-            </a:r>
-            <a:endParaRPr lang="en-US" sz="3600" dirty="0" smtClean="0"/>
-          </a:p>
-          <a:p>
-            <a:pPr lvl="1"/>
-            <a:r>
-              <a:rPr lang="en-US" sz="3200" dirty="0" smtClean="0"/>
-              <a:t>Private</a:t>
-            </a:r>
-          </a:p>
-          <a:p>
-            <a:pPr lvl="1"/>
-            <a:r>
-              <a:rPr lang="en-US" sz="3200" dirty="0" smtClean="0"/>
-              <a:t>Public</a:t>
-            </a:r>
-          </a:p>
-          <a:p>
-            <a:pPr lvl="1"/>
-            <a:r>
-              <a:rPr lang="en-US" sz="3200" dirty="0" err="1" smtClean="0"/>
-              <a:t>Mặc</a:t>
-            </a:r>
-            <a:r>
-              <a:rPr lang="en-US" sz="3200" dirty="0" smtClean="0"/>
-              <a:t> </a:t>
-            </a:r>
-            <a:r>
-              <a:rPr lang="en-US" sz="3200" dirty="0" err="1" smtClean="0"/>
-              <a:t>định</a:t>
-            </a:r>
-            <a:endParaRPr lang="en-US" sz="3200" dirty="0" smtClean="0"/>
-          </a:p>
-          <a:p>
-            <a:pPr lvl="1"/>
-            <a:r>
-              <a:rPr lang="en-US" sz="3200" dirty="0" smtClean="0"/>
-              <a:t>Protected</a:t>
-            </a:r>
-          </a:p>
-          <a:p>
+        <p:spPr>
+          <a:xfrm>
+            <a:off x="457200" y="2667001"/>
+            <a:ext cx="8229600" cy="1219200"/>
+          </a:xfrm>
+        </p:spPr>
+        <p:txBody>
+          <a:bodyPr>
+            <a:normAutofit fontScale="92500"/>
+          </a:bodyPr>
+          <a:lstStyle/>
+          <a:p>
+            <a:pPr marL="0" indent="0">
+              <a:buNone/>
+            </a:pPr>
+            <a:r>
+              <a:rPr lang="en-US" dirty="0" err="1" smtClean="0"/>
+              <a:t>Thể</a:t>
+            </a:r>
+            <a:r>
+              <a:rPr lang="en-US" dirty="0" smtClean="0"/>
+              <a:t> </a:t>
+            </a:r>
+            <a:r>
+              <a:rPr lang="en-US" dirty="0" err="1" smtClean="0"/>
+              <a:t>hiện</a:t>
+            </a:r>
+            <a:r>
+              <a:rPr lang="en-US" dirty="0" smtClean="0"/>
+              <a:t> </a:t>
+            </a:r>
+            <a:r>
+              <a:rPr lang="en-US" b="1" i="1" dirty="0" err="1" smtClean="0"/>
+              <a:t>tính</a:t>
+            </a:r>
+            <a:r>
+              <a:rPr lang="en-US" b="1" i="1" dirty="0" smtClean="0"/>
+              <a:t> </a:t>
+            </a:r>
+            <a:r>
+              <a:rPr lang="en-US" b="1" i="1" dirty="0" err="1" smtClean="0"/>
+              <a:t>bao</a:t>
+            </a:r>
+            <a:r>
+              <a:rPr lang="en-US" b="1" i="1" dirty="0" smtClean="0"/>
+              <a:t> </a:t>
+            </a:r>
+            <a:r>
+              <a:rPr lang="en-US" b="1" i="1" dirty="0" err="1" smtClean="0"/>
+              <a:t>đóng</a:t>
+            </a:r>
+            <a:r>
+              <a:rPr lang="en-US" b="1" i="1" dirty="0" smtClean="0"/>
+              <a:t> </a:t>
+            </a:r>
+            <a:r>
+              <a:rPr lang="en-US" dirty="0" err="1" smtClean="0"/>
+              <a:t>của</a:t>
+            </a:r>
+            <a:r>
+              <a:rPr lang="en-US" dirty="0" smtClean="0"/>
+              <a:t> Java, </a:t>
+            </a:r>
+            <a:r>
+              <a:rPr lang="en-US" dirty="0" err="1" smtClean="0"/>
+              <a:t>chỉ</a:t>
+            </a:r>
+            <a:r>
+              <a:rPr lang="en-US" dirty="0" smtClean="0"/>
+              <a:t> </a:t>
+            </a:r>
+            <a:r>
+              <a:rPr lang="en-US" dirty="0" err="1" smtClean="0"/>
+              <a:t>cho</a:t>
+            </a:r>
+            <a:r>
+              <a:rPr lang="en-US" dirty="0" smtClean="0"/>
+              <a:t> </a:t>
+            </a:r>
+            <a:r>
+              <a:rPr lang="en-US" dirty="0" err="1" smtClean="0"/>
+              <a:t>phép</a:t>
+            </a:r>
+            <a:r>
+              <a:rPr lang="en-US" dirty="0" smtClean="0"/>
+              <a:t> </a:t>
+            </a:r>
+            <a:r>
+              <a:rPr lang="en-US" dirty="0" err="1" smtClean="0"/>
+              <a:t>truy</a:t>
+            </a:r>
+            <a:r>
+              <a:rPr lang="en-US" dirty="0" smtClean="0"/>
+              <a:t> </a:t>
+            </a:r>
+            <a:r>
+              <a:rPr lang="en-US" dirty="0" err="1" smtClean="0"/>
+              <a:t>cập</a:t>
+            </a:r>
+            <a:r>
+              <a:rPr lang="en-US" dirty="0" smtClean="0"/>
+              <a:t> “name” qua </a:t>
+            </a:r>
+            <a:r>
+              <a:rPr lang="en-US" dirty="0" err="1" smtClean="0"/>
+              <a:t>phương</a:t>
+            </a:r>
+            <a:r>
+              <a:rPr lang="en-US" dirty="0" smtClean="0"/>
+              <a:t> </a:t>
+            </a:r>
+            <a:r>
+              <a:rPr lang="en-US" dirty="0" err="1" smtClean="0"/>
+              <a:t>thức</a:t>
+            </a:r>
+            <a:r>
+              <a:rPr lang="en-US" dirty="0" smtClean="0"/>
+              <a:t> getter </a:t>
+            </a:r>
+            <a:r>
+              <a:rPr lang="en-US" dirty="0" err="1" smtClean="0"/>
+              <a:t>và</a:t>
+            </a:r>
+            <a:r>
+              <a:rPr lang="en-US" dirty="0" smtClean="0"/>
+              <a:t> setter</a:t>
+            </a:r>
             <a:endParaRPr lang="en-GB" dirty="0"/>
           </a:p>
         </p:txBody>
@@ -4098,13 +5470,20 @@
     </p:spTree>
     <p:extLst>
       <p:ext uri="{BB962C8B-B14F-4D97-AF65-F5344CB8AC3E}">
-        <p14:creationId xmlns:p14="http://schemas.microsoft.com/office/powerpoint/2010/main" val="3765785578"/>
+        <p14:creationId xmlns:p14="http://schemas.microsoft.com/office/powerpoint/2010/main" val="851335018"/>
       </p:ext>
     </p:extLst>
   </p:cSld>
   <p:clrMapOvr>
     <a:masterClrMapping/>
   </p:clrMapOvr>
+  <p:timing>
+    <p:tnLst>
+      <p:par>
+        <p:cTn id="1" dur="indefinite" restart="never" nodeType="tmRoot"/>
+      </p:par>
+    </p:tnLst>
+  </p:timing>
 </p:sld>
 </file>
 
@@ -4135,189 +5514,93 @@
             <p:ph type="title"/>
           </p:nvPr>
         </p:nvSpPr>
-        <p:spPr/>
-        <p:txBody>
-          <a:bodyPr>
-            <a:normAutofit fontScale="90000"/>
-          </a:bodyPr>
-          <a:lstStyle/>
-          <a:p>
-            <a:r>
-              <a:rPr lang="en-US" smtClean="0"/>
-              <a:t>Cách sử dụng</a:t>
-            </a:r>
-            <a:br>
-              <a:rPr lang="en-US" smtClean="0"/>
-            </a:br>
-            <a:endParaRPr lang="en-GB" dirty="0"/>
-          </a:p>
-        </p:txBody>
-      </p:sp>
-      <p:sp>
-        <p:nvSpPr>
-          <p:cNvPr id="3" name="Content Placeholder 2"/>
-          <p:cNvSpPr>
-            <a:spLocks noGrp="1"/>
-          </p:cNvSpPr>
-          <p:nvPr>
-            <p:ph idx="1"/>
-          </p:nvPr>
-        </p:nvSpPr>
-        <p:spPr/>
-        <p:txBody>
-          <a:bodyPr/>
-          <a:lstStyle/>
-          <a:p>
-            <a:r>
-              <a:rPr lang="en-US" dirty="0" err="1" smtClean="0"/>
-              <a:t>Không</a:t>
-            </a:r>
-            <a:r>
-              <a:rPr lang="en-US" dirty="0" smtClean="0"/>
-              <a:t> </a:t>
-            </a:r>
-            <a:r>
-              <a:rPr lang="en-US" dirty="0" err="1" smtClean="0"/>
-              <a:t>sử</a:t>
-            </a:r>
-            <a:r>
-              <a:rPr lang="en-US" dirty="0" smtClean="0"/>
-              <a:t> </a:t>
-            </a:r>
-            <a:r>
-              <a:rPr lang="en-US" dirty="0" err="1" smtClean="0"/>
-              <a:t>dụng</a:t>
-            </a:r>
-            <a:r>
-              <a:rPr lang="en-US" dirty="0" smtClean="0"/>
-              <a:t> </a:t>
-            </a:r>
-            <a:r>
-              <a:rPr lang="en-US" dirty="0" err="1" smtClean="0"/>
-              <a:t>mặc</a:t>
-            </a:r>
-            <a:r>
-              <a:rPr lang="en-US" dirty="0" smtClean="0"/>
-              <a:t> </a:t>
-            </a:r>
-            <a:r>
-              <a:rPr lang="en-US" dirty="0" err="1" smtClean="0"/>
-              <a:t>định</a:t>
-            </a:r>
-            <a:r>
-              <a:rPr lang="en-US" dirty="0" smtClean="0"/>
-              <a:t> </a:t>
-            </a:r>
-            <a:r>
-              <a:rPr lang="en-US" b="1" dirty="0" err="1" smtClean="0"/>
-              <a:t>private|public</a:t>
-            </a:r>
-            <a:r>
-              <a:rPr lang="en-US" b="1" dirty="0" err="1"/>
-              <a:t>|</a:t>
-            </a:r>
-            <a:r>
-              <a:rPr lang="en-US" b="1" dirty="0" err="1" smtClean="0"/>
-              <a:t>protected</a:t>
-            </a:r>
-            <a:r>
-              <a:rPr lang="en-US" dirty="0" smtClean="0"/>
-              <a:t> String name;</a:t>
-            </a:r>
-          </a:p>
-          <a:p>
-            <a:pPr marL="0" indent="0">
-              <a:buNone/>
-            </a:pPr>
-            <a:endParaRPr lang="en-US" dirty="0" smtClean="0"/>
-          </a:p>
-          <a:p>
-            <a:r>
-              <a:rPr lang="en-US" dirty="0" err="1" smtClean="0"/>
-              <a:t>Nếu</a:t>
-            </a:r>
-            <a:r>
-              <a:rPr lang="en-US" dirty="0" smtClean="0"/>
-              <a:t> </a:t>
-            </a:r>
-            <a:r>
-              <a:rPr lang="en-US" dirty="0" err="1" smtClean="0"/>
-              <a:t>không</a:t>
-            </a:r>
-            <a:r>
-              <a:rPr lang="en-US" dirty="0" smtClean="0"/>
-              <a:t> </a:t>
-            </a:r>
-            <a:r>
-              <a:rPr lang="en-US" dirty="0" err="1" smtClean="0"/>
-              <a:t>sử</a:t>
-            </a:r>
-            <a:r>
-              <a:rPr lang="en-US" dirty="0" smtClean="0"/>
-              <a:t> </a:t>
-            </a:r>
-            <a:r>
-              <a:rPr lang="en-US" dirty="0" err="1" smtClean="0"/>
-              <a:t>dụng</a:t>
-            </a:r>
-            <a:r>
-              <a:rPr lang="en-US" dirty="0" smtClean="0"/>
-              <a:t> 3 </a:t>
-            </a:r>
-            <a:r>
-              <a:rPr lang="en-US" dirty="0" err="1" smtClean="0"/>
-              <a:t>từ</a:t>
-            </a:r>
-            <a:r>
-              <a:rPr lang="en-US" dirty="0" smtClean="0"/>
-              <a:t> </a:t>
-            </a:r>
-            <a:r>
-              <a:rPr lang="en-US" dirty="0" err="1" smtClean="0"/>
-              <a:t>khóa</a:t>
-            </a:r>
-            <a:r>
-              <a:rPr lang="en-US" dirty="0" smtClean="0"/>
-              <a:t> </a:t>
-            </a:r>
-            <a:r>
-              <a:rPr lang="en-US" dirty="0" err="1" smtClean="0"/>
-              <a:t>còn</a:t>
-            </a:r>
-            <a:r>
-              <a:rPr lang="en-US" dirty="0" smtClean="0"/>
-              <a:t> </a:t>
-            </a:r>
-            <a:r>
-              <a:rPr lang="en-US" dirty="0" err="1" smtClean="0"/>
-              <a:t>lại</a:t>
-            </a:r>
-            <a:endParaRPr lang="en-US" dirty="0" smtClean="0"/>
-          </a:p>
-          <a:p>
-            <a:pPr marL="400050" lvl="1" indent="0">
-              <a:buNone/>
-            </a:pPr>
-            <a:r>
-              <a:rPr lang="en-US" dirty="0" smtClean="0"/>
-              <a:t>String name</a:t>
-            </a:r>
-          </a:p>
-          <a:p>
-            <a:endParaRPr lang="en-GB" dirty="0"/>
+        <p:spPr>
+          <a:xfrm>
+            <a:off x="457200" y="2590800"/>
+            <a:ext cx="8229600" cy="1143000"/>
+          </a:xfrm>
+        </p:spPr>
+        <p:txBody>
+          <a:bodyPr/>
+          <a:lstStyle/>
+          <a:p>
+            <a:r>
+              <a:rPr lang="en-US" dirty="0" err="1" smtClean="0"/>
+              <a:t>Vậy</a:t>
+            </a:r>
+            <a:r>
+              <a:rPr lang="en-US" dirty="0" smtClean="0"/>
+              <a:t> </a:t>
+            </a:r>
+            <a:r>
+              <a:rPr lang="en-US" dirty="0" err="1" smtClean="0"/>
+              <a:t>cái</a:t>
+            </a:r>
+            <a:r>
+              <a:rPr lang="en-US" dirty="0" smtClean="0"/>
+              <a:t> </a:t>
+            </a:r>
+            <a:r>
+              <a:rPr lang="en-US" dirty="0" err="1" smtClean="0"/>
+              <a:t>gì</a:t>
+            </a:r>
+            <a:r>
+              <a:rPr lang="en-US" dirty="0" smtClean="0"/>
+              <a:t> </a:t>
+            </a:r>
+            <a:r>
+              <a:rPr lang="en-US" dirty="0" err="1" smtClean="0"/>
+              <a:t>truy</a:t>
+            </a:r>
+            <a:r>
+              <a:rPr lang="en-US" dirty="0" smtClean="0"/>
+              <a:t> </a:t>
+            </a:r>
+            <a:r>
+              <a:rPr lang="en-US" dirty="0" err="1" smtClean="0"/>
+              <a:t>câp</a:t>
+            </a:r>
+            <a:r>
+              <a:rPr lang="en-US" dirty="0" smtClean="0"/>
+              <a:t> </a:t>
+            </a:r>
+            <a:r>
+              <a:rPr lang="en-US" dirty="0" err="1" smtClean="0"/>
+              <a:t>cái</a:t>
+            </a:r>
+            <a:r>
+              <a:rPr lang="en-US" dirty="0" smtClean="0"/>
+              <a:t> </a:t>
+            </a:r>
+            <a:r>
+              <a:rPr lang="en-US" dirty="0" err="1" smtClean="0"/>
+              <a:t>gì</a:t>
+            </a:r>
+            <a:r>
+              <a:rPr lang="en-US" dirty="0" smtClean="0"/>
+              <a:t>?</a:t>
+            </a:r>
+            <a:endParaRPr lang="en-US" dirty="0"/>
           </a:p>
         </p:txBody>
       </p:sp>
     </p:spTree>
     <p:extLst>
       <p:ext uri="{BB962C8B-B14F-4D97-AF65-F5344CB8AC3E}">
-        <p14:creationId xmlns:p14="http://schemas.microsoft.com/office/powerpoint/2010/main" val="4032895327"/>
+        <p14:creationId xmlns:p14="http://schemas.microsoft.com/office/powerpoint/2010/main" val="395713242"/>
       </p:ext>
     </p:extLst>
   </p:cSld>
   <p:clrMapOvr>
     <a:masterClrMapping/>
   </p:clrMapOvr>
+  <p:timing>
+    <p:tnLst>
+      <p:par>
+        <p:cTn id="1" dur="indefinite" restart="never" nodeType="tmRoot"/>
+      </p:par>
+    </p:tnLst>
+  </p:timing>
 </p:sld>
 </file>
 
@@ -4353,25 +5636,13 @@
           <a:bodyPr/>
           <a:lstStyle/>
           <a:p>
-            <a:r>
-              <a:rPr lang="en-US" dirty="0" smtClean="0"/>
-              <a:t>AM </a:t>
-            </a:r>
-            <a:r>
-              <a:rPr lang="en-US" dirty="0" err="1" smtClean="0"/>
-              <a:t>với</a:t>
-            </a:r>
-            <a:r>
-              <a:rPr lang="en-US" dirty="0" smtClean="0"/>
-              <a:t> Class</a:t>
-            </a:r>
-            <a:endParaRPr lang="en-GB" dirty="0"/>
-          </a:p>
-        </p:txBody>
-      </p:sp>
-      <p:sp>
-        <p:nvSpPr>
-          <p:cNvPr id="4" name="Content Placeholder 3"/>
+            <a:endParaRPr lang="en-US"/>
+          </a:p>
+        </p:txBody>
+      </p:sp>
+      <p:sp>
+        <p:nvSpPr>
+          <p:cNvPr id="3" name="Content Placeholder 2"/>
           <p:cNvSpPr>
             <a:spLocks noGrp="1"/>
           </p:cNvSpPr>
@@ -4385,68 +5656,77 @@
           <a:lstStyle/>
           <a:p>
             <a:r>
-              <a:rPr lang="en-US" dirty="0" err="1" smtClean="0"/>
-              <a:t>Không</a:t>
-            </a:r>
-            <a:r>
-              <a:rPr lang="en-US" dirty="0" smtClean="0"/>
-              <a:t> </a:t>
-            </a:r>
-            <a:r>
-              <a:rPr lang="en-US" dirty="0" err="1" smtClean="0"/>
-              <a:t>thể</a:t>
-            </a:r>
-            <a:r>
-              <a:rPr lang="en-US" dirty="0" smtClean="0"/>
-              <a:t> private, protected </a:t>
-            </a:r>
-            <a:r>
-              <a:rPr lang="en-US" dirty="0" err="1" smtClean="0"/>
-              <a:t>với</a:t>
-            </a:r>
-            <a:r>
-              <a:rPr lang="en-US" dirty="0" smtClean="0"/>
-              <a:t> class</a:t>
-            </a:r>
-          </a:p>
-          <a:p>
-            <a:pPr lvl="1">
-              <a:buFont typeface="Symbol"/>
-              <a:buChar char="Þ"/>
-            </a:pPr>
-            <a:r>
-              <a:rPr lang="en-US" dirty="0" err="1" smtClean="0"/>
-              <a:t>Lỗi</a:t>
-            </a:r>
-            <a:r>
-              <a:rPr lang="en-US" dirty="0" smtClean="0"/>
-              <a:t> compiler</a:t>
-            </a:r>
-          </a:p>
-          <a:p>
+              <a:rPr lang="en-US" dirty="0" smtClean="0"/>
+              <a:t>Class =&gt; Class</a:t>
+            </a:r>
+          </a:p>
+          <a:p>
+            <a:pPr lvl="1"/>
+            <a:r>
+              <a:rPr lang="en-US" dirty="0" err="1" smtClean="0"/>
+              <a:t>Trong</a:t>
+            </a:r>
+            <a:r>
+              <a:rPr lang="en-US" dirty="0" smtClean="0"/>
+              <a:t> </a:t>
+            </a:r>
+            <a:r>
+              <a:rPr lang="en-US" dirty="0" err="1" smtClean="0"/>
+              <a:t>cùng</a:t>
+            </a:r>
+            <a:r>
+              <a:rPr lang="en-US" dirty="0" smtClean="0"/>
+              <a:t> package</a:t>
+            </a:r>
+          </a:p>
+          <a:p>
+            <a:pPr lvl="1"/>
+            <a:r>
+              <a:rPr lang="en-US" dirty="0" err="1" smtClean="0"/>
+              <a:t>Khác</a:t>
+            </a:r>
+            <a:r>
+              <a:rPr lang="en-US" dirty="0" smtClean="0"/>
+              <a:t> </a:t>
+            </a:r>
+            <a:r>
+              <a:rPr lang="en-US" dirty="0" err="1" smtClean="0"/>
+              <a:t>pakage</a:t>
+            </a:r>
+            <a:endParaRPr lang="en-US" dirty="0" smtClean="0"/>
+          </a:p>
+          <a:p>
+            <a:r>
+              <a:rPr lang="en-US" dirty="0" smtClean="0"/>
+              <a:t>Interface =&gt; Interface</a:t>
+            </a:r>
+          </a:p>
+          <a:p>
+            <a:r>
+              <a:rPr lang="en-US" dirty="0" smtClean="0"/>
+              <a:t>Method</a:t>
+            </a:r>
             <a:endParaRPr lang="en-US" dirty="0"/>
-          </a:p>
-          <a:p>
-            <a:endParaRPr lang="en-US" dirty="0" smtClean="0"/>
-          </a:p>
-          <a:p>
-            <a:pPr marL="457200" lvl="1" indent="0">
-              <a:buNone/>
-            </a:pPr>
-            <a:endParaRPr lang="en-GB" dirty="0"/>
           </a:p>
         </p:txBody>
       </p:sp>
     </p:spTree>
     <p:extLst>
       <p:ext uri="{BB962C8B-B14F-4D97-AF65-F5344CB8AC3E}">
-        <p14:creationId xmlns:p14="http://schemas.microsoft.com/office/powerpoint/2010/main" val="3692196180"/>
+        <p14:creationId xmlns:p14="http://schemas.microsoft.com/office/powerpoint/2010/main" val="632031797"/>
       </p:ext>
     </p:extLst>
   </p:cSld>
   <p:clrMapOvr>
     <a:masterClrMapping/>
   </p:clrMapOvr>
+  <p:timing>
+    <p:tnLst>
+      <p:par>
+        <p:cTn id="1" dur="indefinite" restart="never" nodeType="tmRoot"/>
+      </p:par>
+    </p:tnLst>
+  </p:timing>
 </p:sld>
 </file>
 
@@ -4469,7 +5749,7 @@
       </p:grpSpPr>
       <p:sp>
         <p:nvSpPr>
-          <p:cNvPr id="4" name="Title 3"/>
+          <p:cNvPr id="2" name="Title 1"/>
           <p:cNvSpPr>
             <a:spLocks noGrp="1"/>
           </p:cNvSpPr>
@@ -4482,13 +5762,29 @@
           <a:bodyPr/>
           <a:lstStyle/>
           <a:p>
+            <a:r>
+              <a:rPr lang="en-US" dirty="0" err="1" smtClean="0"/>
+              <a:t>Các</a:t>
+            </a:r>
+            <a:r>
+              <a:rPr lang="en-US" dirty="0" smtClean="0"/>
+              <a:t> </a:t>
+            </a:r>
+            <a:r>
+              <a:rPr lang="en-US" dirty="0" err="1" smtClean="0"/>
+              <a:t>loại</a:t>
+            </a:r>
+            <a:r>
+              <a:rPr lang="en-US" dirty="0" smtClean="0"/>
+              <a:t> Access Modifier</a:t>
+            </a:r>
             <a:endParaRPr lang="en-GB" dirty="0"/>
           </a:p>
         </p:txBody>
       </p:sp>
       <p:sp>
         <p:nvSpPr>
-          <p:cNvPr id="5" name="Content Placeholder 4"/>
+          <p:cNvPr id="3" name="Content Placeholder 2"/>
           <p:cNvSpPr>
             <a:spLocks noGrp="1"/>
           </p:cNvSpPr>
@@ -4496,25 +5792,133 @@
             <p:ph idx="1"/>
           </p:nvPr>
         </p:nvSpPr>
-        <p:spPr/>
-        <p:txBody>
-          <a:bodyPr/>
-          <a:lstStyle/>
+        <p:spPr>
+          <a:xfrm>
+            <a:off x="457200" y="1600201"/>
+            <a:ext cx="8229600" cy="2819400"/>
+          </a:xfrm>
+        </p:spPr>
+        <p:txBody>
+          <a:bodyPr/>
+          <a:lstStyle/>
+          <a:p>
+            <a:r>
+              <a:rPr lang="en-US" sz="3600" dirty="0" smtClean="0"/>
+              <a:t>Private</a:t>
+            </a:r>
+          </a:p>
+          <a:p>
+            <a:r>
+              <a:rPr lang="en-US" sz="3600" dirty="0" smtClean="0"/>
+              <a:t>Public</a:t>
+            </a:r>
+          </a:p>
+          <a:p>
+            <a:r>
+              <a:rPr lang="en-US" sz="3600" dirty="0" err="1" smtClean="0"/>
+              <a:t>Mặc</a:t>
+            </a:r>
+            <a:r>
+              <a:rPr lang="en-US" sz="3600" dirty="0" smtClean="0"/>
+              <a:t> </a:t>
+            </a:r>
+            <a:r>
+              <a:rPr lang="en-US" sz="3600" dirty="0" err="1" smtClean="0"/>
+              <a:t>định</a:t>
+            </a:r>
+            <a:endParaRPr lang="en-US" sz="3600" dirty="0" smtClean="0"/>
+          </a:p>
+          <a:p>
+            <a:r>
+              <a:rPr lang="en-US" sz="3600" dirty="0" smtClean="0"/>
+              <a:t>Protected</a:t>
+            </a:r>
+          </a:p>
           <a:p>
             <a:endParaRPr lang="en-GB" dirty="0"/>
+          </a:p>
+        </p:txBody>
+      </p:sp>
+      <p:sp>
+        <p:nvSpPr>
+          <p:cNvPr id="4" name="TextBox 3"/>
+          <p:cNvSpPr txBox="1"/>
+          <p:nvPr/>
+        </p:nvSpPr>
+        <p:spPr>
+          <a:xfrm>
+            <a:off x="2362200" y="4959927"/>
+            <a:ext cx="4616841" cy="461665"/>
+          </a:xfrm>
+          <a:prstGeom prst="rect">
+            <a:avLst/>
+          </a:prstGeom>
+        </p:spPr>
+        <p:style>
+          <a:lnRef idx="2">
+            <a:schemeClr val="accent3"/>
+          </a:lnRef>
+          <a:fillRef idx="1">
+            <a:schemeClr val="lt1"/>
+          </a:fillRef>
+          <a:effectRef idx="0">
+            <a:schemeClr val="accent3"/>
+          </a:effectRef>
+          <a:fontRef idx="minor">
+            <a:schemeClr val="dk1"/>
+          </a:fontRef>
+        </p:style>
+        <p:txBody>
+          <a:bodyPr wrap="none" rtlCol="0">
+            <a:spAutoFit/>
+          </a:bodyPr>
+          <a:lstStyle/>
+          <a:p>
+            <a:r>
+              <a:rPr lang="en-US" sz="2400" dirty="0" err="1" smtClean="0"/>
+              <a:t>Có</a:t>
+            </a:r>
+            <a:r>
+              <a:rPr lang="en-US" sz="2400" dirty="0" smtClean="0"/>
+              <a:t> 4 </a:t>
+            </a:r>
+            <a:r>
+              <a:rPr lang="en-US" sz="2400" dirty="0" err="1" smtClean="0"/>
+              <a:t>loại</a:t>
+            </a:r>
+            <a:r>
+              <a:rPr lang="en-US" sz="2400" dirty="0" smtClean="0"/>
+              <a:t> Access Modifier </a:t>
+            </a:r>
+            <a:r>
+              <a:rPr lang="en-US" sz="2400" dirty="0" err="1" smtClean="0"/>
+              <a:t>trong</a:t>
+            </a:r>
+            <a:r>
+              <a:rPr lang="en-US" sz="2400" dirty="0" smtClean="0"/>
+              <a:t> java</a:t>
+            </a:r>
+            <a:endParaRPr lang="en-US" sz="2400" dirty="0"/>
           </a:p>
         </p:txBody>
       </p:sp>
     </p:spTree>
     <p:extLst>
       <p:ext uri="{BB962C8B-B14F-4D97-AF65-F5344CB8AC3E}">
-        <p14:creationId xmlns:p14="http://schemas.microsoft.com/office/powerpoint/2010/main" val="1725695804"/>
+        <p14:creationId xmlns:p14="http://schemas.microsoft.com/office/powerpoint/2010/main" val="3765785578"/>
       </p:ext>
     </p:extLst>
   </p:cSld>
   <p:clrMapOvr>
     <a:masterClrMapping/>
   </p:clrMapOvr>
+  <p:timing>
+    <p:tnLst>
+      <p:par>
+        <p:cTn id="1" dur="indefinite" restart="never" nodeType="tmRoot"/>
+      </p:par>
+    </p:tnLst>
+  </p:timing>
 </p:sld>
 </file>
 

--- a/3. Back-end/1. JavaCore/4. Access Modifier trong java.pptx
+++ b/3. Back-end/1. JavaCore/4. Access Modifier trong java.pptx
@@ -12,12 +12,13 @@
     <p:sldId id="260" r:id="rId6"/>
     <p:sldId id="261" r:id="rId7"/>
     <p:sldId id="275" r:id="rId8"/>
-    <p:sldId id="276" r:id="rId9"/>
-    <p:sldId id="272" r:id="rId10"/>
-    <p:sldId id="273" r:id="rId11"/>
-    <p:sldId id="271" r:id="rId12"/>
-    <p:sldId id="277" r:id="rId13"/>
-    <p:sldId id="268" r:id="rId14"/>
+    <p:sldId id="278" r:id="rId9"/>
+    <p:sldId id="276" r:id="rId10"/>
+    <p:sldId id="272" r:id="rId11"/>
+    <p:sldId id="273" r:id="rId12"/>
+    <p:sldId id="271" r:id="rId13"/>
+    <p:sldId id="277" r:id="rId14"/>
+    <p:sldId id="268" r:id="rId15"/>
   </p:sldIdLst>
   <p:sldSz cx="9144000" cy="6858000" type="screen4x3"/>
   <p:notesSz cx="6858000" cy="9144000"/>
@@ -301,7 +302,7 @@
             <a:fld id="{1D8BD707-D9CF-40AE-B4C6-C98DA3205C09}" type="datetimeFigureOut">
               <a:rPr lang="en-US" smtClean="0"/>
               <a:pPr/>
-              <a:t>6/22/2018</a:t>
+              <a:t>6/25/2018</a:t>
             </a:fld>
             <a:endParaRPr lang="en-US"/>
           </a:p>
@@ -468,7 +469,7 @@
             <a:fld id="{1D8BD707-D9CF-40AE-B4C6-C98DA3205C09}" type="datetimeFigureOut">
               <a:rPr lang="en-US" smtClean="0"/>
               <a:pPr/>
-              <a:t>6/22/2018</a:t>
+              <a:t>6/25/2018</a:t>
             </a:fld>
             <a:endParaRPr lang="en-US"/>
           </a:p>
@@ -645,7 +646,7 @@
             <a:fld id="{1D8BD707-D9CF-40AE-B4C6-C98DA3205C09}" type="datetimeFigureOut">
               <a:rPr lang="en-US" smtClean="0"/>
               <a:pPr/>
-              <a:t>6/22/2018</a:t>
+              <a:t>6/25/2018</a:t>
             </a:fld>
             <a:endParaRPr lang="en-US"/>
           </a:p>
@@ -812,7 +813,7 @@
             <a:fld id="{1D8BD707-D9CF-40AE-B4C6-C98DA3205C09}" type="datetimeFigureOut">
               <a:rPr lang="en-US" smtClean="0"/>
               <a:pPr/>
-              <a:t>6/22/2018</a:t>
+              <a:t>6/25/2018</a:t>
             </a:fld>
             <a:endParaRPr lang="en-US"/>
           </a:p>
@@ -1055,7 +1056,7 @@
             <a:fld id="{1D8BD707-D9CF-40AE-B4C6-C98DA3205C09}" type="datetimeFigureOut">
               <a:rPr lang="en-US" smtClean="0"/>
               <a:pPr/>
-              <a:t>6/22/2018</a:t>
+              <a:t>6/25/2018</a:t>
             </a:fld>
             <a:endParaRPr lang="en-US"/>
           </a:p>
@@ -1340,7 +1341,7 @@
             <a:fld id="{1D8BD707-D9CF-40AE-B4C6-C98DA3205C09}" type="datetimeFigureOut">
               <a:rPr lang="en-US" smtClean="0"/>
               <a:pPr/>
-              <a:t>6/22/2018</a:t>
+              <a:t>6/25/2018</a:t>
             </a:fld>
             <a:endParaRPr lang="en-US"/>
           </a:p>
@@ -1759,7 +1760,7 @@
             <a:fld id="{1D8BD707-D9CF-40AE-B4C6-C98DA3205C09}" type="datetimeFigureOut">
               <a:rPr lang="en-US" smtClean="0"/>
               <a:pPr/>
-              <a:t>6/22/2018</a:t>
+              <a:t>6/25/2018</a:t>
             </a:fld>
             <a:endParaRPr lang="en-US"/>
           </a:p>
@@ -1874,7 +1875,7 @@
             <a:fld id="{1D8BD707-D9CF-40AE-B4C6-C98DA3205C09}" type="datetimeFigureOut">
               <a:rPr lang="en-US" smtClean="0"/>
               <a:pPr/>
-              <a:t>6/22/2018</a:t>
+              <a:t>6/25/2018</a:t>
             </a:fld>
             <a:endParaRPr lang="en-US"/>
           </a:p>
@@ -1966,7 +1967,7 @@
             <a:fld id="{1D8BD707-D9CF-40AE-B4C6-C98DA3205C09}" type="datetimeFigureOut">
               <a:rPr lang="en-US" smtClean="0"/>
               <a:pPr/>
-              <a:t>6/22/2018</a:t>
+              <a:t>6/25/2018</a:t>
             </a:fld>
             <a:endParaRPr lang="en-US"/>
           </a:p>
@@ -2240,7 +2241,7 @@
             <a:fld id="{1D8BD707-D9CF-40AE-B4C6-C98DA3205C09}" type="datetimeFigureOut">
               <a:rPr lang="en-US" smtClean="0"/>
               <a:pPr/>
-              <a:t>6/22/2018</a:t>
+              <a:t>6/25/2018</a:t>
             </a:fld>
             <a:endParaRPr lang="en-US"/>
           </a:p>
@@ -2490,7 +2491,7 @@
             <a:fld id="{1D8BD707-D9CF-40AE-B4C6-C98DA3205C09}" type="datetimeFigureOut">
               <a:rPr lang="en-US" smtClean="0"/>
               <a:pPr/>
-              <a:t>6/22/2018</a:t>
+              <a:t>6/25/2018</a:t>
             </a:fld>
             <a:endParaRPr lang="en-US"/>
           </a:p>
@@ -2700,7 +2701,7 @@
             <a:fld id="{1D8BD707-D9CF-40AE-B4C6-C98DA3205C09}" type="datetimeFigureOut">
               <a:rPr lang="en-US" smtClean="0"/>
               <a:pPr/>
-              <a:t>6/22/2018</a:t>
+              <a:t>6/25/2018</a:t>
             </a:fld>
             <a:endParaRPr lang="en-US"/>
           </a:p>
@@ -3118,20 +3119,12 @@
           <a:lstStyle/>
           <a:p>
             <a:r>
-              <a:rPr lang="en-US" dirty="0" err="1" smtClean="0"/>
-              <a:t>Hướng</a:t>
-            </a:r>
-            <a:r>
-              <a:rPr lang="en-US" dirty="0" smtClean="0"/>
-              <a:t> </a:t>
-            </a:r>
-            <a:r>
-              <a:rPr lang="en-US" dirty="0" err="1" smtClean="0"/>
-              <a:t>dẫn</a:t>
-            </a:r>
-            <a:r>
-              <a:rPr lang="en-US" dirty="0" smtClean="0"/>
-              <a:t>: Pham Ngoc </a:t>
+              <a:rPr lang="en-US" dirty="0" smtClean="0"/>
+              <a:t>Pham </a:t>
+            </a:r>
+            <a:r>
+              <a:rPr lang="en-US" dirty="0" smtClean="0"/>
+              <a:t>Ngoc </a:t>
             </a:r>
             <a:r>
               <a:rPr lang="en-US" dirty="0" err="1" smtClean="0"/>
@@ -3190,187 +3183,153 @@
         </p:nvSpPr>
         <p:spPr/>
         <p:txBody>
-          <a:bodyPr>
-            <a:normAutofit fontScale="90000"/>
+          <a:bodyPr/>
+          <a:lstStyle/>
+          <a:p>
+            <a:r>
+              <a:rPr lang="en-US" dirty="0" err="1" smtClean="0"/>
+              <a:t>Các</a:t>
+            </a:r>
+            <a:r>
+              <a:rPr lang="en-US" dirty="0" smtClean="0"/>
+              <a:t> </a:t>
+            </a:r>
+            <a:r>
+              <a:rPr lang="en-US" dirty="0" err="1" smtClean="0"/>
+              <a:t>loại</a:t>
+            </a:r>
+            <a:r>
+              <a:rPr lang="en-US" dirty="0" smtClean="0"/>
+              <a:t> Access Modifier</a:t>
+            </a:r>
+            <a:endParaRPr lang="en-GB" dirty="0"/>
+          </a:p>
+        </p:txBody>
+      </p:sp>
+      <p:sp>
+        <p:nvSpPr>
+          <p:cNvPr id="3" name="Content Placeholder 2"/>
+          <p:cNvSpPr>
+            <a:spLocks noGrp="1"/>
+          </p:cNvSpPr>
+          <p:nvPr>
+            <p:ph idx="1"/>
+          </p:nvPr>
+        </p:nvSpPr>
+        <p:spPr>
+          <a:xfrm>
+            <a:off x="457200" y="1600201"/>
+            <a:ext cx="8229600" cy="2819400"/>
+          </a:xfrm>
+        </p:spPr>
+        <p:txBody>
+          <a:bodyPr/>
+          <a:lstStyle/>
+          <a:p>
+            <a:r>
+              <a:rPr lang="en-US" sz="3600" dirty="0" smtClean="0"/>
+              <a:t>Private</a:t>
+            </a:r>
+          </a:p>
+          <a:p>
+            <a:r>
+              <a:rPr lang="en-US" sz="3600" dirty="0" smtClean="0"/>
+              <a:t>Public</a:t>
+            </a:r>
+          </a:p>
+          <a:p>
+            <a:r>
+              <a:rPr lang="en-US" sz="3600" dirty="0" err="1" smtClean="0"/>
+              <a:t>Mặc</a:t>
+            </a:r>
+            <a:r>
+              <a:rPr lang="en-US" sz="3600" dirty="0" smtClean="0"/>
+              <a:t> </a:t>
+            </a:r>
+            <a:r>
+              <a:rPr lang="en-US" sz="3600" dirty="0" err="1" smtClean="0"/>
+              <a:t>định</a:t>
+            </a:r>
+            <a:endParaRPr lang="en-US" sz="3600" dirty="0" smtClean="0"/>
+          </a:p>
+          <a:p>
+            <a:r>
+              <a:rPr lang="en-US" sz="3600" dirty="0" smtClean="0"/>
+              <a:t>Protected</a:t>
+            </a:r>
+          </a:p>
+          <a:p>
+            <a:endParaRPr lang="en-GB" dirty="0"/>
+          </a:p>
+        </p:txBody>
+      </p:sp>
+      <p:sp>
+        <p:nvSpPr>
+          <p:cNvPr id="4" name="TextBox 3"/>
+          <p:cNvSpPr txBox="1"/>
+          <p:nvPr/>
+        </p:nvSpPr>
+        <p:spPr>
+          <a:xfrm>
+            <a:off x="2362200" y="4959927"/>
+            <a:ext cx="4616841" cy="461665"/>
+          </a:xfrm>
+          <a:prstGeom prst="rect">
+            <a:avLst/>
+          </a:prstGeom>
+        </p:spPr>
+        <p:style>
+          <a:lnRef idx="2">
+            <a:schemeClr val="accent3"/>
+          </a:lnRef>
+          <a:fillRef idx="1">
+            <a:schemeClr val="lt1"/>
+          </a:fillRef>
+          <a:effectRef idx="0">
+            <a:schemeClr val="accent3"/>
+          </a:effectRef>
+          <a:fontRef idx="minor">
+            <a:schemeClr val="dk1"/>
+          </a:fontRef>
+        </p:style>
+        <p:txBody>
+          <a:bodyPr wrap="none" rtlCol="0">
+            <a:spAutoFit/>
           </a:bodyPr>
           <a:lstStyle/>
           <a:p>
             <a:r>
-              <a:rPr lang="en-US" smtClean="0"/>
-              <a:t>Cách sử dụng</a:t>
-            </a:r>
-            <a:br>
-              <a:rPr lang="en-US" smtClean="0"/>
-            </a:br>
-            <a:endParaRPr lang="en-GB" dirty="0"/>
-          </a:p>
-        </p:txBody>
-      </p:sp>
-      <p:sp>
-        <p:nvSpPr>
-          <p:cNvPr id="3" name="Content Placeholder 2"/>
-          <p:cNvSpPr>
-            <a:spLocks noGrp="1"/>
-          </p:cNvSpPr>
-          <p:nvPr>
-            <p:ph idx="1"/>
-          </p:nvPr>
-        </p:nvSpPr>
-        <p:spPr/>
-        <p:txBody>
-          <a:bodyPr/>
-          <a:lstStyle/>
-          <a:p>
-            <a:r>
-              <a:rPr lang="en-US" dirty="0" err="1" smtClean="0"/>
-              <a:t>Không</a:t>
-            </a:r>
-            <a:r>
-              <a:rPr lang="en-US" dirty="0" smtClean="0"/>
-              <a:t> </a:t>
-            </a:r>
-            <a:r>
-              <a:rPr lang="en-US" dirty="0" err="1" smtClean="0"/>
-              <a:t>sử</a:t>
-            </a:r>
-            <a:r>
-              <a:rPr lang="en-US" dirty="0" smtClean="0"/>
-              <a:t> </a:t>
-            </a:r>
-            <a:r>
-              <a:rPr lang="en-US" dirty="0" err="1" smtClean="0"/>
-              <a:t>dụng</a:t>
-            </a:r>
-            <a:r>
-              <a:rPr lang="en-US" dirty="0" smtClean="0"/>
-              <a:t> </a:t>
-            </a:r>
-            <a:r>
-              <a:rPr lang="en-US" dirty="0" err="1" smtClean="0"/>
-              <a:t>mặc</a:t>
-            </a:r>
-            <a:r>
-              <a:rPr lang="en-US" dirty="0" smtClean="0"/>
-              <a:t> </a:t>
-            </a:r>
-            <a:r>
-              <a:rPr lang="en-US" dirty="0" err="1" smtClean="0"/>
-              <a:t>định</a:t>
-            </a:r>
-            <a:r>
-              <a:rPr lang="en-US" dirty="0" smtClean="0"/>
-              <a:t> </a:t>
-            </a:r>
-            <a:r>
-              <a:rPr lang="en-US" b="1" dirty="0" err="1" smtClean="0"/>
-              <a:t>private|public</a:t>
-            </a:r>
-            <a:r>
-              <a:rPr lang="en-US" b="1" dirty="0" err="1"/>
-              <a:t>|</a:t>
-            </a:r>
-            <a:r>
-              <a:rPr lang="en-US" b="1" dirty="0" err="1" smtClean="0"/>
-              <a:t>protected</a:t>
-            </a:r>
-            <a:r>
-              <a:rPr lang="en-US" dirty="0" smtClean="0"/>
-              <a:t> String name;</a:t>
-            </a:r>
-          </a:p>
-          <a:p>
-            <a:pPr marL="0" indent="0">
-              <a:buNone/>
-            </a:pPr>
-            <a:endParaRPr lang="en-US" dirty="0" smtClean="0"/>
-          </a:p>
-          <a:p>
-            <a:r>
-              <a:rPr lang="en-US" dirty="0" err="1" smtClean="0"/>
-              <a:t>Nếu</a:t>
-            </a:r>
-            <a:r>
-              <a:rPr lang="en-US" dirty="0" smtClean="0"/>
-              <a:t> </a:t>
-            </a:r>
-            <a:r>
-              <a:rPr lang="en-US" dirty="0" err="1" smtClean="0"/>
-              <a:t>không</a:t>
-            </a:r>
-            <a:r>
-              <a:rPr lang="en-US" dirty="0" smtClean="0"/>
-              <a:t> </a:t>
-            </a:r>
-            <a:r>
-              <a:rPr lang="en-US" dirty="0" err="1" smtClean="0"/>
-              <a:t>sử</a:t>
-            </a:r>
-            <a:r>
-              <a:rPr lang="en-US" dirty="0" smtClean="0"/>
-              <a:t> </a:t>
-            </a:r>
-            <a:r>
-              <a:rPr lang="en-US" dirty="0" err="1" smtClean="0"/>
-              <a:t>dụng</a:t>
-            </a:r>
-            <a:r>
-              <a:rPr lang="en-US" dirty="0" smtClean="0"/>
-              <a:t> 3 </a:t>
-            </a:r>
-            <a:r>
-              <a:rPr lang="en-US" dirty="0" err="1" smtClean="0"/>
-              <a:t>từ</a:t>
-            </a:r>
-            <a:r>
-              <a:rPr lang="en-US" dirty="0" smtClean="0"/>
-              <a:t> </a:t>
-            </a:r>
-            <a:r>
-              <a:rPr lang="en-US" dirty="0" err="1" smtClean="0"/>
-              <a:t>khóa</a:t>
-            </a:r>
-            <a:r>
-              <a:rPr lang="en-US" dirty="0" smtClean="0"/>
-              <a:t> </a:t>
-            </a:r>
-            <a:r>
-              <a:rPr lang="en-US" dirty="0" err="1" smtClean="0"/>
-              <a:t>còn</a:t>
-            </a:r>
-            <a:r>
-              <a:rPr lang="en-US" dirty="0" smtClean="0"/>
-              <a:t> </a:t>
-            </a:r>
-            <a:r>
-              <a:rPr lang="en-US" dirty="0" err="1" smtClean="0"/>
-              <a:t>lại</a:t>
-            </a:r>
-            <a:endParaRPr lang="en-US" dirty="0" smtClean="0"/>
-          </a:p>
-          <a:p>
-            <a:pPr marL="400050" lvl="1" indent="0">
-              <a:buNone/>
-            </a:pPr>
-            <a:r>
-              <a:rPr lang="en-US" dirty="0" smtClean="0"/>
-              <a:t>String name</a:t>
-            </a:r>
-          </a:p>
-          <a:p>
-            <a:pPr marL="0" indent="0">
-              <a:buNone/>
-            </a:pPr>
-            <a:endParaRPr lang="en-US" dirty="0" smtClean="0"/>
-          </a:p>
-          <a:p>
-            <a:endParaRPr lang="en-GB" dirty="0"/>
+              <a:rPr lang="en-US" sz="2400" dirty="0" err="1" smtClean="0"/>
+              <a:t>Có</a:t>
+            </a:r>
+            <a:r>
+              <a:rPr lang="en-US" sz="2400" dirty="0" smtClean="0"/>
+              <a:t> 4 </a:t>
+            </a:r>
+            <a:r>
+              <a:rPr lang="en-US" sz="2400" dirty="0" err="1" smtClean="0"/>
+              <a:t>loại</a:t>
+            </a:r>
+            <a:r>
+              <a:rPr lang="en-US" sz="2400" dirty="0" smtClean="0"/>
+              <a:t> Access Modifier </a:t>
+            </a:r>
+            <a:r>
+              <a:rPr lang="en-US" sz="2400" dirty="0" err="1" smtClean="0"/>
+              <a:t>trong</a:t>
+            </a:r>
+            <a:r>
+              <a:rPr lang="en-US" sz="2400" dirty="0" smtClean="0"/>
+              <a:t> java</a:t>
+            </a:r>
+            <a:endParaRPr lang="en-US" sz="2400" dirty="0"/>
           </a:p>
         </p:txBody>
       </p:sp>
     </p:spTree>
     <p:extLst>
       <p:ext uri="{BB962C8B-B14F-4D97-AF65-F5344CB8AC3E}">
-        <p14:creationId xmlns:p14="http://schemas.microsoft.com/office/powerpoint/2010/main" val="4032895327"/>
+        <p14:creationId xmlns:p14="http://schemas.microsoft.com/office/powerpoint/2010/main" val="3765785578"/>
       </p:ext>
     </p:extLst>
   </p:cSld>
@@ -3416,28 +3375,25 @@
         </p:nvSpPr>
         <p:spPr/>
         <p:txBody>
-          <a:bodyPr/>
-          <a:lstStyle/>
-          <a:p>
-            <a:r>
-              <a:rPr lang="en-US" dirty="0" smtClean="0"/>
-              <a:t>AM </a:t>
-            </a:r>
-            <a:r>
-              <a:rPr lang="en-US" dirty="0" err="1" smtClean="0"/>
-              <a:t>với</a:t>
-            </a:r>
-            <a:r>
-              <a:rPr lang="en-US" dirty="0" smtClean="0"/>
-              <a:t> Class</a:t>
-            </a:r>
+          <a:bodyPr>
+            <a:normAutofit fontScale="90000"/>
+          </a:bodyPr>
+          <a:lstStyle/>
+          <a:p>
+            <a:r>
+              <a:rPr lang="en-US" smtClean="0"/>
+              <a:t>Cách sử dụng</a:t>
+            </a:r>
+            <a:br>
+              <a:rPr lang="en-US" smtClean="0"/>
+            </a:br>
             <a:endParaRPr lang="en-GB" dirty="0"/>
           </a:p>
         </p:txBody>
       </p:sp>
       <p:sp>
         <p:nvSpPr>
-          <p:cNvPr id="4" name="Content Placeholder 3"/>
+          <p:cNvPr id="3" name="Content Placeholder 2"/>
           <p:cNvSpPr>
             <a:spLocks noGrp="1"/>
           </p:cNvSpPr>
@@ -3460,51 +3416,79 @@
             </a:r>
             <a:r>
               <a:rPr lang="en-US" dirty="0" err="1" smtClean="0"/>
-              <a:t>thể</a:t>
-            </a:r>
-            <a:r>
-              <a:rPr lang="en-US" dirty="0" smtClean="0"/>
-              <a:t> private, protected </a:t>
-            </a:r>
-            <a:r>
-              <a:rPr lang="en-US" dirty="0" err="1" smtClean="0"/>
-              <a:t>với</a:t>
-            </a:r>
-            <a:r>
-              <a:rPr lang="en-US" dirty="0" smtClean="0"/>
-              <a:t> class</a:t>
-            </a:r>
-          </a:p>
-          <a:p>
-            <a:pPr lvl="1">
-              <a:buFont typeface="Symbol"/>
-              <a:buChar char="Þ"/>
+              <a:t>sử</a:t>
+            </a:r>
+            <a:r>
+              <a:rPr lang="en-US" dirty="0" smtClean="0"/>
+              <a:t> </a:t>
+            </a:r>
+            <a:r>
+              <a:rPr lang="en-US" dirty="0" err="1" smtClean="0"/>
+              <a:t>dụng</a:t>
+            </a:r>
+            <a:r>
+              <a:rPr lang="en-US" dirty="0" smtClean="0"/>
+              <a:t> </a:t>
+            </a:r>
+            <a:r>
+              <a:rPr lang="en-US" dirty="0" err="1" smtClean="0"/>
+              <a:t>mặc</a:t>
+            </a:r>
+            <a:r>
+              <a:rPr lang="en-US" dirty="0" smtClean="0"/>
+              <a:t> </a:t>
+            </a:r>
+            <a:r>
+              <a:rPr lang="en-US" dirty="0" err="1" smtClean="0"/>
+              <a:t>định</a:t>
+            </a:r>
+            <a:r>
+              <a:rPr lang="en-US" dirty="0" smtClean="0"/>
+              <a:t> </a:t>
+            </a:r>
+            <a:r>
+              <a:rPr lang="en-US" b="1" dirty="0" err="1" smtClean="0"/>
+              <a:t>private|public</a:t>
+            </a:r>
+            <a:r>
+              <a:rPr lang="en-US" b="1" dirty="0" err="1"/>
+              <a:t>|</a:t>
+            </a:r>
+            <a:r>
+              <a:rPr lang="en-US" b="1" dirty="0" err="1" smtClean="0"/>
+              <a:t>protected</a:t>
+            </a:r>
+            <a:r>
+              <a:rPr lang="en-US" dirty="0" smtClean="0"/>
+              <a:t> String name;</a:t>
+            </a:r>
+          </a:p>
+          <a:p>
+            <a:pPr marL="0" indent="0">
+              <a:buNone/>
             </a:pPr>
-            <a:r>
-              <a:rPr lang="en-US" dirty="0" err="1" smtClean="0"/>
-              <a:t>Lỗi</a:t>
-            </a:r>
-            <a:r>
-              <a:rPr lang="en-US" dirty="0" smtClean="0"/>
-              <a:t> </a:t>
-            </a:r>
-            <a:r>
-              <a:rPr lang="en-US" dirty="0" smtClean="0"/>
-              <a:t>compiler</a:t>
-            </a:r>
-          </a:p>
-          <a:p>
-            <a:r>
-              <a:rPr lang="en-US" dirty="0" err="1" smtClean="0"/>
-              <a:t>Chỉ</a:t>
-            </a:r>
-            <a:r>
-              <a:rPr lang="en-US" dirty="0" smtClean="0"/>
-              <a:t> </a:t>
-            </a:r>
-            <a:r>
-              <a:rPr lang="en-US" dirty="0" err="1" smtClean="0"/>
-              <a:t>dử</a:t>
+            <a:endParaRPr lang="en-US" dirty="0" smtClean="0"/>
+          </a:p>
+          <a:p>
+            <a:r>
+              <a:rPr lang="en-US" dirty="0" err="1" smtClean="0"/>
+              <a:t>Nếu</a:t>
+            </a:r>
+            <a:r>
+              <a:rPr lang="en-US" dirty="0" smtClean="0"/>
+              <a:t> </a:t>
+            </a:r>
+            <a:r>
+              <a:rPr lang="en-US" dirty="0" err="1" smtClean="0"/>
+              <a:t>không</a:t>
+            </a:r>
+            <a:r>
+              <a:rPr lang="en-US" dirty="0" smtClean="0"/>
+              <a:t> </a:t>
+            </a:r>
+            <a:r>
+              <a:rPr lang="en-US" dirty="0" err="1" smtClean="0"/>
+              <a:t>sử</a:t>
             </a:r>
             <a:r>
               <a:rPr lang="en-US" dirty="0" smtClean="0"/>
@@ -3516,171 +3500,54 @@
             </a:r>
             <a:r>
               <a:rPr lang="en-US" dirty="0" smtClean="0"/>
-              <a:t> private, protected </a:t>
-            </a:r>
-            <a:r>
-              <a:rPr lang="en-US" dirty="0" err="1" smtClean="0"/>
-              <a:t>với</a:t>
-            </a:r>
-            <a:r>
-              <a:rPr lang="en-US" dirty="0" smtClean="0"/>
-              <a:t> </a:t>
-            </a:r>
-            <a:r>
-              <a:rPr lang="en-US" dirty="0" err="1" smtClean="0"/>
-              <a:t>SubClass</a:t>
+              <a:t> 3 </a:t>
+            </a:r>
+            <a:r>
+              <a:rPr lang="en-US" dirty="0" err="1" smtClean="0"/>
+              <a:t>từ</a:t>
+            </a:r>
+            <a:r>
+              <a:rPr lang="en-US" dirty="0" smtClean="0"/>
+              <a:t> </a:t>
+            </a:r>
+            <a:r>
+              <a:rPr lang="en-US" dirty="0" err="1" smtClean="0"/>
+              <a:t>khóa</a:t>
+            </a:r>
+            <a:r>
+              <a:rPr lang="en-US" dirty="0" smtClean="0"/>
+              <a:t> </a:t>
+            </a:r>
+            <a:r>
+              <a:rPr lang="en-US" dirty="0" err="1" smtClean="0"/>
+              <a:t>còn</a:t>
+            </a:r>
+            <a:r>
+              <a:rPr lang="en-US" dirty="0" smtClean="0"/>
+              <a:t> </a:t>
+            </a:r>
+            <a:r>
+              <a:rPr lang="en-US" dirty="0" err="1" smtClean="0"/>
+              <a:t>lại</a:t>
             </a:r>
             <a:endParaRPr lang="en-US" dirty="0" smtClean="0"/>
           </a:p>
           <a:p>
-            <a:r>
-              <a:rPr lang="en-US" dirty="0" err="1" smtClean="0"/>
-              <a:t>Vì</a:t>
-            </a:r>
-            <a:r>
-              <a:rPr lang="en-US" dirty="0" smtClean="0"/>
-              <a:t> </a:t>
-            </a:r>
-            <a:r>
-              <a:rPr lang="en-US" dirty="0" err="1" smtClean="0"/>
-              <a:t>sao</a:t>
-            </a:r>
+            <a:pPr marL="400050" lvl="1" indent="0">
+              <a:buNone/>
+            </a:pPr>
+            <a:r>
+              <a:rPr lang="en-US" dirty="0" smtClean="0"/>
+              <a:t>String name</a:t>
+            </a:r>
+          </a:p>
+          <a:p>
+            <a:pPr marL="0" indent="0">
+              <a:buNone/>
+            </a:pPr>
             <a:endParaRPr lang="en-US" dirty="0" smtClean="0"/>
           </a:p>
           <a:p>
-            <a:pPr lvl="1"/>
-            <a:r>
-              <a:rPr lang="en-US" dirty="0" err="1" smtClean="0"/>
-              <a:t>Dùng</a:t>
-            </a:r>
-            <a:r>
-              <a:rPr lang="en-US" dirty="0" smtClean="0"/>
-              <a:t> private </a:t>
-            </a:r>
-            <a:r>
-              <a:rPr lang="en-US" dirty="0" err="1" smtClean="0"/>
-              <a:t>thì</a:t>
-            </a:r>
-            <a:r>
-              <a:rPr lang="en-US" dirty="0" smtClean="0"/>
-              <a:t> class =&gt; class </a:t>
-            </a:r>
-            <a:r>
-              <a:rPr lang="en-US" dirty="0" err="1" smtClean="0"/>
-              <a:t>đóng</a:t>
-            </a:r>
-            <a:r>
-              <a:rPr lang="en-US" dirty="0" smtClean="0"/>
-              <a:t> </a:t>
-            </a:r>
-            <a:r>
-              <a:rPr lang="en-US" dirty="0" err="1" smtClean="0"/>
-              <a:t>không</a:t>
-            </a:r>
-            <a:r>
-              <a:rPr lang="en-US" dirty="0" smtClean="0"/>
-              <a:t> chia </a:t>
-            </a:r>
-            <a:r>
-              <a:rPr lang="en-US" dirty="0" err="1" smtClean="0"/>
-              <a:t>sẻ</a:t>
-            </a:r>
-            <a:r>
-              <a:rPr lang="en-US" dirty="0" smtClean="0"/>
-              <a:t> </a:t>
-            </a:r>
-            <a:r>
-              <a:rPr lang="en-US" dirty="0" err="1" smtClean="0"/>
-              <a:t>các</a:t>
-            </a:r>
-            <a:r>
-              <a:rPr lang="en-US" dirty="0" smtClean="0"/>
-              <a:t> </a:t>
-            </a:r>
-            <a:r>
-              <a:rPr lang="en-US" dirty="0" err="1" smtClean="0"/>
-              <a:t>hàm</a:t>
-            </a:r>
-            <a:r>
-              <a:rPr lang="en-US" dirty="0" smtClean="0"/>
-              <a:t> getter </a:t>
-            </a:r>
-            <a:r>
-              <a:rPr lang="en-US" dirty="0" err="1" smtClean="0"/>
-              <a:t>và</a:t>
-            </a:r>
-            <a:r>
-              <a:rPr lang="en-US" dirty="0" smtClean="0"/>
-              <a:t> setter =&gt; class “</a:t>
-            </a:r>
-            <a:r>
-              <a:rPr lang="en-US" dirty="0" err="1" smtClean="0"/>
-              <a:t>tù</a:t>
-            </a:r>
-            <a:r>
-              <a:rPr lang="en-US" dirty="0" smtClean="0"/>
-              <a:t>” </a:t>
-            </a:r>
-            <a:r>
-              <a:rPr lang="en-US" dirty="0" err="1" smtClean="0"/>
-              <a:t>sinh</a:t>
-            </a:r>
-            <a:r>
-              <a:rPr lang="en-US" dirty="0" smtClean="0"/>
-              <a:t> </a:t>
-            </a:r>
-            <a:r>
-              <a:rPr lang="en-US" dirty="0" err="1" smtClean="0"/>
-              <a:t>ra</a:t>
-            </a:r>
-            <a:r>
-              <a:rPr lang="en-US" dirty="0" smtClean="0"/>
-              <a:t> </a:t>
-            </a:r>
-            <a:r>
-              <a:rPr lang="en-US" dirty="0" err="1" smtClean="0"/>
-              <a:t>để</a:t>
-            </a:r>
-            <a:r>
-              <a:rPr lang="en-US" dirty="0" smtClean="0"/>
-              <a:t> </a:t>
-            </a:r>
-            <a:r>
-              <a:rPr lang="en-US" dirty="0" err="1" smtClean="0"/>
-              <a:t>làm</a:t>
-            </a:r>
-            <a:r>
-              <a:rPr lang="en-US" dirty="0" smtClean="0"/>
-              <a:t> </a:t>
-            </a:r>
-            <a:r>
-              <a:rPr lang="en-US" dirty="0" err="1" smtClean="0"/>
-              <a:t>gì</a:t>
-            </a:r>
-            <a:r>
-              <a:rPr lang="en-US" dirty="0" smtClean="0"/>
-              <a:t>?</a:t>
-            </a:r>
-          </a:p>
-          <a:p>
-            <a:pPr lvl="1"/>
-            <a:r>
-              <a:rPr lang="en-US" dirty="0" err="1" smtClean="0"/>
-              <a:t>Dùng</a:t>
-            </a:r>
-            <a:r>
-              <a:rPr lang="en-US" dirty="0" smtClean="0"/>
-              <a:t> protected </a:t>
-            </a:r>
-            <a:endParaRPr lang="en-US" dirty="0"/>
-          </a:p>
-          <a:p>
-            <a:endParaRPr lang="en-US" dirty="0" smtClean="0"/>
-          </a:p>
-          <a:p>
-            <a:pPr marL="457200" lvl="1" indent="0">
-              <a:buNone/>
-            </a:pPr>
             <a:endParaRPr lang="en-GB" dirty="0"/>
           </a:p>
         </p:txBody>
@@ -3688,7 +3555,7 @@
     </p:spTree>
     <p:extLst>
       <p:ext uri="{BB962C8B-B14F-4D97-AF65-F5344CB8AC3E}">
-        <p14:creationId xmlns:p14="http://schemas.microsoft.com/office/powerpoint/2010/main" val="3692196180"/>
+        <p14:creationId xmlns:p14="http://schemas.microsoft.com/office/powerpoint/2010/main" val="4032895327"/>
       </p:ext>
     </p:extLst>
   </p:cSld>
@@ -3737,6 +3604,320 @@
           <a:bodyPr/>
           <a:lstStyle/>
           <a:p>
+            <a:r>
+              <a:rPr lang="en-US" dirty="0" smtClean="0"/>
+              <a:t>AM </a:t>
+            </a:r>
+            <a:r>
+              <a:rPr lang="en-US" dirty="0" err="1" smtClean="0"/>
+              <a:t>với</a:t>
+            </a:r>
+            <a:r>
+              <a:rPr lang="en-US" dirty="0" smtClean="0"/>
+              <a:t> Class</a:t>
+            </a:r>
+            <a:endParaRPr lang="en-GB" dirty="0"/>
+          </a:p>
+        </p:txBody>
+      </p:sp>
+      <p:sp>
+        <p:nvSpPr>
+          <p:cNvPr id="4" name="Content Placeholder 3"/>
+          <p:cNvSpPr>
+            <a:spLocks noGrp="1"/>
+          </p:cNvSpPr>
+          <p:nvPr>
+            <p:ph idx="1"/>
+          </p:nvPr>
+        </p:nvSpPr>
+        <p:spPr/>
+        <p:txBody>
+          <a:bodyPr/>
+          <a:lstStyle/>
+          <a:p>
+            <a:r>
+              <a:rPr lang="en-US" dirty="0" err="1" smtClean="0"/>
+              <a:t>Không</a:t>
+            </a:r>
+            <a:r>
+              <a:rPr lang="en-US" dirty="0" smtClean="0"/>
+              <a:t> </a:t>
+            </a:r>
+            <a:r>
+              <a:rPr lang="en-US" dirty="0" err="1" smtClean="0"/>
+              <a:t>thể</a:t>
+            </a:r>
+            <a:r>
+              <a:rPr lang="en-US" dirty="0" smtClean="0"/>
+              <a:t> private, protected </a:t>
+            </a:r>
+            <a:r>
+              <a:rPr lang="en-US" dirty="0" err="1" smtClean="0"/>
+              <a:t>với</a:t>
+            </a:r>
+            <a:r>
+              <a:rPr lang="en-US" dirty="0" smtClean="0"/>
+              <a:t> class</a:t>
+            </a:r>
+          </a:p>
+          <a:p>
+            <a:pPr lvl="1">
+              <a:buFont typeface="Symbol"/>
+              <a:buChar char="Þ"/>
+            </a:pPr>
+            <a:r>
+              <a:rPr lang="en-US" dirty="0" err="1" smtClean="0"/>
+              <a:t>Lỗi</a:t>
+            </a:r>
+            <a:r>
+              <a:rPr lang="en-US" dirty="0" smtClean="0"/>
+              <a:t> compiler</a:t>
+            </a:r>
+          </a:p>
+          <a:p>
+            <a:r>
+              <a:rPr lang="en-US" dirty="0" err="1" smtClean="0"/>
+              <a:t>Chỉ</a:t>
+            </a:r>
+            <a:r>
+              <a:rPr lang="en-US" dirty="0" smtClean="0"/>
+              <a:t> </a:t>
+            </a:r>
+            <a:r>
+              <a:rPr lang="en-US" dirty="0" err="1" smtClean="0"/>
+              <a:t>dử</a:t>
+            </a:r>
+            <a:r>
+              <a:rPr lang="en-US" dirty="0" smtClean="0"/>
+              <a:t> </a:t>
+            </a:r>
+            <a:r>
+              <a:rPr lang="en-US" dirty="0" err="1" smtClean="0"/>
+              <a:t>dụng</a:t>
+            </a:r>
+            <a:r>
+              <a:rPr lang="en-US" dirty="0" smtClean="0"/>
+              <a:t> private, protected </a:t>
+            </a:r>
+            <a:r>
+              <a:rPr lang="en-US" dirty="0" err="1" smtClean="0"/>
+              <a:t>với</a:t>
+            </a:r>
+            <a:r>
+              <a:rPr lang="en-US" dirty="0" smtClean="0"/>
+              <a:t> </a:t>
+            </a:r>
+            <a:r>
+              <a:rPr lang="en-US" dirty="0" err="1" smtClean="0"/>
+              <a:t>SubClass</a:t>
+            </a:r>
+            <a:endParaRPr lang="en-US" dirty="0" smtClean="0"/>
+          </a:p>
+          <a:p>
+            <a:r>
+              <a:rPr lang="en-US" dirty="0" err="1" smtClean="0"/>
+              <a:t>Vì</a:t>
+            </a:r>
+            <a:r>
+              <a:rPr lang="en-US" dirty="0" smtClean="0"/>
+              <a:t> </a:t>
+            </a:r>
+            <a:r>
+              <a:rPr lang="en-US" dirty="0" err="1" smtClean="0"/>
+              <a:t>sao</a:t>
+            </a:r>
+            <a:endParaRPr lang="en-US" dirty="0" smtClean="0"/>
+          </a:p>
+          <a:p>
+            <a:pPr lvl="1"/>
+            <a:r>
+              <a:rPr lang="en-US" dirty="0" err="1" smtClean="0"/>
+              <a:t>Dùng</a:t>
+            </a:r>
+            <a:r>
+              <a:rPr lang="en-US" dirty="0" smtClean="0"/>
+              <a:t> private </a:t>
+            </a:r>
+            <a:r>
+              <a:rPr lang="en-US" dirty="0" err="1" smtClean="0"/>
+              <a:t>thì</a:t>
+            </a:r>
+            <a:r>
+              <a:rPr lang="en-US" dirty="0" smtClean="0"/>
+              <a:t> class =&gt; class </a:t>
+            </a:r>
+            <a:r>
+              <a:rPr lang="en-US" dirty="0" err="1" smtClean="0"/>
+              <a:t>đóng</a:t>
+            </a:r>
+            <a:r>
+              <a:rPr lang="en-US" dirty="0" smtClean="0"/>
+              <a:t> </a:t>
+            </a:r>
+            <a:r>
+              <a:rPr lang="en-US" dirty="0" err="1" smtClean="0"/>
+              <a:t>không</a:t>
+            </a:r>
+            <a:r>
+              <a:rPr lang="en-US" dirty="0" smtClean="0"/>
+              <a:t> chia </a:t>
+            </a:r>
+            <a:r>
+              <a:rPr lang="en-US" dirty="0" err="1" smtClean="0"/>
+              <a:t>sẻ</a:t>
+            </a:r>
+            <a:r>
+              <a:rPr lang="en-US" dirty="0" smtClean="0"/>
+              <a:t> </a:t>
+            </a:r>
+            <a:r>
+              <a:rPr lang="en-US" dirty="0" err="1" smtClean="0"/>
+              <a:t>các</a:t>
+            </a:r>
+            <a:r>
+              <a:rPr lang="en-US" dirty="0" smtClean="0"/>
+              <a:t> </a:t>
+            </a:r>
+            <a:r>
+              <a:rPr lang="en-US" dirty="0" err="1" smtClean="0"/>
+              <a:t>hàm</a:t>
+            </a:r>
+            <a:r>
+              <a:rPr lang="en-US" dirty="0" smtClean="0"/>
+              <a:t> getter </a:t>
+            </a:r>
+            <a:r>
+              <a:rPr lang="en-US" dirty="0" err="1" smtClean="0"/>
+              <a:t>và</a:t>
+            </a:r>
+            <a:r>
+              <a:rPr lang="en-US" dirty="0" smtClean="0"/>
+              <a:t> setter =&gt; class “</a:t>
+            </a:r>
+            <a:r>
+              <a:rPr lang="en-US" dirty="0" err="1" smtClean="0"/>
+              <a:t>tù</a:t>
+            </a:r>
+            <a:r>
+              <a:rPr lang="en-US" dirty="0" smtClean="0"/>
+              <a:t>” </a:t>
+            </a:r>
+            <a:r>
+              <a:rPr lang="en-US" dirty="0" err="1" smtClean="0"/>
+              <a:t>sinh</a:t>
+            </a:r>
+            <a:r>
+              <a:rPr lang="en-US" dirty="0" smtClean="0"/>
+              <a:t> </a:t>
+            </a:r>
+            <a:r>
+              <a:rPr lang="en-US" dirty="0" err="1" smtClean="0"/>
+              <a:t>ra</a:t>
+            </a:r>
+            <a:r>
+              <a:rPr lang="en-US" dirty="0" smtClean="0"/>
+              <a:t> </a:t>
+            </a:r>
+            <a:r>
+              <a:rPr lang="en-US" dirty="0" err="1" smtClean="0"/>
+              <a:t>để</a:t>
+            </a:r>
+            <a:r>
+              <a:rPr lang="en-US" dirty="0" smtClean="0"/>
+              <a:t> </a:t>
+            </a:r>
+            <a:r>
+              <a:rPr lang="en-US" dirty="0" err="1" smtClean="0"/>
+              <a:t>làm</a:t>
+            </a:r>
+            <a:r>
+              <a:rPr lang="en-US" dirty="0" smtClean="0"/>
+              <a:t> </a:t>
+            </a:r>
+            <a:r>
+              <a:rPr lang="en-US" dirty="0" err="1" smtClean="0"/>
+              <a:t>gì</a:t>
+            </a:r>
+            <a:r>
+              <a:rPr lang="en-US" dirty="0" smtClean="0"/>
+              <a:t>?</a:t>
+            </a:r>
+          </a:p>
+          <a:p>
+            <a:pPr lvl="1"/>
+            <a:r>
+              <a:rPr lang="en-US" dirty="0" err="1" smtClean="0"/>
+              <a:t>Dùng</a:t>
+            </a:r>
+            <a:r>
+              <a:rPr lang="en-US" dirty="0" smtClean="0"/>
+              <a:t> protected </a:t>
+            </a:r>
+            <a:endParaRPr lang="en-US" dirty="0"/>
+          </a:p>
+          <a:p>
+            <a:endParaRPr lang="en-US" dirty="0" smtClean="0"/>
+          </a:p>
+          <a:p>
+            <a:pPr marL="457200" lvl="1" indent="0">
+              <a:buNone/>
+            </a:pPr>
+            <a:endParaRPr lang="en-GB" dirty="0"/>
+          </a:p>
+        </p:txBody>
+      </p:sp>
+    </p:spTree>
+    <p:extLst>
+      <p:ext uri="{BB962C8B-B14F-4D97-AF65-F5344CB8AC3E}">
+        <p14:creationId xmlns:p14="http://schemas.microsoft.com/office/powerpoint/2010/main" val="3692196180"/>
+      </p:ext>
+    </p:extLst>
+  </p:cSld>
+  <p:clrMapOvr>
+    <a:masterClrMapping/>
+  </p:clrMapOvr>
+  <p:timing>
+    <p:tnLst>
+      <p:par>
+        <p:cTn id="1" dur="indefinite" restart="never" nodeType="tmRoot"/>
+      </p:par>
+    </p:tnLst>
+  </p:timing>
+</p:sld>
+</file>
+
+<file path=ppt/slides/slide13.xml><?xml version="1.0" encoding="utf-8"?>
+<p:sld xmlns:a="http://schemas.openxmlformats.org/drawingml/2006/main" xmlns:r="http://schemas.openxmlformats.org/officeDocument/2006/relationships" xmlns:p="http://schemas.openxmlformats.org/presentationml/2006/main">
+  <p:cSld>
+    <p:spTree>
+      <p:nvGrpSpPr>
+        <p:cNvPr id="1" name=""/>
+        <p:cNvGrpSpPr/>
+        <p:nvPr/>
+      </p:nvGrpSpPr>
+      <p:grpSpPr>
+        <a:xfrm>
+          <a:off x="0" y="0"/>
+          <a:ext cx="0" cy="0"/>
+          <a:chOff x="0" y="0"/>
+          <a:chExt cx="0" cy="0"/>
+        </a:xfrm>
+      </p:grpSpPr>
+      <p:sp>
+        <p:nvSpPr>
+          <p:cNvPr id="2" name="Title 1"/>
+          <p:cNvSpPr>
+            <a:spLocks noGrp="1"/>
+          </p:cNvSpPr>
+          <p:nvPr>
+            <p:ph type="title"/>
+          </p:nvPr>
+        </p:nvSpPr>
+        <p:spPr/>
+        <p:txBody>
+          <a:bodyPr/>
+          <a:lstStyle/>
+          <a:p>
             <a:endParaRPr lang="en-US"/>
           </a:p>
         </p:txBody>
@@ -3780,7 +3961,7 @@
 </p:sld>
 </file>
 
-<file path=ppt/slides/slide13.xml><?xml version="1.0" encoding="utf-8"?>
+<file path=ppt/slides/slide14.xml><?xml version="1.0" encoding="utf-8"?>
 <p:sld xmlns:a="http://schemas.openxmlformats.org/drawingml/2006/main" xmlns:r="http://schemas.openxmlformats.org/officeDocument/2006/relationships" xmlns:p="http://schemas.openxmlformats.org/presentationml/2006/main">
   <p:cSld>
     <p:spTree>
@@ -3925,10 +4106,6 @@
               <a:rPr lang="en-US" dirty="0" err="1" smtClean="0"/>
               <a:t>tiêu</a:t>
             </a:r>
-            <a:r>
-              <a:rPr lang="en-US" dirty="0" smtClean="0"/>
-              <a:t> – Objective</a:t>
-            </a:r>
             <a:endParaRPr lang="en-GB" dirty="0"/>
           </a:p>
         </p:txBody>
@@ -4254,7 +4431,11 @@
             </a:r>
             <a:r>
               <a:rPr lang="en-US" dirty="0" smtClean="0"/>
-              <a:t> class, interface, </a:t>
+              <a:t> class, </a:t>
+            </a:r>
+            <a:r>
+              <a:rPr lang="en-US" dirty="0" smtClean="0"/>
+              <a:t>interface </a:t>
             </a:r>
             <a:r>
               <a:rPr lang="en-US" dirty="0" err="1" smtClean="0"/>
@@ -5584,6 +5765,47 @@
           </a:p>
         </p:txBody>
       </p:sp>
+      <p:pic>
+        <p:nvPicPr>
+          <p:cNvPr id="3" name="Picture 2" descr="Káº¿t quáº£ hÃ¬nh áº£nh cho think"/>
+          <p:cNvPicPr>
+            <a:picLocks noChangeAspect="1" noChangeArrowheads="1"/>
+          </p:cNvPicPr>
+          <p:nvPr/>
+        </p:nvPicPr>
+        <p:blipFill>
+          <a:blip r:embed="rId2">
+            <a:extLst>
+              <a:ext uri="{28A0092B-C50C-407E-A947-70E740481C1C}">
+                <a14:useLocalDpi xmlns:a14="http://schemas.microsoft.com/office/drawing/2010/main" val="0"/>
+              </a:ext>
+            </a:extLst>
+          </a:blip>
+          <a:srcRect/>
+          <a:stretch>
+            <a:fillRect/>
+          </a:stretch>
+        </p:blipFill>
+        <p:spPr bwMode="auto">
+          <a:xfrm>
+            <a:off x="4038600" y="3962400"/>
+            <a:ext cx="2286000" cy="2286001"/>
+          </a:xfrm>
+          <a:prstGeom prst="rect">
+            <a:avLst/>
+          </a:prstGeom>
+          <a:noFill/>
+          <a:extLst>
+            <a:ext uri="{909E8E84-426E-40DD-AFC4-6F175D3DCCD1}">
+              <a14:hiddenFill xmlns:a14="http://schemas.microsoft.com/office/drawing/2010/main">
+                <a:solidFill>
+                  <a:srgbClr val="FFFFFF"/>
+                </a:solidFill>
+              </a14:hiddenFill>
+            </a:ext>
+          </a:extLst>
+        </p:spPr>
+      </p:pic>
     </p:spTree>
     <p:extLst>
       <p:ext uri="{BB962C8B-B14F-4D97-AF65-F5344CB8AC3E}">
@@ -5636,7 +5858,11 @@
           <a:bodyPr/>
           <a:lstStyle/>
           <a:p>
-            <a:endParaRPr lang="en-US"/>
+            <a:r>
+              <a:rPr lang="en-US" dirty="0" smtClean="0"/>
+              <a:t>Package</a:t>
+            </a:r>
+            <a:endParaRPr lang="en-GB" dirty="0"/>
           </a:p>
         </p:txBody>
       </p:sp>
@@ -5656,77 +5882,39 @@
           <a:lstStyle/>
           <a:p>
             <a:r>
-              <a:rPr lang="en-US" dirty="0" smtClean="0"/>
-              <a:t>Class =&gt; Class</a:t>
-            </a:r>
-          </a:p>
-          <a:p>
-            <a:pPr lvl="1"/>
-            <a:r>
-              <a:rPr lang="en-US" dirty="0" err="1" smtClean="0"/>
-              <a:t>Trong</a:t>
-            </a:r>
-            <a:r>
-              <a:rPr lang="en-US" dirty="0" smtClean="0"/>
-              <a:t> </a:t>
-            </a:r>
-            <a:r>
-              <a:rPr lang="en-US" dirty="0" err="1" smtClean="0"/>
-              <a:t>cùng</a:t>
-            </a:r>
-            <a:r>
-              <a:rPr lang="en-US" dirty="0" smtClean="0"/>
-              <a:t> package</a:t>
-            </a:r>
-          </a:p>
-          <a:p>
-            <a:pPr lvl="1"/>
-            <a:r>
-              <a:rPr lang="en-US" dirty="0" err="1" smtClean="0"/>
-              <a:t>Khác</a:t>
-            </a:r>
-            <a:r>
-              <a:rPr lang="en-US" dirty="0" smtClean="0"/>
-              <a:t> </a:t>
-            </a:r>
-            <a:r>
-              <a:rPr lang="en-US" dirty="0" err="1" smtClean="0"/>
-              <a:t>pakage</a:t>
-            </a:r>
-            <a:endParaRPr lang="en-US" dirty="0" smtClean="0"/>
-          </a:p>
-          <a:p>
-            <a:r>
-              <a:rPr lang="en-US" dirty="0" smtClean="0"/>
-              <a:t>Interface =&gt; Interface</a:t>
-            </a:r>
-          </a:p>
-          <a:p>
-            <a:r>
-              <a:rPr lang="en-US" dirty="0" smtClean="0"/>
-              <a:t>Method</a:t>
-            </a:r>
-            <a:endParaRPr lang="en-US" dirty="0"/>
+              <a:rPr lang="en-US" dirty="0" err="1" smtClean="0"/>
+              <a:t>Các</a:t>
+            </a:r>
+            <a:r>
+              <a:rPr lang="en-US" dirty="0" smtClean="0"/>
+              <a:t> class, interface </a:t>
+            </a:r>
+            <a:r>
+              <a:rPr lang="en-US" dirty="0" err="1" smtClean="0"/>
+              <a:t>có</a:t>
+            </a:r>
+            <a:r>
+              <a:rPr lang="en-US" dirty="0" smtClean="0"/>
+              <a:t> </a:t>
+            </a:r>
+            <a:r>
+              <a:rPr lang="en-US" smtClean="0"/>
+              <a:t>chung</a:t>
+            </a:r>
+            <a:endParaRPr lang="en-GB"/>
           </a:p>
         </p:txBody>
       </p:sp>
     </p:spTree>
     <p:extLst>
       <p:ext uri="{BB962C8B-B14F-4D97-AF65-F5344CB8AC3E}">
-        <p14:creationId xmlns:p14="http://schemas.microsoft.com/office/powerpoint/2010/main" val="632031797"/>
+        <p14:creationId xmlns:p14="http://schemas.microsoft.com/office/powerpoint/2010/main" val="4088314895"/>
       </p:ext>
     </p:extLst>
   </p:cSld>
   <p:clrMapOvr>
     <a:masterClrMapping/>
   </p:clrMapOvr>
-  <p:timing>
-    <p:tnLst>
-      <p:par>
-        <p:cTn id="1" dur="indefinite" restart="never" nodeType="tmRoot"/>
-      </p:par>
-    </p:tnLst>
-  </p:timing>
 </p:sld>
 </file>
 
@@ -5762,23 +5950,7 @@
           <a:bodyPr/>
           <a:lstStyle/>
           <a:p>
-            <a:r>
-              <a:rPr lang="en-US" dirty="0" err="1" smtClean="0"/>
-              <a:t>Các</a:t>
-            </a:r>
-            <a:r>
-              <a:rPr lang="en-US" dirty="0" smtClean="0"/>
-              <a:t> </a:t>
-            </a:r>
-            <a:r>
-              <a:rPr lang="en-US" dirty="0" err="1" smtClean="0"/>
-              <a:t>loại</a:t>
-            </a:r>
-            <a:r>
-              <a:rPr lang="en-US" dirty="0" smtClean="0"/>
-              <a:t> Access Modifier</a:t>
-            </a:r>
-            <a:endParaRPr lang="en-GB" dirty="0"/>
+            <a:endParaRPr lang="en-US" dirty="0"/>
           </a:p>
         </p:txBody>
       </p:sp>
@@ -5792,120 +5964,70 @@
             <p:ph idx="1"/>
           </p:nvPr>
         </p:nvSpPr>
-        <p:spPr>
-          <a:xfrm>
-            <a:off x="457200" y="1600201"/>
-            <a:ext cx="8229600" cy="2819400"/>
-          </a:xfrm>
-        </p:spPr>
-        <p:txBody>
-          <a:bodyPr/>
-          <a:lstStyle/>
-          <a:p>
-            <a:r>
-              <a:rPr lang="en-US" sz="3600" dirty="0" smtClean="0"/>
-              <a:t>Private</a:t>
-            </a:r>
-          </a:p>
-          <a:p>
-            <a:r>
-              <a:rPr lang="en-US" sz="3600" dirty="0" smtClean="0"/>
-              <a:t>Public</a:t>
-            </a:r>
-          </a:p>
-          <a:p>
-            <a:r>
-              <a:rPr lang="en-US" sz="3600" dirty="0" err="1" smtClean="0"/>
-              <a:t>Mặc</a:t>
-            </a:r>
-            <a:r>
-              <a:rPr lang="en-US" sz="3600" dirty="0" smtClean="0"/>
-              <a:t> </a:t>
-            </a:r>
-            <a:r>
-              <a:rPr lang="en-US" sz="3600" dirty="0" err="1" smtClean="0"/>
-              <a:t>định</a:t>
-            </a:r>
-            <a:endParaRPr lang="en-US" sz="3600" dirty="0" smtClean="0"/>
-          </a:p>
-          <a:p>
-            <a:r>
-              <a:rPr lang="en-US" sz="3600" dirty="0" smtClean="0"/>
-              <a:t>Protected</a:t>
-            </a:r>
-          </a:p>
-          <a:p>
-            <a:endParaRPr lang="en-GB" dirty="0"/>
-          </a:p>
-        </p:txBody>
-      </p:sp>
-      <p:sp>
-        <p:nvSpPr>
-          <p:cNvPr id="4" name="TextBox 3"/>
-          <p:cNvSpPr txBox="1"/>
-          <p:nvPr/>
-        </p:nvSpPr>
-        <p:spPr>
-          <a:xfrm>
-            <a:off x="2362200" y="4959927"/>
-            <a:ext cx="4616841" cy="461665"/>
-          </a:xfrm>
-          <a:prstGeom prst="rect">
-            <a:avLst/>
-          </a:prstGeom>
-        </p:spPr>
-        <p:style>
-          <a:lnRef idx="2">
-            <a:schemeClr val="accent3"/>
-          </a:lnRef>
-          <a:fillRef idx="1">
-            <a:schemeClr val="lt1"/>
-          </a:fillRef>
-          <a:effectRef idx="0">
-            <a:schemeClr val="accent3"/>
-          </a:effectRef>
-          <a:fontRef idx="minor">
-            <a:schemeClr val="dk1"/>
-          </a:fontRef>
-        </p:style>
-        <p:txBody>
-          <a:bodyPr wrap="none" rtlCol="0">
-            <a:spAutoFit/>
-          </a:bodyPr>
-          <a:lstStyle/>
-          <a:p>
-            <a:r>
-              <a:rPr lang="en-US" sz="2400" dirty="0" err="1" smtClean="0"/>
-              <a:t>Có</a:t>
-            </a:r>
-            <a:r>
-              <a:rPr lang="en-US" sz="2400" dirty="0" smtClean="0"/>
-              <a:t> 4 </a:t>
-            </a:r>
-            <a:r>
-              <a:rPr lang="en-US" sz="2400" dirty="0" err="1" smtClean="0"/>
-              <a:t>loại</a:t>
-            </a:r>
-            <a:r>
-              <a:rPr lang="en-US" sz="2400" dirty="0" smtClean="0"/>
-              <a:t> Access Modifier </a:t>
-            </a:r>
-            <a:r>
-              <a:rPr lang="en-US" sz="2400" dirty="0" err="1" smtClean="0"/>
-              <a:t>trong</a:t>
-            </a:r>
-            <a:r>
-              <a:rPr lang="en-US" sz="2400" dirty="0" smtClean="0"/>
-              <a:t> java</a:t>
-            </a:r>
-            <a:endParaRPr lang="en-US" sz="2400" dirty="0"/>
+        <p:spPr/>
+        <p:txBody>
+          <a:bodyPr/>
+          <a:lstStyle/>
+          <a:p>
+            <a:r>
+              <a:rPr lang="en-US" dirty="0" smtClean="0"/>
+              <a:t>Class =&gt; Class</a:t>
+            </a:r>
+          </a:p>
+          <a:p>
+            <a:pPr lvl="1"/>
+            <a:r>
+              <a:rPr lang="en-US" dirty="0" err="1" smtClean="0"/>
+              <a:t>Trong</a:t>
+            </a:r>
+            <a:r>
+              <a:rPr lang="en-US" dirty="0" smtClean="0"/>
+              <a:t> </a:t>
+            </a:r>
+            <a:r>
+              <a:rPr lang="en-US" dirty="0" err="1" smtClean="0"/>
+              <a:t>cùng</a:t>
+            </a:r>
+            <a:r>
+              <a:rPr lang="en-US" dirty="0" smtClean="0"/>
+              <a:t> package</a:t>
+            </a:r>
+          </a:p>
+          <a:p>
+            <a:pPr lvl="1"/>
+            <a:r>
+              <a:rPr lang="en-US" dirty="0" err="1" smtClean="0"/>
+              <a:t>Khác</a:t>
+            </a:r>
+            <a:r>
+              <a:rPr lang="en-US" dirty="0" smtClean="0"/>
+              <a:t> </a:t>
+            </a:r>
+            <a:r>
+              <a:rPr lang="en-US" dirty="0" err="1" smtClean="0"/>
+              <a:t>pakage</a:t>
+            </a:r>
+            <a:endParaRPr lang="en-US" dirty="0" smtClean="0"/>
+          </a:p>
+          <a:p>
+            <a:r>
+              <a:rPr lang="en-US" dirty="0" smtClean="0"/>
+              <a:t>Interface =&gt; Interface</a:t>
+            </a:r>
+          </a:p>
+          <a:p>
+            <a:r>
+              <a:rPr lang="en-US" dirty="0" smtClean="0"/>
+              <a:t>Method</a:t>
+            </a:r>
+            <a:endParaRPr lang="en-US" dirty="0"/>
           </a:p>
         </p:txBody>
       </p:sp>
     </p:spTree>
     <p:extLst>
       <p:ext uri="{BB962C8B-B14F-4D97-AF65-F5344CB8AC3E}">
-        <p14:creationId xmlns:p14="http://schemas.microsoft.com/office/powerpoint/2010/main" val="3765785578"/>
+        <p14:creationId xmlns:p14="http://schemas.microsoft.com/office/powerpoint/2010/main" val="632031797"/>
       </p:ext>
     </p:extLst>
   </p:cSld>

--- a/3. Back-end/1. JavaCore/4. Access Modifier trong java.pptx
+++ b/3. Back-end/1. JavaCore/4. Access Modifier trong java.pptx
@@ -7,18 +7,17 @@
   <p:sldIdLst>
     <p:sldId id="256" r:id="rId2"/>
     <p:sldId id="259" r:id="rId3"/>
-    <p:sldId id="270" r:id="rId4"/>
-    <p:sldId id="274" r:id="rId5"/>
-    <p:sldId id="260" r:id="rId6"/>
-    <p:sldId id="261" r:id="rId7"/>
-    <p:sldId id="275" r:id="rId8"/>
-    <p:sldId id="278" r:id="rId9"/>
-    <p:sldId id="276" r:id="rId10"/>
-    <p:sldId id="272" r:id="rId11"/>
-    <p:sldId id="273" r:id="rId12"/>
-    <p:sldId id="271" r:id="rId13"/>
-    <p:sldId id="277" r:id="rId14"/>
-    <p:sldId id="268" r:id="rId15"/>
+    <p:sldId id="278" r:id="rId4"/>
+    <p:sldId id="276" r:id="rId5"/>
+    <p:sldId id="270" r:id="rId6"/>
+    <p:sldId id="274" r:id="rId7"/>
+    <p:sldId id="260" r:id="rId8"/>
+    <p:sldId id="261" r:id="rId9"/>
+    <p:sldId id="272" r:id="rId10"/>
+    <p:sldId id="273" r:id="rId11"/>
+    <p:sldId id="277" r:id="rId12"/>
+    <p:sldId id="279" r:id="rId13"/>
+    <p:sldId id="268" r:id="rId14"/>
   </p:sldIdLst>
   <p:sldSz cx="9144000" cy="6858000" type="screen4x3"/>
   <p:notesSz cx="6858000" cy="9144000"/>
@@ -302,7 +301,7 @@
             <a:fld id="{1D8BD707-D9CF-40AE-B4C6-C98DA3205C09}" type="datetimeFigureOut">
               <a:rPr lang="en-US" smtClean="0"/>
               <a:pPr/>
-              <a:t>6/25/2018</a:t>
+              <a:t>6/26/2018</a:t>
             </a:fld>
             <a:endParaRPr lang="en-US"/>
           </a:p>
@@ -469,7 +468,7 @@
             <a:fld id="{1D8BD707-D9CF-40AE-B4C6-C98DA3205C09}" type="datetimeFigureOut">
               <a:rPr lang="en-US" smtClean="0"/>
               <a:pPr/>
-              <a:t>6/25/2018</a:t>
+              <a:t>6/26/2018</a:t>
             </a:fld>
             <a:endParaRPr lang="en-US"/>
           </a:p>
@@ -646,7 +645,7 @@
             <a:fld id="{1D8BD707-D9CF-40AE-B4C6-C98DA3205C09}" type="datetimeFigureOut">
               <a:rPr lang="en-US" smtClean="0"/>
               <a:pPr/>
-              <a:t>6/25/2018</a:t>
+              <a:t>6/26/2018</a:t>
             </a:fld>
             <a:endParaRPr lang="en-US"/>
           </a:p>
@@ -813,7 +812,7 @@
             <a:fld id="{1D8BD707-D9CF-40AE-B4C6-C98DA3205C09}" type="datetimeFigureOut">
               <a:rPr lang="en-US" smtClean="0"/>
               <a:pPr/>
-              <a:t>6/25/2018</a:t>
+              <a:t>6/26/2018</a:t>
             </a:fld>
             <a:endParaRPr lang="en-US"/>
           </a:p>
@@ -1056,7 +1055,7 @@
             <a:fld id="{1D8BD707-D9CF-40AE-B4C6-C98DA3205C09}" type="datetimeFigureOut">
               <a:rPr lang="en-US" smtClean="0"/>
               <a:pPr/>
-              <a:t>6/25/2018</a:t>
+              <a:t>6/26/2018</a:t>
             </a:fld>
             <a:endParaRPr lang="en-US"/>
           </a:p>
@@ -1341,7 +1340,7 @@
             <a:fld id="{1D8BD707-D9CF-40AE-B4C6-C98DA3205C09}" type="datetimeFigureOut">
               <a:rPr lang="en-US" smtClean="0"/>
               <a:pPr/>
-              <a:t>6/25/2018</a:t>
+              <a:t>6/26/2018</a:t>
             </a:fld>
             <a:endParaRPr lang="en-US"/>
           </a:p>
@@ -1760,7 +1759,7 @@
             <a:fld id="{1D8BD707-D9CF-40AE-B4C6-C98DA3205C09}" type="datetimeFigureOut">
               <a:rPr lang="en-US" smtClean="0"/>
               <a:pPr/>
-              <a:t>6/25/2018</a:t>
+              <a:t>6/26/2018</a:t>
             </a:fld>
             <a:endParaRPr lang="en-US"/>
           </a:p>
@@ -1875,7 +1874,7 @@
             <a:fld id="{1D8BD707-D9CF-40AE-B4C6-C98DA3205C09}" type="datetimeFigureOut">
               <a:rPr lang="en-US" smtClean="0"/>
               <a:pPr/>
-              <a:t>6/25/2018</a:t>
+              <a:t>6/26/2018</a:t>
             </a:fld>
             <a:endParaRPr lang="en-US"/>
           </a:p>
@@ -1967,7 +1966,7 @@
             <a:fld id="{1D8BD707-D9CF-40AE-B4C6-C98DA3205C09}" type="datetimeFigureOut">
               <a:rPr lang="en-US" smtClean="0"/>
               <a:pPr/>
-              <a:t>6/25/2018</a:t>
+              <a:t>6/26/2018</a:t>
             </a:fld>
             <a:endParaRPr lang="en-US"/>
           </a:p>
@@ -2241,7 +2240,7 @@
             <a:fld id="{1D8BD707-D9CF-40AE-B4C6-C98DA3205C09}" type="datetimeFigureOut">
               <a:rPr lang="en-US" smtClean="0"/>
               <a:pPr/>
-              <a:t>6/25/2018</a:t>
+              <a:t>6/26/2018</a:t>
             </a:fld>
             <a:endParaRPr lang="en-US"/>
           </a:p>
@@ -2491,7 +2490,7 @@
             <a:fld id="{1D8BD707-D9CF-40AE-B4C6-C98DA3205C09}" type="datetimeFigureOut">
               <a:rPr lang="en-US" smtClean="0"/>
               <a:pPr/>
-              <a:t>6/25/2018</a:t>
+              <a:t>6/26/2018</a:t>
             </a:fld>
             <a:endParaRPr lang="en-US"/>
           </a:p>
@@ -2701,7 +2700,7 @@
             <a:fld id="{1D8BD707-D9CF-40AE-B4C6-C98DA3205C09}" type="datetimeFigureOut">
               <a:rPr lang="en-US" smtClean="0"/>
               <a:pPr/>
-              <a:t>6/25/2018</a:t>
+              <a:t>6/26/2018</a:t>
             </a:fld>
             <a:endParaRPr lang="en-US"/>
           </a:p>
@@ -3120,11 +3119,7 @@
           <a:p>
             <a:r>
               <a:rPr lang="en-US" dirty="0" smtClean="0"/>
-              <a:t>Pham </a:t>
-            </a:r>
-            <a:r>
-              <a:rPr lang="en-US" dirty="0" smtClean="0"/>
-              <a:t>Ngoc </a:t>
+              <a:t>Pham Ngoc </a:t>
             </a:r>
             <a:r>
               <a:rPr lang="en-US" dirty="0" err="1" smtClean="0"/>
@@ -3183,25 +3178,18 @@
         </p:nvSpPr>
         <p:spPr/>
         <p:txBody>
-          <a:bodyPr/>
-          <a:lstStyle/>
-          <a:p>
-            <a:r>
-              <a:rPr lang="en-US" dirty="0" err="1" smtClean="0"/>
-              <a:t>Các</a:t>
-            </a:r>
-            <a:r>
-              <a:rPr lang="en-US" dirty="0" smtClean="0"/>
-              <a:t> </a:t>
-            </a:r>
-            <a:r>
-              <a:rPr lang="en-US" dirty="0" err="1" smtClean="0"/>
-              <a:t>loại</a:t>
-            </a:r>
-            <a:r>
-              <a:rPr lang="en-US" dirty="0" smtClean="0"/>
-              <a:t> Access Modifier</a:t>
-            </a:r>
+          <a:bodyPr>
+            <a:normAutofit fontScale="90000"/>
+          </a:bodyPr>
+          <a:lstStyle/>
+          <a:p>
+            <a:r>
+              <a:rPr lang="en-US" smtClean="0"/>
+              <a:t>Cách sử dụng</a:t>
+            </a:r>
+            <a:br>
+              <a:rPr lang="en-US" smtClean="0"/>
+            </a:br>
             <a:endParaRPr lang="en-GB" dirty="0"/>
           </a:p>
         </p:txBody>
@@ -3216,120 +3204,153 @@
             <p:ph idx="1"/>
           </p:nvPr>
         </p:nvSpPr>
-        <p:spPr>
-          <a:xfrm>
-            <a:off x="457200" y="1600201"/>
-            <a:ext cx="8229600" cy="2819400"/>
-          </a:xfrm>
-        </p:spPr>
-        <p:txBody>
-          <a:bodyPr/>
-          <a:lstStyle/>
-          <a:p>
-            <a:r>
-              <a:rPr lang="en-US" sz="3600" dirty="0" smtClean="0"/>
-              <a:t>Private</a:t>
-            </a:r>
-          </a:p>
-          <a:p>
-            <a:r>
-              <a:rPr lang="en-US" sz="3600" dirty="0" smtClean="0"/>
-              <a:t>Public</a:t>
-            </a:r>
-          </a:p>
-          <a:p>
-            <a:r>
-              <a:rPr lang="en-US" sz="3600" dirty="0" err="1" smtClean="0"/>
+        <p:spPr/>
+        <p:txBody>
+          <a:bodyPr/>
+          <a:lstStyle/>
+          <a:p>
+            <a:r>
+              <a:rPr lang="en-US" dirty="0" err="1" smtClean="0"/>
+              <a:t>Không</a:t>
+            </a:r>
+            <a:r>
+              <a:rPr lang="en-US" dirty="0" smtClean="0"/>
+              <a:t> </a:t>
+            </a:r>
+            <a:r>
+              <a:rPr lang="en-US" dirty="0" err="1" smtClean="0"/>
+              <a:t>sử</a:t>
+            </a:r>
+            <a:r>
+              <a:rPr lang="en-US" dirty="0" smtClean="0"/>
+              <a:t> </a:t>
+            </a:r>
+            <a:r>
+              <a:rPr lang="en-US" dirty="0" err="1" smtClean="0"/>
+              <a:t>dụng</a:t>
+            </a:r>
+            <a:r>
+              <a:rPr lang="en-US" dirty="0" smtClean="0"/>
+              <a:t> </a:t>
+            </a:r>
+            <a:r>
+              <a:rPr lang="en-US" dirty="0" err="1" smtClean="0"/>
+              <a:t>mặc</a:t>
+            </a:r>
+            <a:r>
+              <a:rPr lang="en-US" dirty="0" smtClean="0"/>
+              <a:t> </a:t>
+            </a:r>
+            <a:r>
+              <a:rPr lang="en-US" dirty="0" err="1" smtClean="0"/>
+              <a:t>định</a:t>
+            </a:r>
+            <a:endParaRPr lang="en-US" dirty="0"/>
+          </a:p>
+          <a:p>
+            <a:pPr lvl="1"/>
+            <a:r>
+              <a:rPr lang="en-US" b="1" dirty="0"/>
+              <a:t>p</a:t>
+            </a:r>
+            <a:r>
+              <a:rPr lang="en-US" b="1" dirty="0" smtClean="0"/>
+              <a:t>rivate</a:t>
+            </a:r>
+          </a:p>
+          <a:p>
+            <a:pPr lvl="1"/>
+            <a:r>
+              <a:rPr lang="en-US" b="1" dirty="0"/>
+              <a:t>p</a:t>
+            </a:r>
+            <a:r>
+              <a:rPr lang="en-US" b="1" dirty="0" smtClean="0"/>
+              <a:t>ublic</a:t>
+            </a:r>
+          </a:p>
+          <a:p>
+            <a:pPr lvl="1"/>
+            <a:r>
+              <a:rPr lang="en-US" b="1" dirty="0"/>
+              <a:t>p</a:t>
+            </a:r>
+            <a:r>
+              <a:rPr lang="en-US" b="1" dirty="0" smtClean="0"/>
+              <a:t>rotected</a:t>
+            </a:r>
+            <a:endParaRPr lang="en-US" dirty="0"/>
+          </a:p>
+          <a:p>
+            <a:pPr marL="457200" lvl="1" indent="0">
+              <a:buNone/>
+            </a:pPr>
+            <a:r>
+              <a:rPr lang="en-US" dirty="0" err="1" smtClean="0"/>
+              <a:t>Ví</a:t>
+            </a:r>
+            <a:r>
+              <a:rPr lang="en-US" dirty="0" smtClean="0"/>
+              <a:t> </a:t>
+            </a:r>
+            <a:r>
+              <a:rPr lang="en-US" dirty="0" err="1" smtClean="0"/>
+              <a:t>dụ</a:t>
+            </a:r>
+            <a:r>
+              <a:rPr lang="en-US" dirty="0" smtClean="0"/>
+              <a:t>: private String </a:t>
+            </a:r>
+            <a:r>
+              <a:rPr lang="en-US" dirty="0" smtClean="0"/>
+              <a:t>name;</a:t>
+            </a:r>
+          </a:p>
+          <a:p>
+            <a:pPr marL="0" indent="0">
+              <a:buNone/>
+            </a:pPr>
+            <a:endParaRPr lang="en-US" dirty="0" smtClean="0"/>
+          </a:p>
+          <a:p>
+            <a:r>
+              <a:rPr lang="en-US" dirty="0" err="1" smtClean="0"/>
               <a:t>Mặc</a:t>
             </a:r>
             <a:r>
-              <a:rPr lang="en-US" sz="3600" dirty="0" smtClean="0"/>
-              <a:t> </a:t>
-            </a:r>
-            <a:r>
-              <a:rPr lang="en-US" sz="3600" dirty="0" err="1" smtClean="0"/>
+              <a:rPr lang="en-US" dirty="0" smtClean="0"/>
+              <a:t> </a:t>
+            </a:r>
+            <a:r>
+              <a:rPr lang="en-US" dirty="0" err="1" smtClean="0"/>
               <a:t>định</a:t>
             </a:r>
-            <a:endParaRPr lang="en-US" sz="3600" dirty="0" smtClean="0"/>
-          </a:p>
-          <a:p>
-            <a:r>
-              <a:rPr lang="en-US" sz="3600" dirty="0" smtClean="0"/>
-              <a:t>Protected</a:t>
-            </a:r>
+            <a:endParaRPr lang="en-US" dirty="0" smtClean="0"/>
+          </a:p>
+          <a:p>
+            <a:pPr marL="400050" lvl="1" indent="0">
+              <a:buNone/>
+            </a:pPr>
+            <a:r>
+              <a:rPr lang="en-US" dirty="0" smtClean="0"/>
+              <a:t>String name</a:t>
+            </a:r>
+          </a:p>
+          <a:p>
+            <a:pPr marL="0" indent="0">
+              <a:buNone/>
+            </a:pPr>
+            <a:endParaRPr lang="en-US" dirty="0" smtClean="0"/>
           </a:p>
           <a:p>
             <a:endParaRPr lang="en-GB" dirty="0"/>
-          </a:p>
-        </p:txBody>
-      </p:sp>
-      <p:sp>
-        <p:nvSpPr>
-          <p:cNvPr id="4" name="TextBox 3"/>
-          <p:cNvSpPr txBox="1"/>
-          <p:nvPr/>
-        </p:nvSpPr>
-        <p:spPr>
-          <a:xfrm>
-            <a:off x="2362200" y="4959927"/>
-            <a:ext cx="4616841" cy="461665"/>
-          </a:xfrm>
-          <a:prstGeom prst="rect">
-            <a:avLst/>
-          </a:prstGeom>
-        </p:spPr>
-        <p:style>
-          <a:lnRef idx="2">
-            <a:schemeClr val="accent3"/>
-          </a:lnRef>
-          <a:fillRef idx="1">
-            <a:schemeClr val="lt1"/>
-          </a:fillRef>
-          <a:effectRef idx="0">
-            <a:schemeClr val="accent3"/>
-          </a:effectRef>
-          <a:fontRef idx="minor">
-            <a:schemeClr val="dk1"/>
-          </a:fontRef>
-        </p:style>
-        <p:txBody>
-          <a:bodyPr wrap="none" rtlCol="0">
-            <a:spAutoFit/>
-          </a:bodyPr>
-          <a:lstStyle/>
-          <a:p>
-            <a:r>
-              <a:rPr lang="en-US" sz="2400" dirty="0" err="1" smtClean="0"/>
-              <a:t>Có</a:t>
-            </a:r>
-            <a:r>
-              <a:rPr lang="en-US" sz="2400" dirty="0" smtClean="0"/>
-              <a:t> 4 </a:t>
-            </a:r>
-            <a:r>
-              <a:rPr lang="en-US" sz="2400" dirty="0" err="1" smtClean="0"/>
-              <a:t>loại</a:t>
-            </a:r>
-            <a:r>
-              <a:rPr lang="en-US" sz="2400" dirty="0" smtClean="0"/>
-              <a:t> Access Modifier </a:t>
-            </a:r>
-            <a:r>
-              <a:rPr lang="en-US" sz="2400" dirty="0" err="1" smtClean="0"/>
-              <a:t>trong</a:t>
-            </a:r>
-            <a:r>
-              <a:rPr lang="en-US" sz="2400" dirty="0" smtClean="0"/>
-              <a:t> java</a:t>
-            </a:r>
-            <a:endParaRPr lang="en-US" sz="2400" dirty="0"/>
           </a:p>
         </p:txBody>
       </p:sp>
     </p:spTree>
     <p:extLst>
       <p:ext uri="{BB962C8B-B14F-4D97-AF65-F5344CB8AC3E}">
-        <p14:creationId xmlns:p14="http://schemas.microsoft.com/office/powerpoint/2010/main" val="3765785578"/>
+        <p14:creationId xmlns:p14="http://schemas.microsoft.com/office/powerpoint/2010/main" val="4032895327"/>
       </p:ext>
     </p:extLst>
   </p:cSld>
@@ -3375,187 +3396,148 @@
         </p:nvSpPr>
         <p:spPr/>
         <p:txBody>
-          <a:bodyPr>
-            <a:normAutofit fontScale="90000"/>
+          <a:bodyPr/>
+          <a:lstStyle/>
+          <a:p>
+            <a:r>
+              <a:rPr lang="en-US" dirty="0" err="1" smtClean="0"/>
+              <a:t>Mức</a:t>
+            </a:r>
+            <a:r>
+              <a:rPr lang="en-US" dirty="0" smtClean="0"/>
+              <a:t> </a:t>
+            </a:r>
+            <a:r>
+              <a:rPr lang="en-US" dirty="0" err="1" smtClean="0"/>
+              <a:t>truy</a:t>
+            </a:r>
+            <a:r>
+              <a:rPr lang="en-US" dirty="0" smtClean="0"/>
+              <a:t> </a:t>
+            </a:r>
+            <a:r>
+              <a:rPr lang="en-US" dirty="0" err="1" smtClean="0"/>
+              <a:t>cập</a:t>
+            </a:r>
+            <a:endParaRPr lang="en-US" dirty="0"/>
+          </a:p>
+        </p:txBody>
+      </p:sp>
+      <p:pic>
+        <p:nvPicPr>
+          <p:cNvPr id="1026" name="Picture 2"/>
+          <p:cNvPicPr>
+            <a:picLocks noChangeAspect="1" noChangeArrowheads="1"/>
+          </p:cNvPicPr>
+          <p:nvPr/>
+        </p:nvPicPr>
+        <p:blipFill>
+          <a:blip r:embed="rId2">
+            <a:extLst>
+              <a:ext uri="{28A0092B-C50C-407E-A947-70E740481C1C}">
+                <a14:useLocalDpi xmlns:a14="http://schemas.microsoft.com/office/drawing/2010/main" val="0"/>
+              </a:ext>
+            </a:extLst>
+          </a:blip>
+          <a:srcRect/>
+          <a:stretch>
+            <a:fillRect/>
+          </a:stretch>
+        </p:blipFill>
+        <p:spPr bwMode="auto">
+          <a:xfrm>
+            <a:off x="254616" y="1925045"/>
+            <a:ext cx="8743950" cy="3067050"/>
+          </a:xfrm>
+          <a:prstGeom prst="rect">
+            <a:avLst/>
+          </a:prstGeom>
+          <a:noFill/>
+          <a:ln>
+            <a:noFill/>
+          </a:ln>
+          <a:effectLst/>
+          <a:extLst>
+            <a:ext uri="{909E8E84-426E-40DD-AFC4-6F175D3DCCD1}">
+              <a14:hiddenFill xmlns:a14="http://schemas.microsoft.com/office/drawing/2010/main">
+                <a:solidFill>
+                  <a:schemeClr val="accent1"/>
+                </a:solidFill>
+              </a14:hiddenFill>
+            </a:ext>
+            <a:ext uri="{91240B29-F687-4F45-9708-019B960494DF}">
+              <a14:hiddenLine xmlns:a14="http://schemas.microsoft.com/office/drawing/2010/main" w="9525">
+                <a:solidFill>
+                  <a:schemeClr val="tx1"/>
+                </a:solidFill>
+                <a:miter lim="800000"/>
+                <a:headEnd/>
+                <a:tailEnd/>
+              </a14:hiddenLine>
+            </a:ext>
+            <a:ext uri="{AF507438-7753-43E0-B8FC-AC1667EBCBE1}">
+              <a14:hiddenEffects xmlns:a14="http://schemas.microsoft.com/office/drawing/2010/main">
+                <a:effectLst>
+                  <a:outerShdw dist="35921" dir="2700000" algn="ctr" rotWithShape="0">
+                    <a:schemeClr val="bg2"/>
+                  </a:outerShdw>
+                </a:effectLst>
+              </a14:hiddenEffects>
+            </a:ext>
+          </a:extLst>
+        </p:spPr>
+      </p:pic>
+      <p:sp>
+        <p:nvSpPr>
+          <p:cNvPr id="4" name="TextBox 3"/>
+          <p:cNvSpPr txBox="1"/>
+          <p:nvPr/>
+        </p:nvSpPr>
+        <p:spPr>
+          <a:xfrm>
+            <a:off x="2590800" y="5867400"/>
+            <a:ext cx="2858475" cy="461665"/>
+          </a:xfrm>
+          <a:prstGeom prst="rect">
+            <a:avLst/>
+          </a:prstGeom>
+        </p:spPr>
+        <p:style>
+          <a:lnRef idx="2">
+            <a:schemeClr val="accent3"/>
+          </a:lnRef>
+          <a:fillRef idx="1">
+            <a:schemeClr val="lt1"/>
+          </a:fillRef>
+          <a:effectRef idx="0">
+            <a:schemeClr val="accent3"/>
+          </a:effectRef>
+          <a:fontRef idx="minor">
+            <a:schemeClr val="dk1"/>
+          </a:fontRef>
+        </p:style>
+        <p:txBody>
+          <a:bodyPr wrap="none" rtlCol="0">
+            <a:spAutoFit/>
           </a:bodyPr>
           <a:lstStyle/>
           <a:p>
             <a:r>
-              <a:rPr lang="en-US" smtClean="0"/>
-              <a:t>Cách sử dụng</a:t>
-            </a:r>
-            <a:br>
-              <a:rPr lang="en-US" smtClean="0"/>
-            </a:br>
-            <a:endParaRPr lang="en-GB" dirty="0"/>
-          </a:p>
-        </p:txBody>
-      </p:sp>
-      <p:sp>
-        <p:nvSpPr>
-          <p:cNvPr id="3" name="Content Placeholder 2"/>
-          <p:cNvSpPr>
-            <a:spLocks noGrp="1"/>
-          </p:cNvSpPr>
-          <p:nvPr>
-            <p:ph idx="1"/>
-          </p:nvPr>
-        </p:nvSpPr>
-        <p:spPr/>
-        <p:txBody>
-          <a:bodyPr/>
-          <a:lstStyle/>
-          <a:p>
-            <a:r>
-              <a:rPr lang="en-US" dirty="0" err="1" smtClean="0"/>
-              <a:t>Không</a:t>
-            </a:r>
-            <a:r>
-              <a:rPr lang="en-US" dirty="0" smtClean="0"/>
-              <a:t> </a:t>
-            </a:r>
-            <a:r>
-              <a:rPr lang="en-US" dirty="0" err="1" smtClean="0"/>
-              <a:t>sử</a:t>
-            </a:r>
-            <a:r>
-              <a:rPr lang="en-US" dirty="0" smtClean="0"/>
-              <a:t> </a:t>
-            </a:r>
-            <a:r>
-              <a:rPr lang="en-US" dirty="0" err="1" smtClean="0"/>
-              <a:t>dụng</a:t>
-            </a:r>
-            <a:r>
-              <a:rPr lang="en-US" dirty="0" smtClean="0"/>
-              <a:t> </a:t>
-            </a:r>
-            <a:r>
-              <a:rPr lang="en-US" dirty="0" err="1" smtClean="0"/>
-              <a:t>mặc</a:t>
-            </a:r>
-            <a:r>
-              <a:rPr lang="en-US" dirty="0" smtClean="0"/>
-              <a:t> </a:t>
-            </a:r>
-            <a:r>
-              <a:rPr lang="en-US" dirty="0" err="1" smtClean="0"/>
-              <a:t>định</a:t>
-            </a:r>
-            <a:r>
-              <a:rPr lang="en-US" dirty="0" smtClean="0"/>
-              <a:t> </a:t>
-            </a:r>
-            <a:r>
-              <a:rPr lang="en-US" b="1" dirty="0" err="1" smtClean="0"/>
-              <a:t>private|public</a:t>
-            </a:r>
-            <a:r>
-              <a:rPr lang="en-US" b="1" dirty="0" err="1"/>
-              <a:t>|</a:t>
-            </a:r>
-            <a:r>
-              <a:rPr lang="en-US" b="1" dirty="0" err="1" smtClean="0"/>
-              <a:t>protected</a:t>
-            </a:r>
-            <a:r>
-              <a:rPr lang="en-US" dirty="0" smtClean="0"/>
-              <a:t> String name;</a:t>
-            </a:r>
-          </a:p>
-          <a:p>
-            <a:pPr marL="0" indent="0">
-              <a:buNone/>
-            </a:pPr>
-            <a:endParaRPr lang="en-US" dirty="0" smtClean="0"/>
-          </a:p>
-          <a:p>
-            <a:r>
-              <a:rPr lang="en-US" dirty="0" err="1" smtClean="0"/>
-              <a:t>Nếu</a:t>
-            </a:r>
-            <a:r>
-              <a:rPr lang="en-US" dirty="0" smtClean="0"/>
-              <a:t> </a:t>
-            </a:r>
-            <a:r>
-              <a:rPr lang="en-US" dirty="0" err="1" smtClean="0"/>
-              <a:t>không</a:t>
-            </a:r>
-            <a:r>
-              <a:rPr lang="en-US" dirty="0" smtClean="0"/>
-              <a:t> </a:t>
-            </a:r>
-            <a:r>
-              <a:rPr lang="en-US" dirty="0" err="1" smtClean="0"/>
-              <a:t>sử</a:t>
-            </a:r>
-            <a:r>
-              <a:rPr lang="en-US" dirty="0" smtClean="0"/>
-              <a:t> </a:t>
-            </a:r>
-            <a:r>
-              <a:rPr lang="en-US" dirty="0" err="1" smtClean="0"/>
-              <a:t>dụng</a:t>
-            </a:r>
-            <a:r>
-              <a:rPr lang="en-US" dirty="0" smtClean="0"/>
-              <a:t> 3 </a:t>
-            </a:r>
-            <a:r>
-              <a:rPr lang="en-US" dirty="0" err="1" smtClean="0"/>
-              <a:t>từ</a:t>
-            </a:r>
-            <a:r>
-              <a:rPr lang="en-US" dirty="0" smtClean="0"/>
-              <a:t> </a:t>
-            </a:r>
-            <a:r>
-              <a:rPr lang="en-US" dirty="0" err="1" smtClean="0"/>
-              <a:t>khóa</a:t>
-            </a:r>
-            <a:r>
-              <a:rPr lang="en-US" dirty="0" smtClean="0"/>
-              <a:t> </a:t>
-            </a:r>
-            <a:r>
-              <a:rPr lang="en-US" dirty="0" err="1" smtClean="0"/>
-              <a:t>còn</a:t>
-            </a:r>
-            <a:r>
-              <a:rPr lang="en-US" dirty="0" smtClean="0"/>
-              <a:t> </a:t>
-            </a:r>
-            <a:r>
-              <a:rPr lang="en-US" dirty="0" err="1" smtClean="0"/>
-              <a:t>lại</a:t>
-            </a:r>
-            <a:endParaRPr lang="en-US" dirty="0" smtClean="0"/>
-          </a:p>
-          <a:p>
-            <a:pPr marL="400050" lvl="1" indent="0">
-              <a:buNone/>
-            </a:pPr>
-            <a:r>
-              <a:rPr lang="en-US" dirty="0" smtClean="0"/>
-              <a:t>String name</a:t>
-            </a:r>
-          </a:p>
-          <a:p>
-            <a:pPr marL="0" indent="0">
-              <a:buNone/>
-            </a:pPr>
-            <a:endParaRPr lang="en-US" dirty="0" smtClean="0"/>
-          </a:p>
-          <a:p>
-            <a:endParaRPr lang="en-GB" dirty="0"/>
+              <a:rPr lang="en-US" sz="2400" dirty="0" err="1" smtClean="0"/>
+              <a:t>Bảng</a:t>
+            </a:r>
+            <a:r>
+              <a:rPr lang="en-US" sz="2400" dirty="0" smtClean="0"/>
+              <a:t> Access Modifier</a:t>
+            </a:r>
+            <a:endParaRPr lang="en-GB" sz="2400" dirty="0"/>
           </a:p>
         </p:txBody>
       </p:sp>
     </p:spTree>
     <p:extLst>
       <p:ext uri="{BB962C8B-B14F-4D97-AF65-F5344CB8AC3E}">
-        <p14:creationId xmlns:p14="http://schemas.microsoft.com/office/powerpoint/2010/main" val="4032895327"/>
+        <p14:creationId xmlns:p14="http://schemas.microsoft.com/office/powerpoint/2010/main" val="4204606629"/>
       </p:ext>
     </p:extLst>
   </p:cSld>
@@ -3605,16 +3587,16 @@
           <a:lstStyle/>
           <a:p>
             <a:r>
-              <a:rPr lang="en-US" dirty="0" smtClean="0"/>
-              <a:t>AM </a:t>
-            </a:r>
-            <a:r>
-              <a:rPr lang="en-US" dirty="0" err="1" smtClean="0"/>
-              <a:t>với</a:t>
-            </a:r>
-            <a:r>
-              <a:rPr lang="en-US" dirty="0" smtClean="0"/>
-              <a:t> Class</a:t>
+              <a:rPr lang="en-US" dirty="0" err="1" smtClean="0"/>
+              <a:t>Tóm</a:t>
+            </a:r>
+            <a:r>
+              <a:rPr lang="en-US" dirty="0" smtClean="0"/>
+              <a:t> </a:t>
+            </a:r>
+            <a:r>
+              <a:rPr lang="en-US" dirty="0" err="1" smtClean="0"/>
+              <a:t>lược</a:t>
             </a:r>
             <a:endParaRPr lang="en-GB" dirty="0"/>
           </a:p>
@@ -3622,7 +3604,7 @@
       </p:sp>
       <p:sp>
         <p:nvSpPr>
-          <p:cNvPr id="4" name="Content Placeholder 3"/>
+          <p:cNvPr id="3" name="Content Placeholder 2"/>
           <p:cNvSpPr>
             <a:spLocks noGrp="1"/>
           </p:cNvSpPr>
@@ -3637,55 +3619,84 @@
           <a:p>
             <a:r>
               <a:rPr lang="en-US" dirty="0" err="1" smtClean="0"/>
-              <a:t>Không</a:t>
-            </a:r>
-            <a:r>
-              <a:rPr lang="en-US" dirty="0" smtClean="0"/>
-              <a:t> </a:t>
-            </a:r>
-            <a:r>
-              <a:rPr lang="en-US" dirty="0" err="1" smtClean="0"/>
-              <a:t>thể</a:t>
-            </a:r>
-            <a:r>
-              <a:rPr lang="en-US" dirty="0" smtClean="0"/>
-              <a:t> private, protected </a:t>
-            </a:r>
-            <a:r>
-              <a:rPr lang="en-US" dirty="0" err="1" smtClean="0"/>
-              <a:t>với</a:t>
-            </a:r>
-            <a:r>
-              <a:rPr lang="en-US" dirty="0" smtClean="0"/>
-              <a:t> class</a:t>
-            </a:r>
-          </a:p>
-          <a:p>
-            <a:pPr lvl="1">
-              <a:buFont typeface="Symbol"/>
-              <a:buChar char="Þ"/>
-            </a:pPr>
-            <a:r>
-              <a:rPr lang="en-US" dirty="0" err="1" smtClean="0"/>
-              <a:t>Lỗi</a:t>
-            </a:r>
-            <a:r>
-              <a:rPr lang="en-US" dirty="0" smtClean="0"/>
-              <a:t> compiler</a:t>
-            </a:r>
-          </a:p>
-          <a:p>
-            <a:r>
-              <a:rPr lang="en-US" dirty="0" err="1" smtClean="0"/>
-              <a:t>Chỉ</a:t>
-            </a:r>
-            <a:r>
-              <a:rPr lang="en-US" dirty="0" smtClean="0"/>
-              <a:t> </a:t>
-            </a:r>
-            <a:r>
-              <a:rPr lang="en-US" dirty="0" err="1" smtClean="0"/>
-              <a:t>dử</a:t>
+              <a:t>Hiểu</a:t>
+            </a:r>
+            <a:r>
+              <a:rPr lang="en-US" dirty="0" smtClean="0"/>
+              <a:t> </a:t>
+            </a:r>
+            <a:r>
+              <a:rPr lang="en-US" dirty="0" err="1" smtClean="0"/>
+              <a:t>được</a:t>
+            </a:r>
+            <a:r>
+              <a:rPr lang="en-US" dirty="0" smtClean="0"/>
+              <a:t> </a:t>
+            </a:r>
+          </a:p>
+          <a:p>
+            <a:pPr lvl="1"/>
+            <a:r>
+              <a:rPr lang="en-US" dirty="0" smtClean="0"/>
+              <a:t>Access Modifier </a:t>
+            </a:r>
+            <a:r>
+              <a:rPr lang="en-US" dirty="0" err="1" smtClean="0"/>
+              <a:t>là</a:t>
+            </a:r>
+            <a:r>
+              <a:rPr lang="en-US" dirty="0" smtClean="0"/>
+              <a:t> </a:t>
+            </a:r>
+            <a:r>
+              <a:rPr lang="en-US" dirty="0" err="1" smtClean="0"/>
+              <a:t>gì</a:t>
+            </a:r>
+            <a:r>
+              <a:rPr lang="en-US" dirty="0" smtClean="0"/>
+              <a:t>?</a:t>
+            </a:r>
+          </a:p>
+          <a:p>
+            <a:pPr lvl="1"/>
+            <a:r>
+              <a:rPr lang="en-US" dirty="0" err="1" smtClean="0"/>
+              <a:t>Các</a:t>
+            </a:r>
+            <a:r>
+              <a:rPr lang="en-US" dirty="0" smtClean="0"/>
+              <a:t> </a:t>
+            </a:r>
+            <a:r>
+              <a:rPr lang="en-US" dirty="0" err="1" smtClean="0"/>
+              <a:t>loại</a:t>
+            </a:r>
+            <a:r>
+              <a:rPr lang="en-US" dirty="0" smtClean="0"/>
+              <a:t> </a:t>
+            </a:r>
+            <a:r>
+              <a:rPr lang="en-US" dirty="0"/>
+              <a:t>Access </a:t>
+            </a:r>
+            <a:r>
+              <a:rPr lang="en-US" dirty="0" smtClean="0"/>
+              <a:t>Modifier</a:t>
+            </a:r>
+          </a:p>
+          <a:p>
+            <a:pPr lvl="1"/>
+            <a:r>
+              <a:rPr lang="en-US" dirty="0" err="1" smtClean="0"/>
+              <a:t>Cách</a:t>
+            </a:r>
+            <a:r>
+              <a:rPr lang="en-US" dirty="0" smtClean="0"/>
+              <a:t> </a:t>
+            </a:r>
+            <a:r>
+              <a:rPr lang="en-US" dirty="0" err="1" smtClean="0"/>
+              <a:t>sử</a:t>
             </a:r>
             <a:r>
               <a:rPr lang="en-US" dirty="0" smtClean="0"/>
@@ -3695,173 +3706,34 @@
               <a:rPr lang="en-US" dirty="0" err="1" smtClean="0"/>
               <a:t>dụng</a:t>
             </a:r>
-            <a:r>
-              <a:rPr lang="en-US" dirty="0" smtClean="0"/>
-              <a:t> private, protected </a:t>
-            </a:r>
-            <a:r>
-              <a:rPr lang="en-US" dirty="0" err="1" smtClean="0"/>
-              <a:t>với</a:t>
-            </a:r>
-            <a:r>
-              <a:rPr lang="en-US" dirty="0" smtClean="0"/>
-              <a:t> </a:t>
-            </a:r>
-            <a:r>
-              <a:rPr lang="en-US" dirty="0" err="1" smtClean="0"/>
-              <a:t>SubClass</a:t>
-            </a:r>
             <a:endParaRPr lang="en-US" dirty="0" smtClean="0"/>
           </a:p>
           <a:p>
-            <a:r>
-              <a:rPr lang="en-US" dirty="0" err="1" smtClean="0"/>
-              <a:t>Vì</a:t>
-            </a:r>
-            <a:r>
-              <a:rPr lang="en-US" dirty="0" smtClean="0"/>
-              <a:t> </a:t>
-            </a:r>
-            <a:r>
-              <a:rPr lang="en-US" dirty="0" err="1" smtClean="0"/>
-              <a:t>sao</a:t>
-            </a:r>
-            <a:endParaRPr lang="en-US" dirty="0" smtClean="0"/>
-          </a:p>
-          <a:p>
             <a:pPr lvl="1"/>
             <a:r>
-              <a:rPr lang="en-US" dirty="0" err="1" smtClean="0"/>
-              <a:t>Dùng</a:t>
-            </a:r>
-            <a:r>
-              <a:rPr lang="en-US" dirty="0" smtClean="0"/>
-              <a:t> private </a:t>
-            </a:r>
-            <a:r>
-              <a:rPr lang="en-US" dirty="0" err="1" smtClean="0"/>
-              <a:t>thì</a:t>
-            </a:r>
-            <a:r>
-              <a:rPr lang="en-US" dirty="0" smtClean="0"/>
-              <a:t> class =&gt; class </a:t>
-            </a:r>
-            <a:r>
-              <a:rPr lang="en-US" dirty="0" err="1" smtClean="0"/>
-              <a:t>đóng</a:t>
-            </a:r>
-            <a:r>
-              <a:rPr lang="en-US" dirty="0" smtClean="0"/>
-              <a:t> </a:t>
-            </a:r>
-            <a:r>
-              <a:rPr lang="en-US" dirty="0" err="1" smtClean="0"/>
-              <a:t>không</a:t>
-            </a:r>
-            <a:r>
-              <a:rPr lang="en-US" dirty="0" smtClean="0"/>
-              <a:t> chia </a:t>
-            </a:r>
-            <a:r>
-              <a:rPr lang="en-US" dirty="0" err="1" smtClean="0"/>
-              <a:t>sẻ</a:t>
-            </a:r>
-            <a:r>
-              <a:rPr lang="en-US" dirty="0" smtClean="0"/>
-              <a:t> </a:t>
-            </a:r>
-            <a:r>
-              <a:rPr lang="en-US" dirty="0" err="1" smtClean="0"/>
-              <a:t>các</a:t>
-            </a:r>
-            <a:r>
-              <a:rPr lang="en-US" dirty="0" smtClean="0"/>
-              <a:t> </a:t>
-            </a:r>
-            <a:r>
-              <a:rPr lang="en-US" dirty="0" err="1" smtClean="0"/>
-              <a:t>hàm</a:t>
-            </a:r>
-            <a:r>
-              <a:rPr lang="en-US" dirty="0" smtClean="0"/>
-              <a:t> getter </a:t>
-            </a:r>
-            <a:r>
-              <a:rPr lang="en-US" dirty="0" err="1" smtClean="0"/>
-              <a:t>và</a:t>
-            </a:r>
-            <a:r>
-              <a:rPr lang="en-US" dirty="0" smtClean="0"/>
-              <a:t> setter =&gt; class “</a:t>
-            </a:r>
-            <a:r>
-              <a:rPr lang="en-US" dirty="0" err="1" smtClean="0"/>
-              <a:t>tù</a:t>
-            </a:r>
-            <a:r>
-              <a:rPr lang="en-US" dirty="0" smtClean="0"/>
-              <a:t>” </a:t>
-            </a:r>
-            <a:r>
-              <a:rPr lang="en-US" dirty="0" err="1" smtClean="0"/>
-              <a:t>sinh</a:t>
-            </a:r>
-            <a:r>
-              <a:rPr lang="en-US" dirty="0" smtClean="0"/>
-              <a:t> </a:t>
-            </a:r>
-            <a:r>
-              <a:rPr lang="en-US" dirty="0" err="1" smtClean="0"/>
-              <a:t>ra</a:t>
-            </a:r>
-            <a:r>
-              <a:rPr lang="en-US" dirty="0" smtClean="0"/>
-              <a:t> </a:t>
-            </a:r>
-            <a:r>
-              <a:rPr lang="en-US" dirty="0" err="1" smtClean="0"/>
-              <a:t>để</a:t>
-            </a:r>
-            <a:r>
-              <a:rPr lang="en-US" dirty="0" smtClean="0"/>
-              <a:t> </a:t>
-            </a:r>
-            <a:r>
-              <a:rPr lang="en-US" dirty="0" err="1" smtClean="0"/>
-              <a:t>làm</a:t>
-            </a:r>
-            <a:r>
-              <a:rPr lang="en-US" dirty="0" smtClean="0"/>
-              <a:t> </a:t>
-            </a:r>
-            <a:r>
-              <a:rPr lang="en-US" dirty="0" err="1" smtClean="0"/>
-              <a:t>gì</a:t>
-            </a:r>
-            <a:r>
-              <a:rPr lang="en-US" dirty="0" smtClean="0"/>
-              <a:t>?</a:t>
-            </a:r>
-          </a:p>
-          <a:p>
-            <a:pPr lvl="1"/>
-            <a:r>
-              <a:rPr lang="en-US" dirty="0" err="1" smtClean="0"/>
-              <a:t>Dùng</a:t>
-            </a:r>
-            <a:r>
-              <a:rPr lang="en-US" dirty="0" smtClean="0"/>
-              <a:t> protected </a:t>
-            </a:r>
-            <a:endParaRPr lang="en-US" dirty="0"/>
-          </a:p>
-          <a:p>
-            <a:endParaRPr lang="en-US" dirty="0" smtClean="0"/>
-          </a:p>
-          <a:p>
-            <a:pPr marL="457200" lvl="1" indent="0">
-              <a:buNone/>
-            </a:pPr>
+              <a:rPr lang="en-US" dirty="0" smtClean="0"/>
+              <a:t>Ý </a:t>
+            </a:r>
+            <a:r>
+              <a:rPr lang="en-US" dirty="0" err="1" smtClean="0"/>
+              <a:t>nghĩa</a:t>
+            </a:r>
+            <a:r>
+              <a:rPr lang="en-US" dirty="0" smtClean="0"/>
+              <a:t> </a:t>
+            </a:r>
+            <a:r>
+              <a:rPr lang="en-US" dirty="0" err="1" smtClean="0"/>
+              <a:t>sử</a:t>
+            </a:r>
+            <a:r>
+              <a:rPr lang="en-US" dirty="0" smtClean="0"/>
+              <a:t> </a:t>
+            </a:r>
+            <a:r>
+              <a:rPr lang="en-US" dirty="0" err="1" smtClean="0"/>
+              <a:t>dụng</a:t>
+            </a:r>
             <a:endParaRPr lang="en-GB" dirty="0"/>
           </a:p>
         </p:txBody>
@@ -3869,99 +3741,17 @@
     </p:spTree>
     <p:extLst>
       <p:ext uri="{BB962C8B-B14F-4D97-AF65-F5344CB8AC3E}">
-        <p14:creationId xmlns:p14="http://schemas.microsoft.com/office/powerpoint/2010/main" val="3692196180"/>
+        <p14:creationId xmlns:p14="http://schemas.microsoft.com/office/powerpoint/2010/main" val="3882931206"/>
       </p:ext>
     </p:extLst>
   </p:cSld>
   <p:clrMapOvr>
     <a:masterClrMapping/>
   </p:clrMapOvr>
-  <p:timing>
-    <p:tnLst>
-      <p:par>
-        <p:cTn id="1" dur="indefinite" restart="never" nodeType="tmRoot"/>
-      </p:par>
-    </p:tnLst>
-  </p:timing>
 </p:sld>
 </file>
 
 <file path=ppt/slides/slide13.xml><?xml version="1.0" encoding="utf-8"?>
-<p:sld xmlns:a="http://schemas.openxmlformats.org/drawingml/2006/main" xmlns:r="http://schemas.openxmlformats.org/officeDocument/2006/relationships" xmlns:p="http://schemas.openxmlformats.org/presentationml/2006/main">
-  <p:cSld>
-    <p:spTree>
-      <p:nvGrpSpPr>
-        <p:cNvPr id="1" name=""/>
-        <p:cNvGrpSpPr/>
-        <p:nvPr/>
-      </p:nvGrpSpPr>
-      <p:grpSpPr>
-        <a:xfrm>
-          <a:off x="0" y="0"/>
-          <a:ext cx="0" cy="0"/>
-          <a:chOff x="0" y="0"/>
-          <a:chExt cx="0" cy="0"/>
-        </a:xfrm>
-      </p:grpSpPr>
-      <p:sp>
-        <p:nvSpPr>
-          <p:cNvPr id="2" name="Title 1"/>
-          <p:cNvSpPr>
-            <a:spLocks noGrp="1"/>
-          </p:cNvSpPr>
-          <p:nvPr>
-            <p:ph type="title"/>
-          </p:nvPr>
-        </p:nvSpPr>
-        <p:spPr/>
-        <p:txBody>
-          <a:bodyPr/>
-          <a:lstStyle/>
-          <a:p>
-            <a:endParaRPr lang="en-US"/>
-          </a:p>
-        </p:txBody>
-      </p:sp>
-      <p:sp>
-        <p:nvSpPr>
-          <p:cNvPr id="3" name="Content Placeholder 2"/>
-          <p:cNvSpPr>
-            <a:spLocks noGrp="1"/>
-          </p:cNvSpPr>
-          <p:nvPr>
-            <p:ph idx="1"/>
-          </p:nvPr>
-        </p:nvSpPr>
-        <p:spPr/>
-        <p:txBody>
-          <a:bodyPr/>
-          <a:lstStyle/>
-          <a:p>
-            <a:endParaRPr lang="en-US"/>
-          </a:p>
-        </p:txBody>
-      </p:sp>
-    </p:spTree>
-    <p:extLst>
-      <p:ext uri="{BB962C8B-B14F-4D97-AF65-F5344CB8AC3E}">
-        <p14:creationId xmlns:p14="http://schemas.microsoft.com/office/powerpoint/2010/main" val="4204606629"/>
-      </p:ext>
-    </p:extLst>
-  </p:cSld>
-  <p:clrMapOvr>
-    <a:masterClrMapping/>
-  </p:clrMapOvr>
-  <p:timing>
-    <p:tnLst>
-      <p:par>
-        <p:cTn id="1" dur="indefinite" restart="never" nodeType="tmRoot"/>
-      </p:par>
-    </p:tnLst>
-  </p:timing>
-</p:sld>
-</file>
-
-<file path=ppt/slides/slide14.xml><?xml version="1.0" encoding="utf-8"?>
 <p:sld xmlns:a="http://schemas.openxmlformats.org/drawingml/2006/main" xmlns:r="http://schemas.openxmlformats.org/officeDocument/2006/relationships" xmlns:p="http://schemas.openxmlformats.org/presentationml/2006/main">
   <p:cSld>
     <p:spTree>
@@ -4267,6 +4057,569 @@
           <a:lstStyle/>
           <a:p>
             <a:r>
+              <a:rPr lang="en-US" dirty="0" err="1" smtClean="0"/>
+              <a:t>Khái</a:t>
+            </a:r>
+            <a:r>
+              <a:rPr lang="en-US" dirty="0" smtClean="0"/>
+              <a:t> </a:t>
+            </a:r>
+            <a:r>
+              <a:rPr lang="en-US" dirty="0" err="1" smtClean="0"/>
+              <a:t>niệm</a:t>
+            </a:r>
+            <a:r>
+              <a:rPr lang="en-US" dirty="0" smtClean="0"/>
+              <a:t> Package</a:t>
+            </a:r>
+            <a:endParaRPr lang="en-GB" dirty="0"/>
+          </a:p>
+        </p:txBody>
+      </p:sp>
+      <p:sp>
+        <p:nvSpPr>
+          <p:cNvPr id="3" name="Content Placeholder 2"/>
+          <p:cNvSpPr>
+            <a:spLocks noGrp="1"/>
+          </p:cNvSpPr>
+          <p:nvPr>
+            <p:ph idx="1"/>
+          </p:nvPr>
+        </p:nvSpPr>
+        <p:spPr/>
+        <p:txBody>
+          <a:bodyPr/>
+          <a:lstStyle/>
+          <a:p>
+            <a:r>
+              <a:rPr lang="en-US" dirty="0" err="1" smtClean="0"/>
+              <a:t>Các</a:t>
+            </a:r>
+            <a:r>
+              <a:rPr lang="en-US" dirty="0" smtClean="0"/>
+              <a:t> class, interface </a:t>
+            </a:r>
+            <a:r>
+              <a:rPr lang="en-US" dirty="0" err="1" smtClean="0"/>
+              <a:t>có</a:t>
+            </a:r>
+            <a:r>
+              <a:rPr lang="en-US" dirty="0" smtClean="0"/>
+              <a:t> </a:t>
+            </a:r>
+            <a:r>
+              <a:rPr lang="en-US" dirty="0" err="1" smtClean="0"/>
+              <a:t>chung</a:t>
+            </a:r>
+            <a:r>
+              <a:rPr lang="en-US" dirty="0" smtClean="0"/>
+              <a:t> “</a:t>
+            </a:r>
+            <a:r>
+              <a:rPr lang="en-US" dirty="0" err="1" smtClean="0"/>
+              <a:t>nơi</a:t>
+            </a:r>
+            <a:r>
+              <a:rPr lang="en-US" dirty="0" smtClean="0"/>
+              <a:t> </a:t>
+            </a:r>
+            <a:r>
+              <a:rPr lang="en-US" dirty="0" err="1" smtClean="0"/>
+              <a:t>chứa</a:t>
+            </a:r>
+            <a:r>
+              <a:rPr lang="en-US" dirty="0" smtClean="0"/>
+              <a:t>”</a:t>
+            </a:r>
+          </a:p>
+          <a:p>
+            <a:r>
+              <a:rPr lang="en-US" dirty="0" err="1" smtClean="0"/>
+              <a:t>Tương</a:t>
+            </a:r>
+            <a:r>
+              <a:rPr lang="en-US" dirty="0" smtClean="0"/>
+              <a:t> </a:t>
+            </a:r>
+            <a:r>
+              <a:rPr lang="en-US" dirty="0" err="1" smtClean="0"/>
+              <a:t>tự</a:t>
+            </a:r>
+            <a:r>
+              <a:rPr lang="en-US" dirty="0" smtClean="0"/>
+              <a:t> </a:t>
+            </a:r>
+            <a:r>
+              <a:rPr lang="en-US" dirty="0" err="1" smtClean="0"/>
+              <a:t>như</a:t>
+            </a:r>
+            <a:r>
+              <a:rPr lang="en-US" dirty="0" smtClean="0"/>
+              <a:t> </a:t>
+            </a:r>
+            <a:r>
+              <a:rPr lang="en-US" dirty="0" err="1" smtClean="0"/>
+              <a:t>thư</a:t>
+            </a:r>
+            <a:r>
+              <a:rPr lang="en-US" dirty="0" smtClean="0"/>
+              <a:t> </a:t>
+            </a:r>
+            <a:r>
+              <a:rPr lang="en-US" dirty="0" err="1" smtClean="0"/>
+              <a:t>mục</a:t>
+            </a:r>
+            <a:r>
+              <a:rPr lang="en-US" dirty="0" smtClean="0"/>
+              <a:t> </a:t>
+            </a:r>
+            <a:r>
+              <a:rPr lang="en-US" dirty="0" err="1" smtClean="0"/>
+              <a:t>trong</a:t>
+            </a:r>
+            <a:r>
+              <a:rPr lang="en-US" dirty="0" smtClean="0"/>
+              <a:t> </a:t>
+            </a:r>
+            <a:r>
+              <a:rPr lang="en-US" dirty="0" err="1" smtClean="0"/>
+              <a:t>hệ</a:t>
+            </a:r>
+            <a:r>
+              <a:rPr lang="en-US" dirty="0" smtClean="0"/>
+              <a:t> </a:t>
+            </a:r>
+            <a:r>
+              <a:rPr lang="en-US" dirty="0" err="1" smtClean="0"/>
+              <a:t>điều</a:t>
+            </a:r>
+            <a:r>
+              <a:rPr lang="en-US" dirty="0" smtClean="0"/>
+              <a:t> </a:t>
+            </a:r>
+            <a:r>
+              <a:rPr lang="en-US" dirty="0" err="1" smtClean="0"/>
+              <a:t>hành</a:t>
+            </a:r>
+            <a:endParaRPr lang="en-GB" dirty="0"/>
+          </a:p>
+        </p:txBody>
+      </p:sp>
+      <p:sp>
+        <p:nvSpPr>
+          <p:cNvPr id="4" name="TextBox 3"/>
+          <p:cNvSpPr txBox="1"/>
+          <p:nvPr/>
+        </p:nvSpPr>
+        <p:spPr>
+          <a:xfrm>
+            <a:off x="1752600" y="4572000"/>
+            <a:ext cx="5457841" cy="461665"/>
+          </a:xfrm>
+          <a:prstGeom prst="rect">
+            <a:avLst/>
+          </a:prstGeom>
+        </p:spPr>
+        <p:style>
+          <a:lnRef idx="2">
+            <a:schemeClr val="accent3"/>
+          </a:lnRef>
+          <a:fillRef idx="1">
+            <a:schemeClr val="lt1"/>
+          </a:fillRef>
+          <a:effectRef idx="0">
+            <a:schemeClr val="accent3"/>
+          </a:effectRef>
+          <a:fontRef idx="minor">
+            <a:schemeClr val="dk1"/>
+          </a:fontRef>
+        </p:style>
+        <p:txBody>
+          <a:bodyPr wrap="none" rtlCol="0">
+            <a:spAutoFit/>
+          </a:bodyPr>
+          <a:lstStyle/>
+          <a:p>
+            <a:r>
+              <a:rPr lang="en-US" sz="2400" dirty="0" err="1" smtClean="0"/>
+              <a:t>Có</a:t>
+            </a:r>
+            <a:r>
+              <a:rPr lang="en-US" sz="2400" dirty="0" smtClean="0"/>
+              <a:t> </a:t>
+            </a:r>
+            <a:r>
+              <a:rPr lang="en-US" sz="2400" dirty="0" err="1" smtClean="0"/>
+              <a:t>thể</a:t>
+            </a:r>
+            <a:r>
+              <a:rPr lang="en-US" sz="2400" dirty="0" smtClean="0"/>
+              <a:t> </a:t>
+            </a:r>
+            <a:r>
+              <a:rPr lang="en-US" sz="2400" dirty="0" err="1" smtClean="0"/>
+              <a:t>hiểu</a:t>
+            </a:r>
+            <a:r>
+              <a:rPr lang="en-US" sz="2400" dirty="0" smtClean="0"/>
+              <a:t> package ở </a:t>
+            </a:r>
+            <a:r>
+              <a:rPr lang="en-US" sz="2400" dirty="0" err="1" smtClean="0"/>
+              <a:t>đây</a:t>
+            </a:r>
+            <a:r>
+              <a:rPr lang="en-US" sz="2400" dirty="0" smtClean="0"/>
+              <a:t> </a:t>
+            </a:r>
+            <a:r>
+              <a:rPr lang="en-US" sz="2400" dirty="0" err="1" smtClean="0"/>
+              <a:t>là</a:t>
+            </a:r>
+            <a:r>
+              <a:rPr lang="en-US" sz="2400" dirty="0" smtClean="0"/>
+              <a:t> </a:t>
+            </a:r>
+            <a:r>
+              <a:rPr lang="en-US" sz="2400" dirty="0" err="1" smtClean="0"/>
+              <a:t>một</a:t>
+            </a:r>
+            <a:r>
+              <a:rPr lang="en-US" sz="2400" dirty="0" smtClean="0"/>
+              <a:t> </a:t>
+            </a:r>
+            <a:r>
+              <a:rPr lang="en-US" sz="2400" dirty="0" err="1" smtClean="0"/>
+              <a:t>thư</a:t>
+            </a:r>
+            <a:r>
+              <a:rPr lang="en-US" sz="2400" dirty="0" smtClean="0"/>
+              <a:t> </a:t>
+            </a:r>
+            <a:r>
+              <a:rPr lang="en-US" sz="2400" dirty="0" err="1" smtClean="0"/>
+              <a:t>mục</a:t>
+            </a:r>
+            <a:endParaRPr lang="en-GB" sz="2400" dirty="0"/>
+          </a:p>
+        </p:txBody>
+      </p:sp>
+    </p:spTree>
+    <p:extLst>
+      <p:ext uri="{BB962C8B-B14F-4D97-AF65-F5344CB8AC3E}">
+        <p14:creationId xmlns:p14="http://schemas.microsoft.com/office/powerpoint/2010/main" val="4088314895"/>
+      </p:ext>
+    </p:extLst>
+  </p:cSld>
+  <p:clrMapOvr>
+    <a:masterClrMapping/>
+  </p:clrMapOvr>
+</p:sld>
+</file>
+
+<file path=ppt/slides/slide4.xml><?xml version="1.0" encoding="utf-8"?>
+<p:sld xmlns:a="http://schemas.openxmlformats.org/drawingml/2006/main" xmlns:r="http://schemas.openxmlformats.org/officeDocument/2006/relationships" xmlns:p="http://schemas.openxmlformats.org/presentationml/2006/main">
+  <p:cSld>
+    <p:spTree>
+      <p:nvGrpSpPr>
+        <p:cNvPr id="1" name=""/>
+        <p:cNvGrpSpPr/>
+        <p:nvPr/>
+      </p:nvGrpSpPr>
+      <p:grpSpPr>
+        <a:xfrm>
+          <a:off x="0" y="0"/>
+          <a:ext cx="0" cy="0"/>
+          <a:chOff x="0" y="0"/>
+          <a:chExt cx="0" cy="0"/>
+        </a:xfrm>
+      </p:grpSpPr>
+      <p:sp>
+        <p:nvSpPr>
+          <p:cNvPr id="2" name="Title 1"/>
+          <p:cNvSpPr>
+            <a:spLocks noGrp="1"/>
+          </p:cNvSpPr>
+          <p:nvPr>
+            <p:ph type="title"/>
+          </p:nvPr>
+        </p:nvSpPr>
+        <p:spPr/>
+        <p:txBody>
+          <a:bodyPr/>
+          <a:lstStyle/>
+          <a:p>
+            <a:r>
+              <a:rPr lang="en-US" dirty="0" err="1" smtClean="0"/>
+              <a:t>Truy</a:t>
+            </a:r>
+            <a:r>
+              <a:rPr lang="en-US" dirty="0" smtClean="0"/>
+              <a:t> </a:t>
+            </a:r>
+            <a:r>
+              <a:rPr lang="en-US" dirty="0" err="1" smtClean="0"/>
+              <a:t>cập</a:t>
+            </a:r>
+            <a:r>
+              <a:rPr lang="en-US" dirty="0" smtClean="0"/>
+              <a:t> </a:t>
+            </a:r>
+            <a:r>
+              <a:rPr lang="en-US" dirty="0" err="1" smtClean="0"/>
+              <a:t>trong</a:t>
+            </a:r>
+            <a:r>
+              <a:rPr lang="en-US" dirty="0" smtClean="0"/>
+              <a:t> Java</a:t>
+            </a:r>
+            <a:endParaRPr lang="en-US" dirty="0"/>
+          </a:p>
+        </p:txBody>
+      </p:sp>
+      <p:sp>
+        <p:nvSpPr>
+          <p:cNvPr id="3" name="Content Placeholder 2"/>
+          <p:cNvSpPr>
+            <a:spLocks noGrp="1"/>
+          </p:cNvSpPr>
+          <p:nvPr>
+            <p:ph idx="1"/>
+          </p:nvPr>
+        </p:nvSpPr>
+        <p:spPr/>
+        <p:txBody>
+          <a:bodyPr/>
+          <a:lstStyle/>
+          <a:p>
+            <a:r>
+              <a:rPr lang="en-US" dirty="0" smtClean="0"/>
+              <a:t>Interface</a:t>
+            </a:r>
+            <a:endParaRPr lang="en-US" dirty="0" smtClean="0"/>
+          </a:p>
+          <a:p>
+            <a:r>
+              <a:rPr lang="en-US" dirty="0" smtClean="0"/>
+              <a:t>Class </a:t>
+            </a:r>
+          </a:p>
+          <a:p>
+            <a:r>
+              <a:rPr lang="en-US" dirty="0" err="1" smtClean="0"/>
+              <a:t>Truy</a:t>
+            </a:r>
+            <a:r>
+              <a:rPr lang="en-US" dirty="0" smtClean="0"/>
+              <a:t> </a:t>
+            </a:r>
+            <a:r>
+              <a:rPr lang="en-US" dirty="0" err="1" smtClean="0"/>
+              <a:t>cập</a:t>
+            </a:r>
+            <a:r>
+              <a:rPr lang="en-US" dirty="0" smtClean="0"/>
+              <a:t> </a:t>
+            </a:r>
+            <a:r>
+              <a:rPr lang="en-US" dirty="0" err="1" smtClean="0"/>
+              <a:t>biến</a:t>
+            </a:r>
+            <a:endParaRPr lang="en-US" dirty="0" smtClean="0"/>
+          </a:p>
+          <a:p>
+            <a:r>
+              <a:rPr lang="en-US" dirty="0" err="1" smtClean="0"/>
+              <a:t>Truy</a:t>
+            </a:r>
+            <a:r>
+              <a:rPr lang="en-US" dirty="0" smtClean="0"/>
+              <a:t> </a:t>
+            </a:r>
+            <a:r>
+              <a:rPr lang="en-US" dirty="0" err="1" smtClean="0"/>
+              <a:t>cập</a:t>
+            </a:r>
+            <a:r>
+              <a:rPr lang="en-US" dirty="0" smtClean="0"/>
+              <a:t> </a:t>
+            </a:r>
+            <a:r>
+              <a:rPr lang="en-US" dirty="0" err="1" smtClean="0"/>
+              <a:t>phương</a:t>
+            </a:r>
+            <a:r>
+              <a:rPr lang="en-US" dirty="0" smtClean="0"/>
+              <a:t> </a:t>
+            </a:r>
+            <a:r>
+              <a:rPr lang="en-US" dirty="0" err="1" smtClean="0"/>
+              <a:t>thức</a:t>
+            </a:r>
+            <a:endParaRPr lang="en-US" dirty="0"/>
+          </a:p>
+        </p:txBody>
+      </p:sp>
+      <p:sp>
+        <p:nvSpPr>
+          <p:cNvPr id="4" name="TextBox 3"/>
+          <p:cNvSpPr txBox="1"/>
+          <p:nvPr/>
+        </p:nvSpPr>
+        <p:spPr>
+          <a:xfrm>
+            <a:off x="914400" y="4908645"/>
+            <a:ext cx="7286354" cy="477054"/>
+          </a:xfrm>
+          <a:prstGeom prst="rect">
+            <a:avLst/>
+          </a:prstGeom>
+        </p:spPr>
+        <p:style>
+          <a:lnRef idx="2">
+            <a:schemeClr val="accent3"/>
+          </a:lnRef>
+          <a:fillRef idx="1">
+            <a:schemeClr val="lt1"/>
+          </a:fillRef>
+          <a:effectRef idx="0">
+            <a:schemeClr val="accent3"/>
+          </a:effectRef>
+          <a:fontRef idx="minor">
+            <a:schemeClr val="dk1"/>
+          </a:fontRef>
+        </p:style>
+        <p:txBody>
+          <a:bodyPr wrap="none" rtlCol="0">
+            <a:spAutoFit/>
+          </a:bodyPr>
+          <a:lstStyle/>
+          <a:p>
+            <a:r>
+              <a:rPr lang="en-US" sz="2500" dirty="0" err="1" smtClean="0"/>
+              <a:t>Truy</a:t>
+            </a:r>
+            <a:r>
+              <a:rPr lang="en-US" sz="2500" dirty="0" smtClean="0"/>
+              <a:t> </a:t>
+            </a:r>
+            <a:r>
+              <a:rPr lang="en-US" sz="2500" dirty="0" err="1" smtClean="0"/>
+              <a:t>cập</a:t>
+            </a:r>
+            <a:r>
+              <a:rPr lang="en-US" sz="2500" dirty="0" smtClean="0"/>
+              <a:t> </a:t>
+            </a:r>
+            <a:r>
+              <a:rPr lang="en-US" sz="2500" dirty="0" err="1" smtClean="0"/>
+              <a:t>trong</a:t>
+            </a:r>
+            <a:r>
+              <a:rPr lang="en-US" sz="2500" dirty="0" smtClean="0"/>
+              <a:t> </a:t>
+            </a:r>
+            <a:r>
+              <a:rPr lang="en-US" sz="2500" b="1" dirty="0" err="1" smtClean="0"/>
+              <a:t>cùng</a:t>
+            </a:r>
+            <a:r>
+              <a:rPr lang="en-US" sz="2500" b="1" dirty="0" smtClean="0"/>
+              <a:t> package</a:t>
+            </a:r>
+            <a:r>
+              <a:rPr lang="en-US" sz="2500" dirty="0" smtClean="0"/>
+              <a:t> </a:t>
+            </a:r>
+            <a:r>
+              <a:rPr lang="en-US" sz="2500" dirty="0" err="1" smtClean="0"/>
+              <a:t>và</a:t>
+            </a:r>
+            <a:r>
+              <a:rPr lang="en-US" sz="2500" dirty="0" smtClean="0"/>
+              <a:t> </a:t>
+            </a:r>
+            <a:r>
+              <a:rPr lang="en-US" sz="2500" b="1" dirty="0" err="1" smtClean="0"/>
+              <a:t>khác</a:t>
+            </a:r>
+            <a:r>
+              <a:rPr lang="en-US" sz="2500" b="1" dirty="0" smtClean="0"/>
+              <a:t> package</a:t>
+            </a:r>
+            <a:r>
+              <a:rPr lang="en-US" sz="2500" dirty="0" smtClean="0"/>
+              <a:t> </a:t>
+            </a:r>
+            <a:r>
+              <a:rPr lang="en-US" sz="2500" dirty="0" err="1" smtClean="0"/>
+              <a:t>với</a:t>
+            </a:r>
+            <a:r>
+              <a:rPr lang="en-US" sz="2500" dirty="0" smtClean="0"/>
+              <a:t> </a:t>
+            </a:r>
+            <a:r>
+              <a:rPr lang="en-US" sz="2500" dirty="0" err="1" smtClean="0"/>
+              <a:t>nhau</a:t>
+            </a:r>
+            <a:endParaRPr lang="en-GB" sz="2500" dirty="0"/>
+          </a:p>
+        </p:txBody>
+      </p:sp>
+    </p:spTree>
+    <p:extLst>
+      <p:ext uri="{BB962C8B-B14F-4D97-AF65-F5344CB8AC3E}">
+        <p14:creationId xmlns:p14="http://schemas.microsoft.com/office/powerpoint/2010/main" val="632031797"/>
+      </p:ext>
+    </p:extLst>
+  </p:cSld>
+  <p:clrMapOvr>
+    <a:masterClrMapping/>
+  </p:clrMapOvr>
+  <p:timing>
+    <p:tnLst>
+      <p:par>
+        <p:cTn id="1" dur="indefinite" restart="never" nodeType="tmRoot"/>
+      </p:par>
+    </p:tnLst>
+  </p:timing>
+</p:sld>
+</file>
+
+<file path=ppt/slides/slide5.xml><?xml version="1.0" encoding="utf-8"?>
+<p:sld xmlns:a="http://schemas.openxmlformats.org/drawingml/2006/main" xmlns:r="http://schemas.openxmlformats.org/officeDocument/2006/relationships" xmlns:p="http://schemas.openxmlformats.org/presentationml/2006/main">
+  <p:cSld>
+    <p:spTree>
+      <p:nvGrpSpPr>
+        <p:cNvPr id="1" name=""/>
+        <p:cNvGrpSpPr/>
+        <p:nvPr/>
+      </p:nvGrpSpPr>
+      <p:grpSpPr>
+        <a:xfrm>
+          <a:off x="0" y="0"/>
+          <a:ext cx="0" cy="0"/>
+          <a:chOff x="0" y="0"/>
+          <a:chExt cx="0" cy="0"/>
+        </a:xfrm>
+      </p:grpSpPr>
+      <p:sp>
+        <p:nvSpPr>
+          <p:cNvPr id="2" name="Title 1"/>
+          <p:cNvSpPr>
+            <a:spLocks noGrp="1"/>
+          </p:cNvSpPr>
+          <p:nvPr>
+            <p:ph type="title"/>
+          </p:nvPr>
+        </p:nvSpPr>
+        <p:spPr/>
+        <p:txBody>
+          <a:bodyPr/>
+          <a:lstStyle/>
+          <a:p>
+            <a:r>
               <a:rPr lang="en-US" dirty="0" smtClean="0"/>
               <a:t>Access Modifier </a:t>
             </a:r>
@@ -4431,11 +4784,7 @@
             </a:r>
             <a:r>
               <a:rPr lang="en-US" dirty="0" smtClean="0"/>
-              <a:t> class, </a:t>
-            </a:r>
-            <a:r>
-              <a:rPr lang="en-US" dirty="0" smtClean="0"/>
-              <a:t>interface </a:t>
+              <a:t> class, interface </a:t>
             </a:r>
             <a:r>
               <a:rPr lang="en-US" dirty="0" err="1" smtClean="0"/>
@@ -4485,7 +4834,7 @@
 </p:sld>
 </file>
 
-<file path=ppt/slides/slide4.xml><?xml version="1.0" encoding="utf-8"?>
+<file path=ppt/slides/slide6.xml><?xml version="1.0" encoding="utf-8"?>
 <p:sld xmlns:a="http://schemas.openxmlformats.org/drawingml/2006/main" xmlns:r="http://schemas.openxmlformats.org/officeDocument/2006/relationships" xmlns:p="http://schemas.openxmlformats.org/presentationml/2006/main">
   <p:cSld>
     <p:spTree>
@@ -5222,7 +5571,7 @@
 </p:sld>
 </file>
 
-<file path=ppt/slides/slide5.xml><?xml version="1.0" encoding="utf-8"?>
+<file path=ppt/slides/slide7.xml><?xml version="1.0" encoding="utf-8"?>
 <p:sld xmlns:a="http://schemas.openxmlformats.org/drawingml/2006/main" xmlns:r="http://schemas.openxmlformats.org/officeDocument/2006/relationships" xmlns:p="http://schemas.openxmlformats.org/presentationml/2006/main">
   <p:cSld>
     <p:spTree>
@@ -5490,7 +5839,7 @@
 </p:sld>
 </file>
 
-<file path=ppt/slides/slide6.xml><?xml version="1.0" encoding="utf-8"?>
+<file path=ppt/slides/slide8.xml><?xml version="1.0" encoding="utf-8"?>
 <p:sld xmlns:a="http://schemas.openxmlformats.org/drawingml/2006/main" xmlns:r="http://schemas.openxmlformats.org/officeDocument/2006/relationships" xmlns:p="http://schemas.openxmlformats.org/presentationml/2006/main">
   <p:cSld>
     <p:spTree>
@@ -5668,256 +6017,6 @@
 </p:sld>
 </file>
 
-<file path=ppt/slides/slide7.xml><?xml version="1.0" encoding="utf-8"?>
-<p:sld xmlns:a="http://schemas.openxmlformats.org/drawingml/2006/main" xmlns:r="http://schemas.openxmlformats.org/officeDocument/2006/relationships" xmlns:p="http://schemas.openxmlformats.org/presentationml/2006/main">
-  <p:cSld>
-    <p:spTree>
-      <p:nvGrpSpPr>
-        <p:cNvPr id="1" name=""/>
-        <p:cNvGrpSpPr/>
-        <p:nvPr/>
-      </p:nvGrpSpPr>
-      <p:grpSpPr>
-        <a:xfrm>
-          <a:off x="0" y="0"/>
-          <a:ext cx="0" cy="0"/>
-          <a:chOff x="0" y="0"/>
-          <a:chExt cx="0" cy="0"/>
-        </a:xfrm>
-      </p:grpSpPr>
-      <p:sp>
-        <p:nvSpPr>
-          <p:cNvPr id="2" name="Title 1"/>
-          <p:cNvSpPr>
-            <a:spLocks noGrp="1"/>
-          </p:cNvSpPr>
-          <p:nvPr>
-            <p:ph type="title"/>
-          </p:nvPr>
-        </p:nvSpPr>
-        <p:spPr>
-          <a:xfrm>
-            <a:off x="457200" y="2590800"/>
-            <a:ext cx="8229600" cy="1143000"/>
-          </a:xfrm>
-        </p:spPr>
-        <p:txBody>
-          <a:bodyPr/>
-          <a:lstStyle/>
-          <a:p>
-            <a:r>
-              <a:rPr lang="en-US" dirty="0" err="1" smtClean="0"/>
-              <a:t>Vậy</a:t>
-            </a:r>
-            <a:r>
-              <a:rPr lang="en-US" dirty="0" smtClean="0"/>
-              <a:t> </a:t>
-            </a:r>
-            <a:r>
-              <a:rPr lang="en-US" dirty="0" err="1" smtClean="0"/>
-              <a:t>cái</a:t>
-            </a:r>
-            <a:r>
-              <a:rPr lang="en-US" dirty="0" smtClean="0"/>
-              <a:t> </a:t>
-            </a:r>
-            <a:r>
-              <a:rPr lang="en-US" dirty="0" err="1" smtClean="0"/>
-              <a:t>gì</a:t>
-            </a:r>
-            <a:r>
-              <a:rPr lang="en-US" dirty="0" smtClean="0"/>
-              <a:t> </a:t>
-            </a:r>
-            <a:r>
-              <a:rPr lang="en-US" dirty="0" err="1" smtClean="0"/>
-              <a:t>truy</a:t>
-            </a:r>
-            <a:r>
-              <a:rPr lang="en-US" dirty="0" smtClean="0"/>
-              <a:t> </a:t>
-            </a:r>
-            <a:r>
-              <a:rPr lang="en-US" dirty="0" err="1" smtClean="0"/>
-              <a:t>câp</a:t>
-            </a:r>
-            <a:r>
-              <a:rPr lang="en-US" dirty="0" smtClean="0"/>
-              <a:t> </a:t>
-            </a:r>
-            <a:r>
-              <a:rPr lang="en-US" dirty="0" err="1" smtClean="0"/>
-              <a:t>cái</a:t>
-            </a:r>
-            <a:r>
-              <a:rPr lang="en-US" dirty="0" smtClean="0"/>
-              <a:t> </a:t>
-            </a:r>
-            <a:r>
-              <a:rPr lang="en-US" dirty="0" err="1" smtClean="0"/>
-              <a:t>gì</a:t>
-            </a:r>
-            <a:r>
-              <a:rPr lang="en-US" dirty="0" smtClean="0"/>
-              <a:t>?</a:t>
-            </a:r>
-            <a:endParaRPr lang="en-US" dirty="0"/>
-          </a:p>
-        </p:txBody>
-      </p:sp>
-      <p:pic>
-        <p:nvPicPr>
-          <p:cNvPr id="3" name="Picture 2" descr="Káº¿t quáº£ hÃ¬nh áº£nh cho think"/>
-          <p:cNvPicPr>
-            <a:picLocks noChangeAspect="1" noChangeArrowheads="1"/>
-          </p:cNvPicPr>
-          <p:nvPr/>
-        </p:nvPicPr>
-        <p:blipFill>
-          <a:blip r:embed="rId2">
-            <a:extLst>
-              <a:ext uri="{28A0092B-C50C-407E-A947-70E740481C1C}">
-                <a14:useLocalDpi xmlns:a14="http://schemas.microsoft.com/office/drawing/2010/main" val="0"/>
-              </a:ext>
-            </a:extLst>
-          </a:blip>
-          <a:srcRect/>
-          <a:stretch>
-            <a:fillRect/>
-          </a:stretch>
-        </p:blipFill>
-        <p:spPr bwMode="auto">
-          <a:xfrm>
-            <a:off x="4038600" y="3962400"/>
-            <a:ext cx="2286000" cy="2286001"/>
-          </a:xfrm>
-          <a:prstGeom prst="rect">
-            <a:avLst/>
-          </a:prstGeom>
-          <a:noFill/>
-          <a:extLst>
-            <a:ext uri="{909E8E84-426E-40DD-AFC4-6F175D3DCCD1}">
-              <a14:hiddenFill xmlns:a14="http://schemas.microsoft.com/office/drawing/2010/main">
-                <a:solidFill>
-                  <a:srgbClr val="FFFFFF"/>
-                </a:solidFill>
-              </a14:hiddenFill>
-            </a:ext>
-          </a:extLst>
-        </p:spPr>
-      </p:pic>
-    </p:spTree>
-    <p:extLst>
-      <p:ext uri="{BB962C8B-B14F-4D97-AF65-F5344CB8AC3E}">
-        <p14:creationId xmlns:p14="http://schemas.microsoft.com/office/powerpoint/2010/main" val="395713242"/>
-      </p:ext>
-    </p:extLst>
-  </p:cSld>
-  <p:clrMapOvr>
-    <a:masterClrMapping/>
-  </p:clrMapOvr>
-  <p:timing>
-    <p:tnLst>
-      <p:par>
-        <p:cTn id="1" dur="indefinite" restart="never" nodeType="tmRoot"/>
-      </p:par>
-    </p:tnLst>
-  </p:timing>
-</p:sld>
-</file>
-
-<file path=ppt/slides/slide8.xml><?xml version="1.0" encoding="utf-8"?>
-<p:sld xmlns:a="http://schemas.openxmlformats.org/drawingml/2006/main" xmlns:r="http://schemas.openxmlformats.org/officeDocument/2006/relationships" xmlns:p="http://schemas.openxmlformats.org/presentationml/2006/main">
-  <p:cSld>
-    <p:spTree>
-      <p:nvGrpSpPr>
-        <p:cNvPr id="1" name=""/>
-        <p:cNvGrpSpPr/>
-        <p:nvPr/>
-      </p:nvGrpSpPr>
-      <p:grpSpPr>
-        <a:xfrm>
-          <a:off x="0" y="0"/>
-          <a:ext cx="0" cy="0"/>
-          <a:chOff x="0" y="0"/>
-          <a:chExt cx="0" cy="0"/>
-        </a:xfrm>
-      </p:grpSpPr>
-      <p:sp>
-        <p:nvSpPr>
-          <p:cNvPr id="2" name="Title 1"/>
-          <p:cNvSpPr>
-            <a:spLocks noGrp="1"/>
-          </p:cNvSpPr>
-          <p:nvPr>
-            <p:ph type="title"/>
-          </p:nvPr>
-        </p:nvSpPr>
-        <p:spPr/>
-        <p:txBody>
-          <a:bodyPr/>
-          <a:lstStyle/>
-          <a:p>
-            <a:r>
-              <a:rPr lang="en-US" dirty="0" smtClean="0"/>
-              <a:t>Package</a:t>
-            </a:r>
-            <a:endParaRPr lang="en-GB" dirty="0"/>
-          </a:p>
-        </p:txBody>
-      </p:sp>
-      <p:sp>
-        <p:nvSpPr>
-          <p:cNvPr id="3" name="Content Placeholder 2"/>
-          <p:cNvSpPr>
-            <a:spLocks noGrp="1"/>
-          </p:cNvSpPr>
-          <p:nvPr>
-            <p:ph idx="1"/>
-          </p:nvPr>
-        </p:nvSpPr>
-        <p:spPr/>
-        <p:txBody>
-          <a:bodyPr/>
-          <a:lstStyle/>
-          <a:p>
-            <a:r>
-              <a:rPr lang="en-US" dirty="0" err="1" smtClean="0"/>
-              <a:t>Các</a:t>
-            </a:r>
-            <a:r>
-              <a:rPr lang="en-US" dirty="0" smtClean="0"/>
-              <a:t> class, interface </a:t>
-            </a:r>
-            <a:r>
-              <a:rPr lang="en-US" dirty="0" err="1" smtClean="0"/>
-              <a:t>có</a:t>
-            </a:r>
-            <a:r>
-              <a:rPr lang="en-US" dirty="0" smtClean="0"/>
-              <a:t> </a:t>
-            </a:r>
-            <a:r>
-              <a:rPr lang="en-US" smtClean="0"/>
-              <a:t>chung</a:t>
-            </a:r>
-            <a:endParaRPr lang="en-GB"/>
-          </a:p>
-        </p:txBody>
-      </p:sp>
-    </p:spTree>
-    <p:extLst>
-      <p:ext uri="{BB962C8B-B14F-4D97-AF65-F5344CB8AC3E}">
-        <p14:creationId xmlns:p14="http://schemas.microsoft.com/office/powerpoint/2010/main" val="4088314895"/>
-      </p:ext>
-    </p:extLst>
-  </p:cSld>
-  <p:clrMapOvr>
-    <a:masterClrMapping/>
-  </p:clrMapOvr>
-</p:sld>
-</file>
-
 <file path=ppt/slides/slide9.xml><?xml version="1.0" encoding="utf-8"?>
 <p:sld xmlns:a="http://schemas.openxmlformats.org/drawingml/2006/main" xmlns:r="http://schemas.openxmlformats.org/officeDocument/2006/relationships" xmlns:p="http://schemas.openxmlformats.org/presentationml/2006/main">
   <p:cSld>
@@ -5950,7 +6049,23 @@
           <a:bodyPr/>
           <a:lstStyle/>
           <a:p>
-            <a:endParaRPr lang="en-US" dirty="0"/>
+            <a:r>
+              <a:rPr lang="en-US" dirty="0" err="1" smtClean="0"/>
+              <a:t>Các</a:t>
+            </a:r>
+            <a:r>
+              <a:rPr lang="en-US" dirty="0" smtClean="0"/>
+              <a:t> </a:t>
+            </a:r>
+            <a:r>
+              <a:rPr lang="en-US" dirty="0" err="1" smtClean="0"/>
+              <a:t>loại</a:t>
+            </a:r>
+            <a:r>
+              <a:rPr lang="en-US" dirty="0" smtClean="0"/>
+              <a:t> Access Modifier</a:t>
+            </a:r>
+            <a:endParaRPr lang="en-GB" dirty="0"/>
           </a:p>
         </p:txBody>
       </p:sp>
@@ -5964,70 +6079,120 @@
             <p:ph idx="1"/>
           </p:nvPr>
         </p:nvSpPr>
-        <p:spPr/>
-        <p:txBody>
-          <a:bodyPr/>
-          <a:lstStyle/>
-          <a:p>
-            <a:r>
-              <a:rPr lang="en-US" dirty="0" smtClean="0"/>
-              <a:t>Class =&gt; Class</a:t>
-            </a:r>
-          </a:p>
-          <a:p>
-            <a:pPr lvl="1"/>
-            <a:r>
-              <a:rPr lang="en-US" dirty="0" err="1" smtClean="0"/>
-              <a:t>Trong</a:t>
-            </a:r>
-            <a:r>
-              <a:rPr lang="en-US" dirty="0" smtClean="0"/>
-              <a:t> </a:t>
-            </a:r>
-            <a:r>
-              <a:rPr lang="en-US" dirty="0" err="1" smtClean="0"/>
-              <a:t>cùng</a:t>
-            </a:r>
-            <a:r>
-              <a:rPr lang="en-US" dirty="0" smtClean="0"/>
-              <a:t> package</a:t>
-            </a:r>
-          </a:p>
-          <a:p>
-            <a:pPr lvl="1"/>
-            <a:r>
-              <a:rPr lang="en-US" dirty="0" err="1" smtClean="0"/>
-              <a:t>Khác</a:t>
-            </a:r>
-            <a:r>
-              <a:rPr lang="en-US" dirty="0" smtClean="0"/>
-              <a:t> </a:t>
-            </a:r>
-            <a:r>
-              <a:rPr lang="en-US" dirty="0" err="1" smtClean="0"/>
-              <a:t>pakage</a:t>
-            </a:r>
-            <a:endParaRPr lang="en-US" dirty="0" smtClean="0"/>
-          </a:p>
-          <a:p>
-            <a:r>
-              <a:rPr lang="en-US" dirty="0" smtClean="0"/>
-              <a:t>Interface =&gt; Interface</a:t>
-            </a:r>
-          </a:p>
-          <a:p>
-            <a:r>
-              <a:rPr lang="en-US" dirty="0" smtClean="0"/>
-              <a:t>Method</a:t>
-            </a:r>
-            <a:endParaRPr lang="en-US" dirty="0"/>
+        <p:spPr>
+          <a:xfrm>
+            <a:off x="457200" y="1600201"/>
+            <a:ext cx="8229600" cy="2819400"/>
+          </a:xfrm>
+        </p:spPr>
+        <p:txBody>
+          <a:bodyPr/>
+          <a:lstStyle/>
+          <a:p>
+            <a:r>
+              <a:rPr lang="en-US" sz="3600" dirty="0" smtClean="0"/>
+              <a:t>Private</a:t>
+            </a:r>
+          </a:p>
+          <a:p>
+            <a:r>
+              <a:rPr lang="en-US" sz="3600" dirty="0" smtClean="0"/>
+              <a:t>Public</a:t>
+            </a:r>
+          </a:p>
+          <a:p>
+            <a:r>
+              <a:rPr lang="en-US" sz="3600" dirty="0" err="1" smtClean="0"/>
+              <a:t>Mặc</a:t>
+            </a:r>
+            <a:r>
+              <a:rPr lang="en-US" sz="3600" dirty="0" smtClean="0"/>
+              <a:t> </a:t>
+            </a:r>
+            <a:r>
+              <a:rPr lang="en-US" sz="3600" dirty="0" err="1" smtClean="0"/>
+              <a:t>định</a:t>
+            </a:r>
+            <a:endParaRPr lang="en-US" sz="3600" dirty="0" smtClean="0"/>
+          </a:p>
+          <a:p>
+            <a:r>
+              <a:rPr lang="en-US" sz="3600" dirty="0" smtClean="0"/>
+              <a:t>Protected</a:t>
+            </a:r>
+          </a:p>
+          <a:p>
+            <a:endParaRPr lang="en-GB" dirty="0"/>
+          </a:p>
+        </p:txBody>
+      </p:sp>
+      <p:sp>
+        <p:nvSpPr>
+          <p:cNvPr id="4" name="TextBox 3"/>
+          <p:cNvSpPr txBox="1"/>
+          <p:nvPr/>
+        </p:nvSpPr>
+        <p:spPr>
+          <a:xfrm>
+            <a:off x="2362200" y="4959927"/>
+            <a:ext cx="4616841" cy="461665"/>
+          </a:xfrm>
+          <a:prstGeom prst="rect">
+            <a:avLst/>
+          </a:prstGeom>
+        </p:spPr>
+        <p:style>
+          <a:lnRef idx="2">
+            <a:schemeClr val="accent3"/>
+          </a:lnRef>
+          <a:fillRef idx="1">
+            <a:schemeClr val="lt1"/>
+          </a:fillRef>
+          <a:effectRef idx="0">
+            <a:schemeClr val="accent3"/>
+          </a:effectRef>
+          <a:fontRef idx="minor">
+            <a:schemeClr val="dk1"/>
+          </a:fontRef>
+        </p:style>
+        <p:txBody>
+          <a:bodyPr wrap="none" rtlCol="0">
+            <a:spAutoFit/>
+          </a:bodyPr>
+          <a:lstStyle/>
+          <a:p>
+            <a:r>
+              <a:rPr lang="en-US" sz="2400" dirty="0" err="1" smtClean="0"/>
+              <a:t>Có</a:t>
+            </a:r>
+            <a:r>
+              <a:rPr lang="en-US" sz="2400" dirty="0" smtClean="0"/>
+              <a:t> 4 </a:t>
+            </a:r>
+            <a:r>
+              <a:rPr lang="en-US" sz="2400" dirty="0" err="1" smtClean="0"/>
+              <a:t>loại</a:t>
+            </a:r>
+            <a:r>
+              <a:rPr lang="en-US" sz="2400" dirty="0" smtClean="0"/>
+              <a:t> Access Modifier </a:t>
+            </a:r>
+            <a:r>
+              <a:rPr lang="en-US" sz="2400" dirty="0" err="1" smtClean="0"/>
+              <a:t>trong</a:t>
+            </a:r>
+            <a:r>
+              <a:rPr lang="en-US" sz="2400" dirty="0" smtClean="0"/>
+              <a:t> java</a:t>
+            </a:r>
+            <a:endParaRPr lang="en-US" sz="2400" dirty="0"/>
           </a:p>
         </p:txBody>
       </p:sp>
     </p:spTree>
     <p:extLst>
       <p:ext uri="{BB962C8B-B14F-4D97-AF65-F5344CB8AC3E}">
-        <p14:creationId xmlns:p14="http://schemas.microsoft.com/office/powerpoint/2010/main" val="632031797"/>
+        <p14:creationId xmlns:p14="http://schemas.microsoft.com/office/powerpoint/2010/main" val="3765785578"/>
       </p:ext>
     </p:extLst>
   </p:cSld>
